--- a/Week7/W1.03. Project Tools.pptx
+++ b/Week7/W1.03. Project Tools.pptx
@@ -220,6 +220,30 @@
       </pc:sldChg>
     </pc:docChg>
   </pc:docChgLst>
+  <pc:docChgLst>
+    <pc:chgData name="Charles Kiefriter" userId="a996b49251c4dfd2" providerId="LiveId" clId="{8DFA5770-D99C-4CD2-B0B1-88C4F644F0DF}"/>
+    <pc:docChg chg="modSld">
+      <pc:chgData name="Charles Kiefriter" userId="a996b49251c4dfd2" providerId="LiveId" clId="{8DFA5770-D99C-4CD2-B0B1-88C4F644F0DF}" dt="2023-04-18T14:29:13.152" v="17" actId="20577"/>
+      <pc:docMkLst>
+        <pc:docMk/>
+      </pc:docMkLst>
+      <pc:sldChg chg="modSp mod">
+        <pc:chgData name="Charles Kiefriter" userId="a996b49251c4dfd2" providerId="LiveId" clId="{8DFA5770-D99C-4CD2-B0B1-88C4F644F0DF}" dt="2023-04-18T14:29:13.152" v="17" actId="20577"/>
+        <pc:sldMkLst>
+          <pc:docMk/>
+          <pc:sldMk cId="357735422" sldId="257"/>
+        </pc:sldMkLst>
+        <pc:spChg chg="mod">
+          <ac:chgData name="Charles Kiefriter" userId="a996b49251c4dfd2" providerId="LiveId" clId="{8DFA5770-D99C-4CD2-B0B1-88C4F644F0DF}" dt="2023-04-18T14:29:13.152" v="17" actId="20577"/>
+          <ac:spMkLst>
+            <pc:docMk/>
+            <pc:sldMk cId="357735422" sldId="257"/>
+            <ac:spMk id="3" creationId="{36CCF5DC-477C-491B-A8B4-4B07B9CFCC9A}"/>
+          </ac:spMkLst>
+        </pc:spChg>
+      </pc:sldChg>
+    </pc:docChg>
+  </pc:docChgLst>
 </pc:chgInfo>
 </file>
 
@@ -467,7 +491,7 @@
           <a:p>
             <a:fld id="{548C5E67-172B-4F6A-B3B9-DEF72F952E5B}" type="datetimeFigureOut">
               <a:rPr lang="en-US" smtClean="0"/>
-              <a:t>4/13/2023</a:t>
+              <a:t>4/17/2023</a:t>
             </a:fld>
             <a:endParaRPr lang="en-US"/>
           </a:p>
@@ -671,7 +695,7 @@
           <a:p>
             <a:fld id="{548C5E67-172B-4F6A-B3B9-DEF72F952E5B}" type="datetimeFigureOut">
               <a:rPr lang="en-US" smtClean="0"/>
-              <a:t>4/13/2023</a:t>
+              <a:t>4/17/2023</a:t>
             </a:fld>
             <a:endParaRPr lang="en-US"/>
           </a:p>
@@ -865,7 +889,7 @@
           <a:p>
             <a:fld id="{548C5E67-172B-4F6A-B3B9-DEF72F952E5B}" type="datetimeFigureOut">
               <a:rPr lang="en-US" smtClean="0"/>
-              <a:t>4/13/2023</a:t>
+              <a:t>4/17/2023</a:t>
             </a:fld>
             <a:endParaRPr lang="en-US"/>
           </a:p>
@@ -1910,7 +1934,7 @@
           <a:p>
             <a:fld id="{548C5E67-172B-4F6A-B3B9-DEF72F952E5B}" type="datetimeFigureOut">
               <a:rPr lang="en-US" smtClean="0"/>
-              <a:t>4/13/2023</a:t>
+              <a:t>4/17/2023</a:t>
             </a:fld>
             <a:endParaRPr lang="en-US"/>
           </a:p>
@@ -2191,7 +2215,7 @@
           <a:p>
             <a:fld id="{548C5E67-172B-4F6A-B3B9-DEF72F952E5B}" type="datetimeFigureOut">
               <a:rPr lang="en-US" smtClean="0"/>
-              <a:t>4/13/2023</a:t>
+              <a:t>4/17/2023</a:t>
             </a:fld>
             <a:endParaRPr lang="en-US"/>
           </a:p>
@@ -6043,7 +6067,15 @@
             </a:pPr>
             <a:r>
               <a:rPr lang="en-US" dirty="0"/>
-              <a:t>An application that stores and serves up data</a:t>
+              <a:t>An application </a:t>
+            </a:r>
+            <a:r>
+              <a:rPr lang="en-US"/>
+              <a:t>that stores </a:t>
+            </a:r>
+            <a:r>
+              <a:rPr lang="en-US" dirty="0"/>
+              <a:t>and serves up data</a:t>
             </a:r>
           </a:p>
         </p:txBody>

--- a/Week7/W1.03. Project Tools.pptx
+++ b/Week7/W1.03. Project Tools.pptx
@@ -4,23 +4,26 @@
   <p:sldMasterIdLst>
     <p:sldMasterId id="2147483768" r:id="rId1"/>
   </p:sldMasterIdLst>
+  <p:notesMasterIdLst>
+    <p:notesMasterId r:id="rId24"/>
+  </p:notesMasterIdLst>
   <p:sldIdLst>
     <p:sldId id="256" r:id="rId2"/>
     <p:sldId id="283" r:id="rId3"/>
     <p:sldId id="284" r:id="rId4"/>
     <p:sldId id="277" r:id="rId5"/>
     <p:sldId id="257" r:id="rId6"/>
-    <p:sldId id="258" r:id="rId7"/>
-    <p:sldId id="262" r:id="rId8"/>
-    <p:sldId id="263" r:id="rId9"/>
-    <p:sldId id="265" r:id="rId10"/>
-    <p:sldId id="266" r:id="rId11"/>
-    <p:sldId id="267" r:id="rId12"/>
-    <p:sldId id="268" r:id="rId13"/>
-    <p:sldId id="269" r:id="rId14"/>
-    <p:sldId id="270" r:id="rId15"/>
+    <p:sldId id="285" r:id="rId7"/>
+    <p:sldId id="266" r:id="rId8"/>
+    <p:sldId id="267" r:id="rId9"/>
+    <p:sldId id="268" r:id="rId10"/>
+    <p:sldId id="269" r:id="rId11"/>
+    <p:sldId id="270" r:id="rId12"/>
+    <p:sldId id="258" r:id="rId13"/>
+    <p:sldId id="262" r:id="rId14"/>
+    <p:sldId id="263" r:id="rId15"/>
     <p:sldId id="271" r:id="rId16"/>
-    <p:sldId id="272" r:id="rId17"/>
+    <p:sldId id="265" r:id="rId17"/>
     <p:sldId id="278" r:id="rId18"/>
     <p:sldId id="273" r:id="rId19"/>
     <p:sldId id="274" r:id="rId20"/>
@@ -143,17 +146,17 @@
           <p14:sldIdLst>
             <p14:sldId id="277"/>
             <p14:sldId id="257"/>
-            <p14:sldId id="258"/>
-            <p14:sldId id="262"/>
-            <p14:sldId id="263"/>
-            <p14:sldId id="265"/>
+            <p14:sldId id="285"/>
             <p14:sldId id="266"/>
             <p14:sldId id="267"/>
             <p14:sldId id="268"/>
             <p14:sldId id="269"/>
             <p14:sldId id="270"/>
+            <p14:sldId id="258"/>
+            <p14:sldId id="262"/>
+            <p14:sldId id="263"/>
             <p14:sldId id="271"/>
-            <p14:sldId id="272"/>
+            <p14:sldId id="265"/>
           </p14:sldIdLst>
         </p14:section>
         <p14:section name="Database Clients" id="{7FD5AAD2-0F32-48BA-BB22-C8096A37B430}">
@@ -179,8 +182,768 @@
 </p:presentation>
 </file>
 
+<file path=ppt/revisionInfo.xml><?xml version="1.0" encoding="utf-8"?>
+<p1510:revInfo xmlns:a="http://schemas.openxmlformats.org/drawingml/2006/main" xmlns:r="http://schemas.openxmlformats.org/officeDocument/2006/relationships" xmlns:p1510="http://schemas.microsoft.com/office/powerpoint/2015/10/main">
+  <p1510:revLst>
+    <p1510:client id="{A16517E1-314B-4276-8CC4-26B24DEF8EB7}" v="18" dt="2024-03-20T23:14:19.120"/>
+  </p1510:revLst>
+</p1510:revInfo>
+</file>
+
 <file path=ppt/changesInfos/changesInfo1.xml><?xml version="1.0" encoding="utf-8"?>
 <pc:chgInfo xmlns:a="http://schemas.openxmlformats.org/drawingml/2006/main" xmlns:r="http://schemas.openxmlformats.org/officeDocument/2006/relationships" xmlns:ac="http://schemas.microsoft.com/office/drawing/2013/main/command" xmlns:pc="http://schemas.microsoft.com/office/powerpoint/2013/main/command">
+  <pc:docChgLst>
+    <pc:chgData name="Chuck Kiefriter" userId="a996b49251c4dfd2" providerId="LiveId" clId="{A16517E1-314B-4276-8CC4-26B24DEF8EB7}"/>
+    <pc:docChg chg="undo custSel addSld delSld modSld sldOrd modSection">
+      <pc:chgData name="Chuck Kiefriter" userId="a996b49251c4dfd2" providerId="LiveId" clId="{A16517E1-314B-4276-8CC4-26B24DEF8EB7}" dt="2024-03-20T23:15:50.655" v="746" actId="15"/>
+      <pc:docMkLst>
+        <pc:docMk/>
+      </pc:docMkLst>
+      <pc:sldChg chg="addSp delSp modSp mod">
+        <pc:chgData name="Chuck Kiefriter" userId="a996b49251c4dfd2" providerId="LiveId" clId="{A16517E1-314B-4276-8CC4-26B24DEF8EB7}" dt="2024-03-20T21:59:07.642" v="281" actId="21"/>
+        <pc:sldMkLst>
+          <pc:docMk/>
+          <pc:sldMk cId="357735422" sldId="257"/>
+        </pc:sldMkLst>
+        <pc:spChg chg="add del mod">
+          <ac:chgData name="Chuck Kiefriter" userId="a996b49251c4dfd2" providerId="LiveId" clId="{A16517E1-314B-4276-8CC4-26B24DEF8EB7}" dt="2024-03-20T21:59:07.642" v="281" actId="21"/>
+          <ac:spMkLst>
+            <pc:docMk/>
+            <pc:sldMk cId="357735422" sldId="257"/>
+            <ac:spMk id="6" creationId="{AF659058-DF75-B001-47D9-B757EE8B8A12}"/>
+          </ac:spMkLst>
+        </pc:spChg>
+      </pc:sldChg>
+      <pc:sldChg chg="addSp modSp mod ord">
+        <pc:chgData name="Chuck Kiefriter" userId="a996b49251c4dfd2" providerId="LiveId" clId="{A16517E1-314B-4276-8CC4-26B24DEF8EB7}" dt="2024-03-20T23:15:50.655" v="746" actId="15"/>
+        <pc:sldMkLst>
+          <pc:docMk/>
+          <pc:sldMk cId="2522568428" sldId="258"/>
+        </pc:sldMkLst>
+        <pc:spChg chg="mod">
+          <ac:chgData name="Chuck Kiefriter" userId="a996b49251c4dfd2" providerId="LiveId" clId="{A16517E1-314B-4276-8CC4-26B24DEF8EB7}" dt="2024-03-20T23:14:52.977" v="712" actId="14100"/>
+          <ac:spMkLst>
+            <pc:docMk/>
+            <pc:sldMk cId="2522568428" sldId="258"/>
+            <ac:spMk id="2" creationId="{CD634367-313E-48FB-9754-BA0469A0FCA2}"/>
+          </ac:spMkLst>
+        </pc:spChg>
+        <pc:spChg chg="mod">
+          <ac:chgData name="Chuck Kiefriter" userId="a996b49251c4dfd2" providerId="LiveId" clId="{A16517E1-314B-4276-8CC4-26B24DEF8EB7}" dt="2024-03-20T23:15:50.655" v="746" actId="15"/>
+          <ac:spMkLst>
+            <pc:docMk/>
+            <pc:sldMk cId="2522568428" sldId="258"/>
+            <ac:spMk id="3" creationId="{AF1EFD8B-1233-4272-90CE-BF80F3EC0626}"/>
+          </ac:spMkLst>
+        </pc:spChg>
+        <pc:spChg chg="add mod">
+          <ac:chgData name="Chuck Kiefriter" userId="a996b49251c4dfd2" providerId="LiveId" clId="{A16517E1-314B-4276-8CC4-26B24DEF8EB7}" dt="2024-03-20T23:14:23.734" v="687" actId="1076"/>
+          <ac:spMkLst>
+            <pc:docMk/>
+            <pc:sldMk cId="2522568428" sldId="258"/>
+            <ac:spMk id="7" creationId="{217EC890-81BB-A714-F03E-56B4D21AA5F2}"/>
+          </ac:spMkLst>
+        </pc:spChg>
+        <pc:spChg chg="add mod">
+          <ac:chgData name="Chuck Kiefriter" userId="a996b49251c4dfd2" providerId="LiveId" clId="{A16517E1-314B-4276-8CC4-26B24DEF8EB7}" dt="2024-03-20T23:14:08.373" v="685"/>
+          <ac:spMkLst>
+            <pc:docMk/>
+            <pc:sldMk cId="2522568428" sldId="258"/>
+            <ac:spMk id="11" creationId="{2CE04347-3008-4D5A-B759-24BBFAFA422F}"/>
+          </ac:spMkLst>
+        </pc:spChg>
+        <pc:spChg chg="add mod">
+          <ac:chgData name="Chuck Kiefriter" userId="a996b49251c4dfd2" providerId="LiveId" clId="{A16517E1-314B-4276-8CC4-26B24DEF8EB7}" dt="2024-03-20T23:14:08.373" v="685"/>
+          <ac:spMkLst>
+            <pc:docMk/>
+            <pc:sldMk cId="2522568428" sldId="258"/>
+            <ac:spMk id="12" creationId="{46D00E41-695B-4DFE-AD75-A70F6CAFE071}"/>
+          </ac:spMkLst>
+        </pc:spChg>
+        <pc:spChg chg="add mod">
+          <ac:chgData name="Chuck Kiefriter" userId="a996b49251c4dfd2" providerId="LiveId" clId="{A16517E1-314B-4276-8CC4-26B24DEF8EB7}" dt="2024-03-20T23:14:08.373" v="685"/>
+          <ac:spMkLst>
+            <pc:docMk/>
+            <pc:sldMk cId="2522568428" sldId="258"/>
+            <ac:spMk id="13" creationId="{01FA90EA-FF0A-45F5-BC22-01BD47C4F5D6}"/>
+          </ac:spMkLst>
+        </pc:spChg>
+        <pc:spChg chg="add mod">
+          <ac:chgData name="Chuck Kiefriter" userId="a996b49251c4dfd2" providerId="LiveId" clId="{A16517E1-314B-4276-8CC4-26B24DEF8EB7}" dt="2024-03-20T23:14:08.373" v="685"/>
+          <ac:spMkLst>
+            <pc:docMk/>
+            <pc:sldMk cId="2522568428" sldId="258"/>
+            <ac:spMk id="14" creationId="{88BF81E0-B129-47B9-8842-EEB92CE179B3}"/>
+          </ac:spMkLst>
+        </pc:spChg>
+        <pc:spChg chg="add mod">
+          <ac:chgData name="Chuck Kiefriter" userId="a996b49251c4dfd2" providerId="LiveId" clId="{A16517E1-314B-4276-8CC4-26B24DEF8EB7}" dt="2024-03-20T23:14:23.734" v="687" actId="1076"/>
+          <ac:spMkLst>
+            <pc:docMk/>
+            <pc:sldMk cId="2522568428" sldId="258"/>
+            <ac:spMk id="15" creationId="{3CE7E41B-2F97-5287-AAE5-2430A1700F13}"/>
+          </ac:spMkLst>
+        </pc:spChg>
+        <pc:spChg chg="add mod">
+          <ac:chgData name="Chuck Kiefriter" userId="a996b49251c4dfd2" providerId="LiveId" clId="{A16517E1-314B-4276-8CC4-26B24DEF8EB7}" dt="2024-03-20T23:14:23.734" v="687" actId="1076"/>
+          <ac:spMkLst>
+            <pc:docMk/>
+            <pc:sldMk cId="2522568428" sldId="258"/>
+            <ac:spMk id="16" creationId="{7BBB177F-7940-BD34-8F31-5D2D08B356B6}"/>
+          </ac:spMkLst>
+        </pc:spChg>
+        <pc:spChg chg="add mod">
+          <ac:chgData name="Chuck Kiefriter" userId="a996b49251c4dfd2" providerId="LiveId" clId="{A16517E1-314B-4276-8CC4-26B24DEF8EB7}" dt="2024-03-20T23:14:23.734" v="687" actId="1076"/>
+          <ac:spMkLst>
+            <pc:docMk/>
+            <pc:sldMk cId="2522568428" sldId="258"/>
+            <ac:spMk id="17" creationId="{5F530A73-3BA1-5E61-A6AB-95C61E93A0AE}"/>
+          </ac:spMkLst>
+        </pc:spChg>
+        <pc:picChg chg="add mod">
+          <ac:chgData name="Chuck Kiefriter" userId="a996b49251c4dfd2" providerId="LiveId" clId="{A16517E1-314B-4276-8CC4-26B24DEF8EB7}" dt="2024-03-20T23:14:23.734" v="687" actId="1076"/>
+          <ac:picMkLst>
+            <pc:docMk/>
+            <pc:sldMk cId="2522568428" sldId="258"/>
+            <ac:picMk id="4" creationId="{609817F5-C9A3-8441-0985-6BEFB95775BF}"/>
+          </ac:picMkLst>
+        </pc:picChg>
+        <pc:picChg chg="add mod">
+          <ac:chgData name="Chuck Kiefriter" userId="a996b49251c4dfd2" providerId="LiveId" clId="{A16517E1-314B-4276-8CC4-26B24DEF8EB7}" dt="2024-03-20T23:14:23.734" v="687" actId="1076"/>
+          <ac:picMkLst>
+            <pc:docMk/>
+            <pc:sldMk cId="2522568428" sldId="258"/>
+            <ac:picMk id="5" creationId="{1853775E-816B-5620-BAD0-9D1695C6E38A}"/>
+          </ac:picMkLst>
+        </pc:picChg>
+        <pc:picChg chg="add mod">
+          <ac:chgData name="Chuck Kiefriter" userId="a996b49251c4dfd2" providerId="LiveId" clId="{A16517E1-314B-4276-8CC4-26B24DEF8EB7}" dt="2024-03-20T23:14:23.734" v="687" actId="1076"/>
+          <ac:picMkLst>
+            <pc:docMk/>
+            <pc:sldMk cId="2522568428" sldId="258"/>
+            <ac:picMk id="6" creationId="{6138CB3C-B34B-33A5-8F15-B53E7F264FF1}"/>
+          </ac:picMkLst>
+        </pc:picChg>
+        <pc:picChg chg="add mod">
+          <ac:chgData name="Chuck Kiefriter" userId="a996b49251c4dfd2" providerId="LiveId" clId="{A16517E1-314B-4276-8CC4-26B24DEF8EB7}" dt="2024-03-20T23:14:08.373" v="685"/>
+          <ac:picMkLst>
+            <pc:docMk/>
+            <pc:sldMk cId="2522568428" sldId="258"/>
+            <ac:picMk id="8" creationId="{2EF5205D-B1FC-4605-9AE6-E3C92B2F046F}"/>
+          </ac:picMkLst>
+        </pc:picChg>
+        <pc:picChg chg="add mod">
+          <ac:chgData name="Chuck Kiefriter" userId="a996b49251c4dfd2" providerId="LiveId" clId="{A16517E1-314B-4276-8CC4-26B24DEF8EB7}" dt="2024-03-20T23:14:08.373" v="685"/>
+          <ac:picMkLst>
+            <pc:docMk/>
+            <pc:sldMk cId="2522568428" sldId="258"/>
+            <ac:picMk id="9" creationId="{6B94BE72-D977-4B66-B83E-B2A55EED2FDA}"/>
+          </ac:picMkLst>
+        </pc:picChg>
+        <pc:picChg chg="add mod">
+          <ac:chgData name="Chuck Kiefriter" userId="a996b49251c4dfd2" providerId="LiveId" clId="{A16517E1-314B-4276-8CC4-26B24DEF8EB7}" dt="2024-03-20T23:14:08.373" v="685"/>
+          <ac:picMkLst>
+            <pc:docMk/>
+            <pc:sldMk cId="2522568428" sldId="258"/>
+            <ac:picMk id="10" creationId="{0290CE91-067B-4E70-A5AE-C6FA88B0FFBA}"/>
+          </ac:picMkLst>
+        </pc:picChg>
+      </pc:sldChg>
+      <pc:sldChg chg="ord">
+        <pc:chgData name="Chuck Kiefriter" userId="a996b49251c4dfd2" providerId="LiveId" clId="{A16517E1-314B-4276-8CC4-26B24DEF8EB7}" dt="2024-03-20T21:38:16.524" v="35"/>
+        <pc:sldMkLst>
+          <pc:docMk/>
+          <pc:sldMk cId="1583360768" sldId="262"/>
+        </pc:sldMkLst>
+      </pc:sldChg>
+      <pc:sldChg chg="ord">
+        <pc:chgData name="Chuck Kiefriter" userId="a996b49251c4dfd2" providerId="LiveId" clId="{A16517E1-314B-4276-8CC4-26B24DEF8EB7}" dt="2024-03-20T21:38:16.524" v="35"/>
+        <pc:sldMkLst>
+          <pc:docMk/>
+          <pc:sldMk cId="1771439384" sldId="263"/>
+        </pc:sldMkLst>
+      </pc:sldChg>
+      <pc:sldChg chg="modSp mod ord">
+        <pc:chgData name="Chuck Kiefriter" userId="a996b49251c4dfd2" providerId="LiveId" clId="{A16517E1-314B-4276-8CC4-26B24DEF8EB7}" dt="2024-03-20T21:38:25.727" v="37"/>
+        <pc:sldMkLst>
+          <pc:docMk/>
+          <pc:sldMk cId="2507719009" sldId="265"/>
+        </pc:sldMkLst>
+        <pc:spChg chg="mod">
+          <ac:chgData name="Chuck Kiefriter" userId="a996b49251c4dfd2" providerId="LiveId" clId="{A16517E1-314B-4276-8CC4-26B24DEF8EB7}" dt="2024-03-20T21:33:38.833" v="29" actId="1038"/>
+          <ac:spMkLst>
+            <pc:docMk/>
+            <pc:sldMk cId="2507719009" sldId="265"/>
+            <ac:spMk id="5" creationId="{3547D0F3-2AEF-4DC3-A137-6D941BD388D5}"/>
+          </ac:spMkLst>
+        </pc:spChg>
+        <pc:spChg chg="mod">
+          <ac:chgData name="Chuck Kiefriter" userId="a996b49251c4dfd2" providerId="LiveId" clId="{A16517E1-314B-4276-8CC4-26B24DEF8EB7}" dt="2024-03-20T21:33:38.833" v="29" actId="1038"/>
+          <ac:spMkLst>
+            <pc:docMk/>
+            <pc:sldMk cId="2507719009" sldId="265"/>
+            <ac:spMk id="6" creationId="{735E86DB-D105-4700-8CB8-C4293BC2D14B}"/>
+          </ac:spMkLst>
+        </pc:spChg>
+      </pc:sldChg>
+      <pc:sldChg chg="addSp delSp modSp mod">
+        <pc:chgData name="Chuck Kiefriter" userId="a996b49251c4dfd2" providerId="LiveId" clId="{A16517E1-314B-4276-8CC4-26B24DEF8EB7}" dt="2024-03-20T21:52:26.039" v="272" actId="12385"/>
+        <pc:sldMkLst>
+          <pc:docMk/>
+          <pc:sldMk cId="2391519513" sldId="270"/>
+        </pc:sldMkLst>
+        <pc:spChg chg="add del mod">
+          <ac:chgData name="Chuck Kiefriter" userId="a996b49251c4dfd2" providerId="LiveId" clId="{A16517E1-314B-4276-8CC4-26B24DEF8EB7}" dt="2024-03-20T21:44:33.009" v="83" actId="478"/>
+          <ac:spMkLst>
+            <pc:docMk/>
+            <pc:sldMk cId="2391519513" sldId="270"/>
+            <ac:spMk id="6" creationId="{5BB30433-5ECF-D86F-A89F-E9991559A079}"/>
+          </ac:spMkLst>
+        </pc:spChg>
+        <pc:spChg chg="add mod">
+          <ac:chgData name="Chuck Kiefriter" userId="a996b49251c4dfd2" providerId="LiveId" clId="{A16517E1-314B-4276-8CC4-26B24DEF8EB7}" dt="2024-03-20T21:52:00.392" v="271" actId="1038"/>
+          <ac:spMkLst>
+            <pc:docMk/>
+            <pc:sldMk cId="2391519513" sldId="270"/>
+            <ac:spMk id="8" creationId="{EB16946C-DF0E-09F8-A018-3C5CE98BC9C1}"/>
+          </ac:spMkLst>
+        </pc:spChg>
+        <pc:graphicFrameChg chg="add mod modGraphic">
+          <ac:chgData name="Chuck Kiefriter" userId="a996b49251c4dfd2" providerId="LiveId" clId="{A16517E1-314B-4276-8CC4-26B24DEF8EB7}" dt="2024-03-20T21:52:26.039" v="272" actId="12385"/>
+          <ac:graphicFrameMkLst>
+            <pc:docMk/>
+            <pc:sldMk cId="2391519513" sldId="270"/>
+            <ac:graphicFrameMk id="7" creationId="{34210330-B42D-501D-9347-2A02636EF53D}"/>
+          </ac:graphicFrameMkLst>
+        </pc:graphicFrameChg>
+        <pc:picChg chg="mod">
+          <ac:chgData name="Chuck Kiefriter" userId="a996b49251c4dfd2" providerId="LiveId" clId="{A16517E1-314B-4276-8CC4-26B24DEF8EB7}" dt="2024-03-20T21:37:21.844" v="30" actId="1076"/>
+          <ac:picMkLst>
+            <pc:docMk/>
+            <pc:sldMk cId="2391519513" sldId="270"/>
+            <ac:picMk id="4" creationId="{21E289BC-483F-4AA2-B694-FC2EB24154A0}"/>
+          </ac:picMkLst>
+        </pc:picChg>
+        <pc:picChg chg="add mod">
+          <ac:chgData name="Chuck Kiefriter" userId="a996b49251c4dfd2" providerId="LiveId" clId="{A16517E1-314B-4276-8CC4-26B24DEF8EB7}" dt="2024-03-20T21:37:37.467" v="33" actId="14100"/>
+          <ac:picMkLst>
+            <pc:docMk/>
+            <pc:sldMk cId="2391519513" sldId="270"/>
+            <ac:picMk id="5" creationId="{FDD1447E-C2F7-3149-16A3-B4056E68FCE5}"/>
+          </ac:picMkLst>
+        </pc:picChg>
+      </pc:sldChg>
+      <pc:sldChg chg="addSp delSp modSp del mod ord">
+        <pc:chgData name="Chuck Kiefriter" userId="a996b49251c4dfd2" providerId="LiveId" clId="{A16517E1-314B-4276-8CC4-26B24DEF8EB7}" dt="2024-03-20T22:29:41.644" v="572" actId="47"/>
+        <pc:sldMkLst>
+          <pc:docMk/>
+          <pc:sldMk cId="3803490283" sldId="272"/>
+        </pc:sldMkLst>
+        <pc:spChg chg="add del mod">
+          <ac:chgData name="Chuck Kiefriter" userId="a996b49251c4dfd2" providerId="LiveId" clId="{A16517E1-314B-4276-8CC4-26B24DEF8EB7}" dt="2024-03-20T22:00:47.432" v="317" actId="478"/>
+          <ac:spMkLst>
+            <pc:docMk/>
+            <pc:sldMk cId="3803490283" sldId="272"/>
+            <ac:spMk id="2" creationId="{3BA74EBC-8AAD-ADF3-A9CD-A3403100AE0E}"/>
+          </ac:spMkLst>
+        </pc:spChg>
+        <pc:spChg chg="mod">
+          <ac:chgData name="Chuck Kiefriter" userId="a996b49251c4dfd2" providerId="LiveId" clId="{A16517E1-314B-4276-8CC4-26B24DEF8EB7}" dt="2024-03-20T22:28:33.206" v="563" actId="6549"/>
+          <ac:spMkLst>
+            <pc:docMk/>
+            <pc:sldMk cId="3803490283" sldId="272"/>
+            <ac:spMk id="3" creationId="{94B5CEFC-5FEA-4530-B054-F9D09510792D}"/>
+          </ac:spMkLst>
+        </pc:spChg>
+        <pc:spChg chg="add del mod">
+          <ac:chgData name="Chuck Kiefriter" userId="a996b49251c4dfd2" providerId="LiveId" clId="{A16517E1-314B-4276-8CC4-26B24DEF8EB7}" dt="2024-03-20T22:01:47.105" v="334" actId="478"/>
+          <ac:spMkLst>
+            <pc:docMk/>
+            <pc:sldMk cId="3803490283" sldId="272"/>
+            <ac:spMk id="4" creationId="{20F5B160-5698-80C1-BC88-2E6B870E6E7F}"/>
+          </ac:spMkLst>
+        </pc:spChg>
+        <pc:spChg chg="add mod">
+          <ac:chgData name="Chuck Kiefriter" userId="a996b49251c4dfd2" providerId="LiveId" clId="{A16517E1-314B-4276-8CC4-26B24DEF8EB7}" dt="2024-03-20T22:27:44.882" v="559" actId="6549"/>
+          <ac:spMkLst>
+            <pc:docMk/>
+            <pc:sldMk cId="3803490283" sldId="272"/>
+            <ac:spMk id="5" creationId="{0C2599E8-6D92-783A-DA3F-EC7CF9E9768E}"/>
+          </ac:spMkLst>
+        </pc:spChg>
+        <pc:spChg chg="add mod">
+          <ac:chgData name="Chuck Kiefriter" userId="a996b49251c4dfd2" providerId="LiveId" clId="{A16517E1-314B-4276-8CC4-26B24DEF8EB7}" dt="2024-03-20T22:28:52.931" v="566" actId="1076"/>
+          <ac:spMkLst>
+            <pc:docMk/>
+            <pc:sldMk cId="3803490283" sldId="272"/>
+            <ac:spMk id="6" creationId="{AF659058-DF75-B001-47D9-B757EE8B8A12}"/>
+          </ac:spMkLst>
+        </pc:spChg>
+        <pc:spChg chg="del">
+          <ac:chgData name="Chuck Kiefriter" userId="a996b49251c4dfd2" providerId="LiveId" clId="{A16517E1-314B-4276-8CC4-26B24DEF8EB7}" dt="2024-03-20T22:28:41.144" v="564" actId="478"/>
+          <ac:spMkLst>
+            <pc:docMk/>
+            <pc:sldMk cId="3803490283" sldId="272"/>
+            <ac:spMk id="11" creationId="{2CE04347-3008-4D5A-B759-24BBFAFA422F}"/>
+          </ac:spMkLst>
+        </pc:spChg>
+        <pc:spChg chg="del">
+          <ac:chgData name="Chuck Kiefriter" userId="a996b49251c4dfd2" providerId="LiveId" clId="{A16517E1-314B-4276-8CC4-26B24DEF8EB7}" dt="2024-03-20T22:28:41.144" v="564" actId="478"/>
+          <ac:spMkLst>
+            <pc:docMk/>
+            <pc:sldMk cId="3803490283" sldId="272"/>
+            <ac:spMk id="12" creationId="{46D00E41-695B-4DFE-AD75-A70F6CAFE071}"/>
+          </ac:spMkLst>
+        </pc:spChg>
+        <pc:spChg chg="del">
+          <ac:chgData name="Chuck Kiefriter" userId="a996b49251c4dfd2" providerId="LiveId" clId="{A16517E1-314B-4276-8CC4-26B24DEF8EB7}" dt="2024-03-20T22:28:41.144" v="564" actId="478"/>
+          <ac:spMkLst>
+            <pc:docMk/>
+            <pc:sldMk cId="3803490283" sldId="272"/>
+            <ac:spMk id="13" creationId="{01FA90EA-FF0A-45F5-BC22-01BD47C4F5D6}"/>
+          </ac:spMkLst>
+        </pc:spChg>
+        <pc:spChg chg="del">
+          <ac:chgData name="Chuck Kiefriter" userId="a996b49251c4dfd2" providerId="LiveId" clId="{A16517E1-314B-4276-8CC4-26B24DEF8EB7}" dt="2024-03-20T22:28:41.144" v="564" actId="478"/>
+          <ac:spMkLst>
+            <pc:docMk/>
+            <pc:sldMk cId="3803490283" sldId="272"/>
+            <ac:spMk id="14" creationId="{88BF81E0-B129-47B9-8842-EEB92CE179B3}"/>
+          </ac:spMkLst>
+        </pc:spChg>
+        <pc:spChg chg="add mod ord">
+          <ac:chgData name="Chuck Kiefriter" userId="a996b49251c4dfd2" providerId="LiveId" clId="{A16517E1-314B-4276-8CC4-26B24DEF8EB7}" dt="2024-03-20T22:26:37.180" v="504" actId="164"/>
+          <ac:spMkLst>
+            <pc:docMk/>
+            <pc:sldMk cId="3803490283" sldId="272"/>
+            <ac:spMk id="15" creationId="{4212DC1B-273C-DCD6-06F4-0B332FFF0057}"/>
+          </ac:spMkLst>
+        </pc:spChg>
+        <pc:spChg chg="mod">
+          <ac:chgData name="Chuck Kiefriter" userId="a996b49251c4dfd2" providerId="LiveId" clId="{A16517E1-314B-4276-8CC4-26B24DEF8EB7}" dt="2024-03-20T22:27:48.130" v="560" actId="6549"/>
+          <ac:spMkLst>
+            <pc:docMk/>
+            <pc:sldMk cId="3803490283" sldId="272"/>
+            <ac:spMk id="22" creationId="{E0580131-5985-F055-C443-8C0DE2DF04CA}"/>
+          </ac:spMkLst>
+        </pc:spChg>
+        <pc:spChg chg="mod">
+          <ac:chgData name="Chuck Kiefriter" userId="a996b49251c4dfd2" providerId="LiveId" clId="{A16517E1-314B-4276-8CC4-26B24DEF8EB7}" dt="2024-03-20T22:27:26.082" v="556" actId="1038"/>
+          <ac:spMkLst>
+            <pc:docMk/>
+            <pc:sldMk cId="3803490283" sldId="272"/>
+            <ac:spMk id="28" creationId="{13528748-2ADD-6163-7C72-9631C0972F8F}"/>
+          </ac:spMkLst>
+        </pc:spChg>
+        <pc:spChg chg="mod">
+          <ac:chgData name="Chuck Kiefriter" userId="a996b49251c4dfd2" providerId="LiveId" clId="{A16517E1-314B-4276-8CC4-26B24DEF8EB7}" dt="2024-03-20T22:27:51.099" v="561" actId="6549"/>
+          <ac:spMkLst>
+            <pc:docMk/>
+            <pc:sldMk cId="3803490283" sldId="272"/>
+            <ac:spMk id="30" creationId="{35563DC1-4523-9EE6-259D-0A868AC4AAD9}"/>
+          </ac:spMkLst>
+        </pc:spChg>
+        <pc:spChg chg="mod">
+          <ac:chgData name="Chuck Kiefriter" userId="a996b49251c4dfd2" providerId="LiveId" clId="{A16517E1-314B-4276-8CC4-26B24DEF8EB7}" dt="2024-03-20T22:26:40.815" v="506"/>
+          <ac:spMkLst>
+            <pc:docMk/>
+            <pc:sldMk cId="3803490283" sldId="272"/>
+            <ac:spMk id="36" creationId="{D1F9384F-CA86-2488-7110-238B82000D4F}"/>
+          </ac:spMkLst>
+        </pc:spChg>
+        <pc:grpChg chg="add mod">
+          <ac:chgData name="Chuck Kiefriter" userId="a996b49251c4dfd2" providerId="LiveId" clId="{A16517E1-314B-4276-8CC4-26B24DEF8EB7}" dt="2024-03-20T22:28:52.931" v="566" actId="1076"/>
+          <ac:grpSpMkLst>
+            <pc:docMk/>
+            <pc:sldMk cId="3803490283" sldId="272"/>
+            <ac:grpSpMk id="20" creationId="{919F4F6F-4C0F-D698-3ABA-C1989D69A95C}"/>
+          </ac:grpSpMkLst>
+        </pc:grpChg>
+        <pc:grpChg chg="add mod">
+          <ac:chgData name="Chuck Kiefriter" userId="a996b49251c4dfd2" providerId="LiveId" clId="{A16517E1-314B-4276-8CC4-26B24DEF8EB7}" dt="2024-03-20T22:28:52.931" v="566" actId="1076"/>
+          <ac:grpSpMkLst>
+            <pc:docMk/>
+            <pc:sldMk cId="3803490283" sldId="272"/>
+            <ac:grpSpMk id="21" creationId="{40C60FF1-851B-9753-89C6-C9351E73949D}"/>
+          </ac:grpSpMkLst>
+        </pc:grpChg>
+        <pc:grpChg chg="add mod">
+          <ac:chgData name="Chuck Kiefriter" userId="a996b49251c4dfd2" providerId="LiveId" clId="{A16517E1-314B-4276-8CC4-26B24DEF8EB7}" dt="2024-03-20T22:28:52.931" v="566" actId="1076"/>
+          <ac:grpSpMkLst>
+            <pc:docMk/>
+            <pc:sldMk cId="3803490283" sldId="272"/>
+            <ac:grpSpMk id="29" creationId="{043A7A74-DDE9-530A-5E2D-ADE7B6DE3742}"/>
+          </ac:grpSpMkLst>
+        </pc:grpChg>
+        <pc:picChg chg="add mod">
+          <ac:chgData name="Chuck Kiefriter" userId="a996b49251c4dfd2" providerId="LiveId" clId="{A16517E1-314B-4276-8CC4-26B24DEF8EB7}" dt="2024-03-20T22:26:37.180" v="504" actId="164"/>
+          <ac:picMkLst>
+            <pc:docMk/>
+            <pc:sldMk cId="3803490283" sldId="272"/>
+            <ac:picMk id="7" creationId="{C8A302BE-B907-88A7-AECF-CBAECA8ADF3A}"/>
+          </ac:picMkLst>
+        </pc:picChg>
+        <pc:picChg chg="del">
+          <ac:chgData name="Chuck Kiefriter" userId="a996b49251c4dfd2" providerId="LiveId" clId="{A16517E1-314B-4276-8CC4-26B24DEF8EB7}" dt="2024-03-20T22:28:41.144" v="564" actId="478"/>
+          <ac:picMkLst>
+            <pc:docMk/>
+            <pc:sldMk cId="3803490283" sldId="272"/>
+            <ac:picMk id="8" creationId="{2EF5205D-B1FC-4605-9AE6-E3C92B2F046F}"/>
+          </ac:picMkLst>
+        </pc:picChg>
+        <pc:picChg chg="del">
+          <ac:chgData name="Chuck Kiefriter" userId="a996b49251c4dfd2" providerId="LiveId" clId="{A16517E1-314B-4276-8CC4-26B24DEF8EB7}" dt="2024-03-20T22:28:43.232" v="565" actId="478"/>
+          <ac:picMkLst>
+            <pc:docMk/>
+            <pc:sldMk cId="3803490283" sldId="272"/>
+            <ac:picMk id="9" creationId="{6B94BE72-D977-4B66-B83E-B2A55EED2FDA}"/>
+          </ac:picMkLst>
+        </pc:picChg>
+        <pc:picChg chg="del">
+          <ac:chgData name="Chuck Kiefriter" userId="a996b49251c4dfd2" providerId="LiveId" clId="{A16517E1-314B-4276-8CC4-26B24DEF8EB7}" dt="2024-03-20T22:28:41.144" v="564" actId="478"/>
+          <ac:picMkLst>
+            <pc:docMk/>
+            <pc:sldMk cId="3803490283" sldId="272"/>
+            <ac:picMk id="10" creationId="{0290CE91-067B-4E70-A5AE-C6FA88B0FFBA}"/>
+          </ac:picMkLst>
+        </pc:picChg>
+        <pc:picChg chg="add mod">
+          <ac:chgData name="Chuck Kiefriter" userId="a996b49251c4dfd2" providerId="LiveId" clId="{A16517E1-314B-4276-8CC4-26B24DEF8EB7}" dt="2024-03-20T22:26:37.180" v="504" actId="164"/>
+          <ac:picMkLst>
+            <pc:docMk/>
+            <pc:sldMk cId="3803490283" sldId="272"/>
+            <ac:picMk id="16" creationId="{08634868-4F5F-D34B-D794-991083F5D9C1}"/>
+          </ac:picMkLst>
+        </pc:picChg>
+        <pc:picChg chg="add mod">
+          <ac:chgData name="Chuck Kiefriter" userId="a996b49251c4dfd2" providerId="LiveId" clId="{A16517E1-314B-4276-8CC4-26B24DEF8EB7}" dt="2024-03-20T22:26:37.180" v="504" actId="164"/>
+          <ac:picMkLst>
+            <pc:docMk/>
+            <pc:sldMk cId="3803490283" sldId="272"/>
+            <ac:picMk id="17" creationId="{B3A55084-7BCB-9521-DCC5-A059B8865544}"/>
+          </ac:picMkLst>
+        </pc:picChg>
+        <pc:picChg chg="add mod">
+          <ac:chgData name="Chuck Kiefriter" userId="a996b49251c4dfd2" providerId="LiveId" clId="{A16517E1-314B-4276-8CC4-26B24DEF8EB7}" dt="2024-03-20T22:26:37.180" v="504" actId="164"/>
+          <ac:picMkLst>
+            <pc:docMk/>
+            <pc:sldMk cId="3803490283" sldId="272"/>
+            <ac:picMk id="18" creationId="{01177339-BF2E-C499-21A9-67427C6BEEB9}"/>
+          </ac:picMkLst>
+        </pc:picChg>
+        <pc:picChg chg="add mod">
+          <ac:chgData name="Chuck Kiefriter" userId="a996b49251c4dfd2" providerId="LiveId" clId="{A16517E1-314B-4276-8CC4-26B24DEF8EB7}" dt="2024-03-20T22:26:37.180" v="504" actId="164"/>
+          <ac:picMkLst>
+            <pc:docMk/>
+            <pc:sldMk cId="3803490283" sldId="272"/>
+            <ac:picMk id="19" creationId="{7A137682-D4F2-818E-A4D3-94EB4BED9886}"/>
+          </ac:picMkLst>
+        </pc:picChg>
+        <pc:picChg chg="mod">
+          <ac:chgData name="Chuck Kiefriter" userId="a996b49251c4dfd2" providerId="LiveId" clId="{A16517E1-314B-4276-8CC4-26B24DEF8EB7}" dt="2024-03-20T22:27:26.082" v="556" actId="1038"/>
+          <ac:picMkLst>
+            <pc:docMk/>
+            <pc:sldMk cId="3803490283" sldId="272"/>
+            <ac:picMk id="23" creationId="{0F7DD1C5-2857-5A54-DF29-26C76416534F}"/>
+          </ac:picMkLst>
+        </pc:picChg>
+        <pc:picChg chg="mod">
+          <ac:chgData name="Chuck Kiefriter" userId="a996b49251c4dfd2" providerId="LiveId" clId="{A16517E1-314B-4276-8CC4-26B24DEF8EB7}" dt="2024-03-20T22:27:26.082" v="556" actId="1038"/>
+          <ac:picMkLst>
+            <pc:docMk/>
+            <pc:sldMk cId="3803490283" sldId="272"/>
+            <ac:picMk id="24" creationId="{D1AE4E03-F537-BB53-9BA7-EA6045CA012D}"/>
+          </ac:picMkLst>
+        </pc:picChg>
+        <pc:picChg chg="mod">
+          <ac:chgData name="Chuck Kiefriter" userId="a996b49251c4dfd2" providerId="LiveId" clId="{A16517E1-314B-4276-8CC4-26B24DEF8EB7}" dt="2024-03-20T22:27:26.082" v="556" actId="1038"/>
+          <ac:picMkLst>
+            <pc:docMk/>
+            <pc:sldMk cId="3803490283" sldId="272"/>
+            <ac:picMk id="25" creationId="{84DDBD57-21E5-9E91-76CD-5E6B32A508B8}"/>
+          </ac:picMkLst>
+        </pc:picChg>
+        <pc:picChg chg="mod">
+          <ac:chgData name="Chuck Kiefriter" userId="a996b49251c4dfd2" providerId="LiveId" clId="{A16517E1-314B-4276-8CC4-26B24DEF8EB7}" dt="2024-03-20T22:27:26.082" v="556" actId="1038"/>
+          <ac:picMkLst>
+            <pc:docMk/>
+            <pc:sldMk cId="3803490283" sldId="272"/>
+            <ac:picMk id="26" creationId="{82FF34F4-E29C-7C5A-9728-A07D957CC9DF}"/>
+          </ac:picMkLst>
+        </pc:picChg>
+        <pc:picChg chg="mod">
+          <ac:chgData name="Chuck Kiefriter" userId="a996b49251c4dfd2" providerId="LiveId" clId="{A16517E1-314B-4276-8CC4-26B24DEF8EB7}" dt="2024-03-20T22:27:26.082" v="556" actId="1038"/>
+          <ac:picMkLst>
+            <pc:docMk/>
+            <pc:sldMk cId="3803490283" sldId="272"/>
+            <ac:picMk id="27" creationId="{BE9AEA28-CE1D-1E1F-CD4B-6ECD0AA8DBA4}"/>
+          </ac:picMkLst>
+        </pc:picChg>
+        <pc:picChg chg="mod">
+          <ac:chgData name="Chuck Kiefriter" userId="a996b49251c4dfd2" providerId="LiveId" clId="{A16517E1-314B-4276-8CC4-26B24DEF8EB7}" dt="2024-03-20T22:26:40.815" v="506"/>
+          <ac:picMkLst>
+            <pc:docMk/>
+            <pc:sldMk cId="3803490283" sldId="272"/>
+            <ac:picMk id="31" creationId="{4AB347DA-83C7-322D-5244-1631F926319A}"/>
+          </ac:picMkLst>
+        </pc:picChg>
+        <pc:picChg chg="mod">
+          <ac:chgData name="Chuck Kiefriter" userId="a996b49251c4dfd2" providerId="LiveId" clId="{A16517E1-314B-4276-8CC4-26B24DEF8EB7}" dt="2024-03-20T22:26:40.815" v="506"/>
+          <ac:picMkLst>
+            <pc:docMk/>
+            <pc:sldMk cId="3803490283" sldId="272"/>
+            <ac:picMk id="32" creationId="{B04842C6-6218-77CB-F09D-A0CF68FB1946}"/>
+          </ac:picMkLst>
+        </pc:picChg>
+        <pc:picChg chg="mod">
+          <ac:chgData name="Chuck Kiefriter" userId="a996b49251c4dfd2" providerId="LiveId" clId="{A16517E1-314B-4276-8CC4-26B24DEF8EB7}" dt="2024-03-20T22:26:40.815" v="506"/>
+          <ac:picMkLst>
+            <pc:docMk/>
+            <pc:sldMk cId="3803490283" sldId="272"/>
+            <ac:picMk id="33" creationId="{528D8403-41FE-ECEB-6750-6952A81C8004}"/>
+          </ac:picMkLst>
+        </pc:picChg>
+        <pc:picChg chg="mod">
+          <ac:chgData name="Chuck Kiefriter" userId="a996b49251c4dfd2" providerId="LiveId" clId="{A16517E1-314B-4276-8CC4-26B24DEF8EB7}" dt="2024-03-20T22:26:40.815" v="506"/>
+          <ac:picMkLst>
+            <pc:docMk/>
+            <pc:sldMk cId="3803490283" sldId="272"/>
+            <ac:picMk id="34" creationId="{CAF4A656-B4FD-DB3C-AB1B-C887EE13122E}"/>
+          </ac:picMkLst>
+        </pc:picChg>
+        <pc:picChg chg="mod">
+          <ac:chgData name="Chuck Kiefriter" userId="a996b49251c4dfd2" providerId="LiveId" clId="{A16517E1-314B-4276-8CC4-26B24DEF8EB7}" dt="2024-03-20T22:26:40.815" v="506"/>
+          <ac:picMkLst>
+            <pc:docMk/>
+            <pc:sldMk cId="3803490283" sldId="272"/>
+            <ac:picMk id="35" creationId="{4D6BC106-4DE9-5DB1-06DF-C2F4641CA439}"/>
+          </ac:picMkLst>
+        </pc:picChg>
+      </pc:sldChg>
+      <pc:sldChg chg="addSp delSp modSp add mod">
+        <pc:chgData name="Chuck Kiefriter" userId="a996b49251c4dfd2" providerId="LiveId" clId="{A16517E1-314B-4276-8CC4-26B24DEF8EB7}" dt="2024-03-20T23:09:17.619" v="681" actId="1035"/>
+        <pc:sldMkLst>
+          <pc:docMk/>
+          <pc:sldMk cId="3129578924" sldId="285"/>
+        </pc:sldMkLst>
+        <pc:spChg chg="mod">
+          <ac:chgData name="Chuck Kiefriter" userId="a996b49251c4dfd2" providerId="LiveId" clId="{A16517E1-314B-4276-8CC4-26B24DEF8EB7}" dt="2024-03-20T22:32:01.475" v="605" actId="14100"/>
+          <ac:spMkLst>
+            <pc:docMk/>
+            <pc:sldMk cId="3129578924" sldId="285"/>
+            <ac:spMk id="3" creationId="{94B5CEFC-5FEA-4530-B054-F9D09510792D}"/>
+          </ac:spMkLst>
+        </pc:spChg>
+        <pc:spChg chg="add mod">
+          <ac:chgData name="Chuck Kiefriter" userId="a996b49251c4dfd2" providerId="LiveId" clId="{A16517E1-314B-4276-8CC4-26B24DEF8EB7}" dt="2024-03-20T22:33:39.316" v="611" actId="1076"/>
+          <ac:spMkLst>
+            <pc:docMk/>
+            <pc:sldMk cId="3129578924" sldId="285"/>
+            <ac:spMk id="4" creationId="{85307879-C1FA-CE9D-E58D-3C4D4894D916}"/>
+          </ac:spMkLst>
+        </pc:spChg>
+        <pc:spChg chg="mod">
+          <ac:chgData name="Chuck Kiefriter" userId="a996b49251c4dfd2" providerId="LiveId" clId="{A16517E1-314B-4276-8CC4-26B24DEF8EB7}" dt="2024-03-20T22:33:31.579" v="610" actId="1076"/>
+          <ac:spMkLst>
+            <pc:docMk/>
+            <pc:sldMk cId="3129578924" sldId="285"/>
+            <ac:spMk id="6" creationId="{AF659058-DF75-B001-47D9-B757EE8B8A12}"/>
+          </ac:spMkLst>
+        </pc:spChg>
+        <pc:spChg chg="del">
+          <ac:chgData name="Chuck Kiefriter" userId="a996b49251c4dfd2" providerId="LiveId" clId="{A16517E1-314B-4276-8CC4-26B24DEF8EB7}" dt="2024-03-20T22:30:34.932" v="582" actId="478"/>
+          <ac:spMkLst>
+            <pc:docMk/>
+            <pc:sldMk cId="3129578924" sldId="285"/>
+            <ac:spMk id="11" creationId="{2CE04347-3008-4D5A-B759-24BBFAFA422F}"/>
+          </ac:spMkLst>
+        </pc:spChg>
+        <pc:spChg chg="del">
+          <ac:chgData name="Chuck Kiefriter" userId="a996b49251c4dfd2" providerId="LiveId" clId="{A16517E1-314B-4276-8CC4-26B24DEF8EB7}" dt="2024-03-20T22:30:34.932" v="582" actId="478"/>
+          <ac:spMkLst>
+            <pc:docMk/>
+            <pc:sldMk cId="3129578924" sldId="285"/>
+            <ac:spMk id="12" creationId="{46D00E41-695B-4DFE-AD75-A70F6CAFE071}"/>
+          </ac:spMkLst>
+        </pc:spChg>
+        <pc:spChg chg="del">
+          <ac:chgData name="Chuck Kiefriter" userId="a996b49251c4dfd2" providerId="LiveId" clId="{A16517E1-314B-4276-8CC4-26B24DEF8EB7}" dt="2024-03-20T22:30:34.932" v="582" actId="478"/>
+          <ac:spMkLst>
+            <pc:docMk/>
+            <pc:sldMk cId="3129578924" sldId="285"/>
+            <ac:spMk id="13" creationId="{01FA90EA-FF0A-45F5-BC22-01BD47C4F5D6}"/>
+          </ac:spMkLst>
+        </pc:spChg>
+        <pc:spChg chg="del">
+          <ac:chgData name="Chuck Kiefriter" userId="a996b49251c4dfd2" providerId="LiveId" clId="{A16517E1-314B-4276-8CC4-26B24DEF8EB7}" dt="2024-03-20T22:30:34.932" v="582" actId="478"/>
+          <ac:spMkLst>
+            <pc:docMk/>
+            <pc:sldMk cId="3129578924" sldId="285"/>
+            <ac:spMk id="14" creationId="{88BF81E0-B129-47B9-8842-EEB92CE179B3}"/>
+          </ac:spMkLst>
+        </pc:spChg>
+        <pc:grpChg chg="mod">
+          <ac:chgData name="Chuck Kiefriter" userId="a996b49251c4dfd2" providerId="LiveId" clId="{A16517E1-314B-4276-8CC4-26B24DEF8EB7}" dt="2024-03-20T22:33:31.579" v="610" actId="1076"/>
+          <ac:grpSpMkLst>
+            <pc:docMk/>
+            <pc:sldMk cId="3129578924" sldId="285"/>
+            <ac:grpSpMk id="20" creationId="{919F4F6F-4C0F-D698-3ABA-C1989D69A95C}"/>
+          </ac:grpSpMkLst>
+        </pc:grpChg>
+        <pc:grpChg chg="mod">
+          <ac:chgData name="Chuck Kiefriter" userId="a996b49251c4dfd2" providerId="LiveId" clId="{A16517E1-314B-4276-8CC4-26B24DEF8EB7}" dt="2024-03-20T22:33:31.579" v="610" actId="1076"/>
+          <ac:grpSpMkLst>
+            <pc:docMk/>
+            <pc:sldMk cId="3129578924" sldId="285"/>
+            <ac:grpSpMk id="21" creationId="{40C60FF1-851B-9753-89C6-C9351E73949D}"/>
+          </ac:grpSpMkLst>
+        </pc:grpChg>
+        <pc:grpChg chg="mod">
+          <ac:chgData name="Chuck Kiefriter" userId="a996b49251c4dfd2" providerId="LiveId" clId="{A16517E1-314B-4276-8CC4-26B24DEF8EB7}" dt="2024-03-20T22:33:31.579" v="610" actId="1076"/>
+          <ac:grpSpMkLst>
+            <pc:docMk/>
+            <pc:sldMk cId="3129578924" sldId="285"/>
+            <ac:grpSpMk id="29" creationId="{043A7A74-DDE9-530A-5E2D-ADE7B6DE3742}"/>
+          </ac:grpSpMkLst>
+        </pc:grpChg>
+        <pc:graphicFrameChg chg="add mod modGraphic">
+          <ac:chgData name="Chuck Kiefriter" userId="a996b49251c4dfd2" providerId="LiveId" clId="{A16517E1-314B-4276-8CC4-26B24DEF8EB7}" dt="2024-03-20T23:09:17.619" v="681" actId="1035"/>
+          <ac:graphicFrameMkLst>
+            <pc:docMk/>
+            <pc:sldMk cId="3129578924" sldId="285"/>
+            <ac:graphicFrameMk id="2" creationId="{66C42C0D-9BF3-330C-0910-746FB12FA4CE}"/>
+          </ac:graphicFrameMkLst>
+        </pc:graphicFrameChg>
+        <pc:picChg chg="del">
+          <ac:chgData name="Chuck Kiefriter" userId="a996b49251c4dfd2" providerId="LiveId" clId="{A16517E1-314B-4276-8CC4-26B24DEF8EB7}" dt="2024-03-20T22:30:34.932" v="582" actId="478"/>
+          <ac:picMkLst>
+            <pc:docMk/>
+            <pc:sldMk cId="3129578924" sldId="285"/>
+            <ac:picMk id="8" creationId="{2EF5205D-B1FC-4605-9AE6-E3C92B2F046F}"/>
+          </ac:picMkLst>
+        </pc:picChg>
+        <pc:picChg chg="del">
+          <ac:chgData name="Chuck Kiefriter" userId="a996b49251c4dfd2" providerId="LiveId" clId="{A16517E1-314B-4276-8CC4-26B24DEF8EB7}" dt="2024-03-20T22:30:34.932" v="582" actId="478"/>
+          <ac:picMkLst>
+            <pc:docMk/>
+            <pc:sldMk cId="3129578924" sldId="285"/>
+            <ac:picMk id="9" creationId="{6B94BE72-D977-4B66-B83E-B2A55EED2FDA}"/>
+          </ac:picMkLst>
+        </pc:picChg>
+        <pc:picChg chg="del">
+          <ac:chgData name="Chuck Kiefriter" userId="a996b49251c4dfd2" providerId="LiveId" clId="{A16517E1-314B-4276-8CC4-26B24DEF8EB7}" dt="2024-03-20T22:30:34.932" v="582" actId="478"/>
+          <ac:picMkLst>
+            <pc:docMk/>
+            <pc:sldMk cId="3129578924" sldId="285"/>
+            <ac:picMk id="10" creationId="{0290CE91-067B-4E70-A5AE-C6FA88B0FFBA}"/>
+          </ac:picMkLst>
+        </pc:picChg>
+      </pc:sldChg>
+      <pc:sldChg chg="delSp modSp add del mod ord">
+        <pc:chgData name="Chuck Kiefriter" userId="a996b49251c4dfd2" providerId="LiveId" clId="{A16517E1-314B-4276-8CC4-26B24DEF8EB7}" dt="2024-03-20T23:15:02.391" v="713" actId="47"/>
+        <pc:sldMkLst>
+          <pc:docMk/>
+          <pc:sldMk cId="3639215438" sldId="286"/>
+        </pc:sldMkLst>
+        <pc:spChg chg="mod">
+          <ac:chgData name="Chuck Kiefriter" userId="a996b49251c4dfd2" providerId="LiveId" clId="{A16517E1-314B-4276-8CC4-26B24DEF8EB7}" dt="2024-03-20T22:30:05.310" v="577" actId="14100"/>
+          <ac:spMkLst>
+            <pc:docMk/>
+            <pc:sldMk cId="3639215438" sldId="286"/>
+            <ac:spMk id="3" creationId="{94B5CEFC-5FEA-4530-B054-F9D09510792D}"/>
+          </ac:spMkLst>
+        </pc:spChg>
+        <pc:spChg chg="del">
+          <ac:chgData name="Chuck Kiefriter" userId="a996b49251c4dfd2" providerId="LiveId" clId="{A16517E1-314B-4276-8CC4-26B24DEF8EB7}" dt="2024-03-20T22:29:59.987" v="576" actId="478"/>
+          <ac:spMkLst>
+            <pc:docMk/>
+            <pc:sldMk cId="3639215438" sldId="286"/>
+            <ac:spMk id="6" creationId="{AF659058-DF75-B001-47D9-B757EE8B8A12}"/>
+          </ac:spMkLst>
+        </pc:spChg>
+        <pc:spChg chg="del mod">
+          <ac:chgData name="Chuck Kiefriter" userId="a996b49251c4dfd2" providerId="LiveId" clId="{A16517E1-314B-4276-8CC4-26B24DEF8EB7}" dt="2024-03-20T23:14:05.966" v="684" actId="21"/>
+          <ac:spMkLst>
+            <pc:docMk/>
+            <pc:sldMk cId="3639215438" sldId="286"/>
+            <ac:spMk id="11" creationId="{2CE04347-3008-4D5A-B759-24BBFAFA422F}"/>
+          </ac:spMkLst>
+        </pc:spChg>
+        <pc:spChg chg="del mod">
+          <ac:chgData name="Chuck Kiefriter" userId="a996b49251c4dfd2" providerId="LiveId" clId="{A16517E1-314B-4276-8CC4-26B24DEF8EB7}" dt="2024-03-20T23:14:05.966" v="684" actId="21"/>
+          <ac:spMkLst>
+            <pc:docMk/>
+            <pc:sldMk cId="3639215438" sldId="286"/>
+            <ac:spMk id="12" creationId="{46D00E41-695B-4DFE-AD75-A70F6CAFE071}"/>
+          </ac:spMkLst>
+        </pc:spChg>
+        <pc:spChg chg="del mod">
+          <ac:chgData name="Chuck Kiefriter" userId="a996b49251c4dfd2" providerId="LiveId" clId="{A16517E1-314B-4276-8CC4-26B24DEF8EB7}" dt="2024-03-20T23:14:05.966" v="684" actId="21"/>
+          <ac:spMkLst>
+            <pc:docMk/>
+            <pc:sldMk cId="3639215438" sldId="286"/>
+            <ac:spMk id="13" creationId="{01FA90EA-FF0A-45F5-BC22-01BD47C4F5D6}"/>
+          </ac:spMkLst>
+        </pc:spChg>
+        <pc:spChg chg="del mod">
+          <ac:chgData name="Chuck Kiefriter" userId="a996b49251c4dfd2" providerId="LiveId" clId="{A16517E1-314B-4276-8CC4-26B24DEF8EB7}" dt="2024-03-20T23:14:05.966" v="684" actId="21"/>
+          <ac:spMkLst>
+            <pc:docMk/>
+            <pc:sldMk cId="3639215438" sldId="286"/>
+            <ac:spMk id="14" creationId="{88BF81E0-B129-47B9-8842-EEB92CE179B3}"/>
+          </ac:spMkLst>
+        </pc:spChg>
+        <pc:grpChg chg="del">
+          <ac:chgData name="Chuck Kiefriter" userId="a996b49251c4dfd2" providerId="LiveId" clId="{A16517E1-314B-4276-8CC4-26B24DEF8EB7}" dt="2024-03-20T22:29:59.987" v="576" actId="478"/>
+          <ac:grpSpMkLst>
+            <pc:docMk/>
+            <pc:sldMk cId="3639215438" sldId="286"/>
+            <ac:grpSpMk id="20" creationId="{919F4F6F-4C0F-D698-3ABA-C1989D69A95C}"/>
+          </ac:grpSpMkLst>
+        </pc:grpChg>
+        <pc:grpChg chg="del">
+          <ac:chgData name="Chuck Kiefriter" userId="a996b49251c4dfd2" providerId="LiveId" clId="{A16517E1-314B-4276-8CC4-26B24DEF8EB7}" dt="2024-03-20T22:29:59.987" v="576" actId="478"/>
+          <ac:grpSpMkLst>
+            <pc:docMk/>
+            <pc:sldMk cId="3639215438" sldId="286"/>
+            <ac:grpSpMk id="21" creationId="{40C60FF1-851B-9753-89C6-C9351E73949D}"/>
+          </ac:grpSpMkLst>
+        </pc:grpChg>
+        <pc:grpChg chg="del">
+          <ac:chgData name="Chuck Kiefriter" userId="a996b49251c4dfd2" providerId="LiveId" clId="{A16517E1-314B-4276-8CC4-26B24DEF8EB7}" dt="2024-03-20T22:29:59.987" v="576" actId="478"/>
+          <ac:grpSpMkLst>
+            <pc:docMk/>
+            <pc:sldMk cId="3639215438" sldId="286"/>
+            <ac:grpSpMk id="29" creationId="{043A7A74-DDE9-530A-5E2D-ADE7B6DE3742}"/>
+          </ac:grpSpMkLst>
+        </pc:grpChg>
+        <pc:picChg chg="del mod">
+          <ac:chgData name="Chuck Kiefriter" userId="a996b49251c4dfd2" providerId="LiveId" clId="{A16517E1-314B-4276-8CC4-26B24DEF8EB7}" dt="2024-03-20T23:14:05.966" v="684" actId="21"/>
+          <ac:picMkLst>
+            <pc:docMk/>
+            <pc:sldMk cId="3639215438" sldId="286"/>
+            <ac:picMk id="8" creationId="{2EF5205D-B1FC-4605-9AE6-E3C92B2F046F}"/>
+          </ac:picMkLst>
+        </pc:picChg>
+        <pc:picChg chg="del mod">
+          <ac:chgData name="Chuck Kiefriter" userId="a996b49251c4dfd2" providerId="LiveId" clId="{A16517E1-314B-4276-8CC4-26B24DEF8EB7}" dt="2024-03-20T23:14:05.966" v="684" actId="21"/>
+          <ac:picMkLst>
+            <pc:docMk/>
+            <pc:sldMk cId="3639215438" sldId="286"/>
+            <ac:picMk id="9" creationId="{6B94BE72-D977-4B66-B83E-B2A55EED2FDA}"/>
+          </ac:picMkLst>
+        </pc:picChg>
+        <pc:picChg chg="del mod">
+          <ac:chgData name="Chuck Kiefriter" userId="a996b49251c4dfd2" providerId="LiveId" clId="{A16517E1-314B-4276-8CC4-26B24DEF8EB7}" dt="2024-03-20T23:14:05.966" v="684" actId="21"/>
+          <ac:picMkLst>
+            <pc:docMk/>
+            <pc:sldMk cId="3639215438" sldId="286"/>
+            <ac:picMk id="10" creationId="{0290CE91-067B-4E70-A5AE-C6FA88B0FFBA}"/>
+          </ac:picMkLst>
+        </pc:picChg>
+      </pc:sldChg>
+    </pc:docChg>
+  </pc:docChgLst>
   <pc:docChgLst>
     <pc:chgData name="Chuck Kiefriter" userId="c57348f7-b440-4861-a58f-c89f414ea74a" providerId="ADAL" clId="{073C92EA-FD1C-488B-B723-4BFF91AE896F}"/>
     <pc:docChg chg="modSld">
@@ -247,6 +1010,439 @@
 </pc:chgInfo>
 </file>
 
+<file path=ppt/notesMasters/notesMaster1.xml><?xml version="1.0" encoding="utf-8"?>
+<p:notesMaster xmlns:a="http://schemas.openxmlformats.org/drawingml/2006/main" xmlns:r="http://schemas.openxmlformats.org/officeDocument/2006/relationships" xmlns:p="http://schemas.openxmlformats.org/presentationml/2006/main">
+  <p:cSld>
+    <p:bg>
+      <p:bgRef idx="1001">
+        <a:schemeClr val="bg1"/>
+      </p:bgRef>
+    </p:bg>
+    <p:spTree>
+      <p:nvGrpSpPr>
+        <p:cNvPr id="1" name=""/>
+        <p:cNvGrpSpPr/>
+        <p:nvPr/>
+      </p:nvGrpSpPr>
+      <p:grpSpPr>
+        <a:xfrm>
+          <a:off x="0" y="0"/>
+          <a:ext cx="0" cy="0"/>
+          <a:chOff x="0" y="0"/>
+          <a:chExt cx="0" cy="0"/>
+        </a:xfrm>
+      </p:grpSpPr>
+      <p:sp>
+        <p:nvSpPr>
+          <p:cNvPr id="2" name="Header Placeholder 1"/>
+          <p:cNvSpPr>
+            <a:spLocks noGrp="1"/>
+          </p:cNvSpPr>
+          <p:nvPr>
+            <p:ph type="hdr" sz="quarter"/>
+          </p:nvPr>
+        </p:nvSpPr>
+        <p:spPr>
+          <a:xfrm>
+            <a:off x="0" y="0"/>
+            <a:ext cx="2971800" cy="458788"/>
+          </a:xfrm>
+          <a:prstGeom prst="rect">
+            <a:avLst/>
+          </a:prstGeom>
+        </p:spPr>
+        <p:txBody>
+          <a:bodyPr vert="horz" lIns="91440" tIns="45720" rIns="91440" bIns="45720" rtlCol="0"/>
+          <a:lstStyle>
+            <a:lvl1pPr algn="l">
+              <a:defRPr sz="1200"/>
+            </a:lvl1pPr>
+          </a:lstStyle>
+          <a:p>
+            <a:endParaRPr lang="en-US"/>
+          </a:p>
+        </p:txBody>
+      </p:sp>
+      <p:sp>
+        <p:nvSpPr>
+          <p:cNvPr id="3" name="Date Placeholder 2"/>
+          <p:cNvSpPr>
+            <a:spLocks noGrp="1"/>
+          </p:cNvSpPr>
+          <p:nvPr>
+            <p:ph type="dt" idx="1"/>
+          </p:nvPr>
+        </p:nvSpPr>
+        <p:spPr>
+          <a:xfrm>
+            <a:off x="3884613" y="0"/>
+            <a:ext cx="2971800" cy="458788"/>
+          </a:xfrm>
+          <a:prstGeom prst="rect">
+            <a:avLst/>
+          </a:prstGeom>
+        </p:spPr>
+        <p:txBody>
+          <a:bodyPr vert="horz" lIns="91440" tIns="45720" rIns="91440" bIns="45720" rtlCol="0"/>
+          <a:lstStyle>
+            <a:lvl1pPr algn="r">
+              <a:defRPr sz="1200"/>
+            </a:lvl1pPr>
+          </a:lstStyle>
+          <a:p>
+            <a:fld id="{AB701F57-5F74-443E-A46C-AF2488307327}" type="datetimeFigureOut">
+              <a:rPr lang="en-US" smtClean="0"/>
+              <a:t>3/20/2024</a:t>
+            </a:fld>
+            <a:endParaRPr lang="en-US"/>
+          </a:p>
+        </p:txBody>
+      </p:sp>
+      <p:sp>
+        <p:nvSpPr>
+          <p:cNvPr id="4" name="Slide Image Placeholder 3"/>
+          <p:cNvSpPr>
+            <a:spLocks noGrp="1" noRot="1" noChangeAspect="1"/>
+          </p:cNvSpPr>
+          <p:nvPr>
+            <p:ph type="sldImg" idx="2"/>
+          </p:nvPr>
+        </p:nvSpPr>
+        <p:spPr>
+          <a:xfrm>
+            <a:off x="685800" y="1143000"/>
+            <a:ext cx="5486400" cy="3086100"/>
+          </a:xfrm>
+          <a:prstGeom prst="rect">
+            <a:avLst/>
+          </a:prstGeom>
+          <a:noFill/>
+          <a:ln w="12700">
+            <a:solidFill>
+              <a:prstClr val="black"/>
+            </a:solidFill>
+          </a:ln>
+        </p:spPr>
+        <p:txBody>
+          <a:bodyPr vert="horz" lIns="91440" tIns="45720" rIns="91440" bIns="45720" rtlCol="0" anchor="ctr"/>
+          <a:lstStyle/>
+          <a:p>
+            <a:endParaRPr lang="en-US"/>
+          </a:p>
+        </p:txBody>
+      </p:sp>
+      <p:sp>
+        <p:nvSpPr>
+          <p:cNvPr id="5" name="Notes Placeholder 4"/>
+          <p:cNvSpPr>
+            <a:spLocks noGrp="1"/>
+          </p:cNvSpPr>
+          <p:nvPr>
+            <p:ph type="body" sz="quarter" idx="3"/>
+          </p:nvPr>
+        </p:nvSpPr>
+        <p:spPr>
+          <a:xfrm>
+            <a:off x="685800" y="4400550"/>
+            <a:ext cx="5486400" cy="3600450"/>
+          </a:xfrm>
+          <a:prstGeom prst="rect">
+            <a:avLst/>
+          </a:prstGeom>
+        </p:spPr>
+        <p:txBody>
+          <a:bodyPr vert="horz" lIns="91440" tIns="45720" rIns="91440" bIns="45720" rtlCol="0"/>
+          <a:lstStyle/>
+          <a:p>
+            <a:pPr lvl="0"/>
+            <a:r>
+              <a:rPr lang="en-US"/>
+              <a:t>Click to edit Master text styles</a:t>
+            </a:r>
+          </a:p>
+          <a:p>
+            <a:pPr lvl="1"/>
+            <a:r>
+              <a:rPr lang="en-US"/>
+              <a:t>Second level</a:t>
+            </a:r>
+          </a:p>
+          <a:p>
+            <a:pPr lvl="2"/>
+            <a:r>
+              <a:rPr lang="en-US"/>
+              <a:t>Third level</a:t>
+            </a:r>
+          </a:p>
+          <a:p>
+            <a:pPr lvl="3"/>
+            <a:r>
+              <a:rPr lang="en-US"/>
+              <a:t>Fourth level</a:t>
+            </a:r>
+          </a:p>
+          <a:p>
+            <a:pPr lvl="4"/>
+            <a:r>
+              <a:rPr lang="en-US"/>
+              <a:t>Fifth level</a:t>
+            </a:r>
+          </a:p>
+        </p:txBody>
+      </p:sp>
+      <p:sp>
+        <p:nvSpPr>
+          <p:cNvPr id="6" name="Footer Placeholder 5"/>
+          <p:cNvSpPr>
+            <a:spLocks noGrp="1"/>
+          </p:cNvSpPr>
+          <p:nvPr>
+            <p:ph type="ftr" sz="quarter" idx="4"/>
+          </p:nvPr>
+        </p:nvSpPr>
+        <p:spPr>
+          <a:xfrm>
+            <a:off x="0" y="8685213"/>
+            <a:ext cx="2971800" cy="458787"/>
+          </a:xfrm>
+          <a:prstGeom prst="rect">
+            <a:avLst/>
+          </a:prstGeom>
+        </p:spPr>
+        <p:txBody>
+          <a:bodyPr vert="horz" lIns="91440" tIns="45720" rIns="91440" bIns="45720" rtlCol="0" anchor="b"/>
+          <a:lstStyle>
+            <a:lvl1pPr algn="l">
+              <a:defRPr sz="1200"/>
+            </a:lvl1pPr>
+          </a:lstStyle>
+          <a:p>
+            <a:endParaRPr lang="en-US"/>
+          </a:p>
+        </p:txBody>
+      </p:sp>
+      <p:sp>
+        <p:nvSpPr>
+          <p:cNvPr id="7" name="Slide Number Placeholder 6"/>
+          <p:cNvSpPr>
+            <a:spLocks noGrp="1"/>
+          </p:cNvSpPr>
+          <p:nvPr>
+            <p:ph type="sldNum" sz="quarter" idx="5"/>
+          </p:nvPr>
+        </p:nvSpPr>
+        <p:spPr>
+          <a:xfrm>
+            <a:off x="3884613" y="8685213"/>
+            <a:ext cx="2971800" cy="458787"/>
+          </a:xfrm>
+          <a:prstGeom prst="rect">
+            <a:avLst/>
+          </a:prstGeom>
+        </p:spPr>
+        <p:txBody>
+          <a:bodyPr vert="horz" lIns="91440" tIns="45720" rIns="91440" bIns="45720" rtlCol="0" anchor="b"/>
+          <a:lstStyle>
+            <a:lvl1pPr algn="r">
+              <a:defRPr sz="1200"/>
+            </a:lvl1pPr>
+          </a:lstStyle>
+          <a:p>
+            <a:fld id="{3679DB95-69F9-420C-BC5F-8AB8D21DEEF1}" type="slidenum">
+              <a:rPr lang="en-US" smtClean="0"/>
+              <a:t>‹#›</a:t>
+            </a:fld>
+            <a:endParaRPr lang="en-US"/>
+          </a:p>
+        </p:txBody>
+      </p:sp>
+    </p:spTree>
+    <p:extLst>
+      <p:ext uri="{BB962C8B-B14F-4D97-AF65-F5344CB8AC3E}">
+        <p14:creationId xmlns:p14="http://schemas.microsoft.com/office/powerpoint/2010/main" val="3773829225"/>
+      </p:ext>
+    </p:extLst>
+  </p:cSld>
+  <p:clrMap bg1="lt1" tx1="dk1" bg2="lt2" tx2="dk2" accent1="accent1" accent2="accent2" accent3="accent3" accent4="accent4" accent5="accent5" accent6="accent6" hlink="hlink" folHlink="folHlink"/>
+  <p:notesStyle>
+    <a:lvl1pPr marL="0" algn="l" defTabSz="914400" rtl="0" eaLnBrk="1" latinLnBrk="0" hangingPunct="1">
+      <a:defRPr sz="1200" kern="1200">
+        <a:solidFill>
+          <a:schemeClr val="tx1"/>
+        </a:solidFill>
+        <a:latin typeface="+mn-lt"/>
+        <a:ea typeface="+mn-ea"/>
+        <a:cs typeface="+mn-cs"/>
+      </a:defRPr>
+    </a:lvl1pPr>
+    <a:lvl2pPr marL="457200" algn="l" defTabSz="914400" rtl="0" eaLnBrk="1" latinLnBrk="0" hangingPunct="1">
+      <a:defRPr sz="1200" kern="1200">
+        <a:solidFill>
+          <a:schemeClr val="tx1"/>
+        </a:solidFill>
+        <a:latin typeface="+mn-lt"/>
+        <a:ea typeface="+mn-ea"/>
+        <a:cs typeface="+mn-cs"/>
+      </a:defRPr>
+    </a:lvl2pPr>
+    <a:lvl3pPr marL="914400" algn="l" defTabSz="914400" rtl="0" eaLnBrk="1" latinLnBrk="0" hangingPunct="1">
+      <a:defRPr sz="1200" kern="1200">
+        <a:solidFill>
+          <a:schemeClr val="tx1"/>
+        </a:solidFill>
+        <a:latin typeface="+mn-lt"/>
+        <a:ea typeface="+mn-ea"/>
+        <a:cs typeface="+mn-cs"/>
+      </a:defRPr>
+    </a:lvl3pPr>
+    <a:lvl4pPr marL="1371600" algn="l" defTabSz="914400" rtl="0" eaLnBrk="1" latinLnBrk="0" hangingPunct="1">
+      <a:defRPr sz="1200" kern="1200">
+        <a:solidFill>
+          <a:schemeClr val="tx1"/>
+        </a:solidFill>
+        <a:latin typeface="+mn-lt"/>
+        <a:ea typeface="+mn-ea"/>
+        <a:cs typeface="+mn-cs"/>
+      </a:defRPr>
+    </a:lvl4pPr>
+    <a:lvl5pPr marL="1828800" algn="l" defTabSz="914400" rtl="0" eaLnBrk="1" latinLnBrk="0" hangingPunct="1">
+      <a:defRPr sz="1200" kern="1200">
+        <a:solidFill>
+          <a:schemeClr val="tx1"/>
+        </a:solidFill>
+        <a:latin typeface="+mn-lt"/>
+        <a:ea typeface="+mn-ea"/>
+        <a:cs typeface="+mn-cs"/>
+      </a:defRPr>
+    </a:lvl5pPr>
+    <a:lvl6pPr marL="2286000" algn="l" defTabSz="914400" rtl="0" eaLnBrk="1" latinLnBrk="0" hangingPunct="1">
+      <a:defRPr sz="1200" kern="1200">
+        <a:solidFill>
+          <a:schemeClr val="tx1"/>
+        </a:solidFill>
+        <a:latin typeface="+mn-lt"/>
+        <a:ea typeface="+mn-ea"/>
+        <a:cs typeface="+mn-cs"/>
+      </a:defRPr>
+    </a:lvl6pPr>
+    <a:lvl7pPr marL="2743200" algn="l" defTabSz="914400" rtl="0" eaLnBrk="1" latinLnBrk="0" hangingPunct="1">
+      <a:defRPr sz="1200" kern="1200">
+        <a:solidFill>
+          <a:schemeClr val="tx1"/>
+        </a:solidFill>
+        <a:latin typeface="+mn-lt"/>
+        <a:ea typeface="+mn-ea"/>
+        <a:cs typeface="+mn-cs"/>
+      </a:defRPr>
+    </a:lvl7pPr>
+    <a:lvl8pPr marL="3200400" algn="l" defTabSz="914400" rtl="0" eaLnBrk="1" latinLnBrk="0" hangingPunct="1">
+      <a:defRPr sz="1200" kern="1200">
+        <a:solidFill>
+          <a:schemeClr val="tx1"/>
+        </a:solidFill>
+        <a:latin typeface="+mn-lt"/>
+        <a:ea typeface="+mn-ea"/>
+        <a:cs typeface="+mn-cs"/>
+      </a:defRPr>
+    </a:lvl8pPr>
+    <a:lvl9pPr marL="3657600" algn="l" defTabSz="914400" rtl="0" eaLnBrk="1" latinLnBrk="0" hangingPunct="1">
+      <a:defRPr sz="1200" kern="1200">
+        <a:solidFill>
+          <a:schemeClr val="tx1"/>
+        </a:solidFill>
+        <a:latin typeface="+mn-lt"/>
+        <a:ea typeface="+mn-ea"/>
+        <a:cs typeface="+mn-cs"/>
+      </a:defRPr>
+    </a:lvl9pPr>
+  </p:notesStyle>
+</p:notesMaster>
+</file>
+
+<file path=ppt/notesSlides/notesSlide1.xml><?xml version="1.0" encoding="utf-8"?>
+<p:notes xmlns:a="http://schemas.openxmlformats.org/drawingml/2006/main" xmlns:r="http://schemas.openxmlformats.org/officeDocument/2006/relationships" xmlns:p="http://schemas.openxmlformats.org/presentationml/2006/main">
+  <p:cSld>
+    <p:spTree>
+      <p:nvGrpSpPr>
+        <p:cNvPr id="1" name=""/>
+        <p:cNvGrpSpPr/>
+        <p:nvPr/>
+      </p:nvGrpSpPr>
+      <p:grpSpPr>
+        <a:xfrm>
+          <a:off x="0" y="0"/>
+          <a:ext cx="0" cy="0"/>
+          <a:chOff x="0" y="0"/>
+          <a:chExt cx="0" cy="0"/>
+        </a:xfrm>
+      </p:grpSpPr>
+      <p:sp>
+        <p:nvSpPr>
+          <p:cNvPr id="2" name="Slide Image Placeholder 1"/>
+          <p:cNvSpPr>
+            <a:spLocks noGrp="1" noRot="1" noChangeAspect="1"/>
+          </p:cNvSpPr>
+          <p:nvPr>
+            <p:ph type="sldImg"/>
+          </p:nvPr>
+        </p:nvSpPr>
+        <p:spPr/>
+      </p:sp>
+      <p:sp>
+        <p:nvSpPr>
+          <p:cNvPr id="3" name="Notes Placeholder 2"/>
+          <p:cNvSpPr>
+            <a:spLocks noGrp="1"/>
+          </p:cNvSpPr>
+          <p:nvPr>
+            <p:ph type="body" idx="1"/>
+          </p:nvPr>
+        </p:nvSpPr>
+        <p:spPr/>
+        <p:txBody>
+          <a:bodyPr/>
+          <a:lstStyle/>
+          <a:p>
+            <a:endParaRPr lang="en-US" dirty="0"/>
+          </a:p>
+        </p:txBody>
+      </p:sp>
+      <p:sp>
+        <p:nvSpPr>
+          <p:cNvPr id="4" name="Slide Number Placeholder 3"/>
+          <p:cNvSpPr>
+            <a:spLocks noGrp="1"/>
+          </p:cNvSpPr>
+          <p:nvPr>
+            <p:ph type="sldNum" sz="quarter" idx="5"/>
+          </p:nvPr>
+        </p:nvSpPr>
+        <p:spPr/>
+        <p:txBody>
+          <a:bodyPr/>
+          <a:lstStyle/>
+          <a:p>
+            <a:fld id="{3679DB95-69F9-420C-BC5F-8AB8D21DEEF1}" type="slidenum">
+              <a:rPr lang="en-US" smtClean="0"/>
+              <a:t>6</a:t>
+            </a:fld>
+            <a:endParaRPr lang="en-US"/>
+          </a:p>
+        </p:txBody>
+      </p:sp>
+    </p:spTree>
+    <p:extLst>
+      <p:ext uri="{BB962C8B-B14F-4D97-AF65-F5344CB8AC3E}">
+        <p14:creationId xmlns:p14="http://schemas.microsoft.com/office/powerpoint/2010/main" val="3386518627"/>
+      </p:ext>
+    </p:extLst>
+  </p:cSld>
+  <p:clrMapOvr>
+    <a:masterClrMapping/>
+  </p:clrMapOvr>
+</p:notes>
+</file>
+
 <file path=ppt/slideLayouts/slideLayout1.xml><?xml version="1.0" encoding="utf-8"?>
 <p:sldLayout xmlns:a="http://schemas.openxmlformats.org/drawingml/2006/main" xmlns:r="http://schemas.openxmlformats.org/officeDocument/2006/relationships" xmlns:p="http://schemas.openxmlformats.org/presentationml/2006/main" type="title" preserve="1">
   <p:cSld name="Title Slide">
@@ -491,7 +1687,7 @@
           <a:p>
             <a:fld id="{548C5E67-172B-4F6A-B3B9-DEF72F952E5B}" type="datetimeFigureOut">
               <a:rPr lang="en-US" smtClean="0"/>
-              <a:t>4/17/2023</a:t>
+              <a:t>3/20/2024</a:t>
             </a:fld>
             <a:endParaRPr lang="en-US"/>
           </a:p>
@@ -695,7 +1891,7 @@
           <a:p>
             <a:fld id="{548C5E67-172B-4F6A-B3B9-DEF72F952E5B}" type="datetimeFigureOut">
               <a:rPr lang="en-US" smtClean="0"/>
-              <a:t>4/17/2023</a:t>
+              <a:t>3/20/2024</a:t>
             </a:fld>
             <a:endParaRPr lang="en-US"/>
           </a:p>
@@ -889,7 +2085,7 @@
           <a:p>
             <a:fld id="{548C5E67-172B-4F6A-B3B9-DEF72F952E5B}" type="datetimeFigureOut">
               <a:rPr lang="en-US" smtClean="0"/>
-              <a:t>4/17/2023</a:t>
+              <a:t>3/20/2024</a:t>
             </a:fld>
             <a:endParaRPr lang="en-US"/>
           </a:p>
@@ -1934,7 +3130,7 @@
           <a:p>
             <a:fld id="{548C5E67-172B-4F6A-B3B9-DEF72F952E5B}" type="datetimeFigureOut">
               <a:rPr lang="en-US" smtClean="0"/>
-              <a:t>4/17/2023</a:t>
+              <a:t>3/20/2024</a:t>
             </a:fld>
             <a:endParaRPr lang="en-US"/>
           </a:p>
@@ -2215,7 +3411,7 @@
           <a:p>
             <a:fld id="{548C5E67-172B-4F6A-B3B9-DEF72F952E5B}" type="datetimeFigureOut">
               <a:rPr lang="en-US" smtClean="0"/>
-              <a:t>4/17/2023</a:t>
+              <a:t>3/20/2024</a:t>
             </a:fld>
             <a:endParaRPr lang="en-US"/>
           </a:p>
@@ -2822,668 +4018,6 @@
       </p:grpSpPr>
       <p:sp>
         <p:nvSpPr>
-          <p:cNvPr id="7" name="Title 6">
-            <a:extLst>
-              <a:ext uri="{FF2B5EF4-FFF2-40B4-BE49-F238E27FC236}">
-                <a16:creationId xmlns:a16="http://schemas.microsoft.com/office/drawing/2014/main" id="{919ED3DF-D443-43C0-83AE-8604EF9F5497}"/>
-              </a:ext>
-            </a:extLst>
-          </p:cNvPr>
-          <p:cNvSpPr>
-            <a:spLocks noGrp="1"/>
-          </p:cNvSpPr>
-          <p:nvPr>
-            <p:ph type="title"/>
-          </p:nvPr>
-        </p:nvSpPr>
-        <p:spPr/>
-        <p:txBody>
-          <a:bodyPr/>
-          <a:lstStyle/>
-          <a:p>
-            <a:r>
-              <a:rPr lang="en-US" dirty="0"/>
-              <a:t>What is a schema?</a:t>
-            </a:r>
-          </a:p>
-        </p:txBody>
-      </p:sp>
-      <p:sp>
-        <p:nvSpPr>
-          <p:cNvPr id="8" name="Content Placeholder 7">
-            <a:extLst>
-              <a:ext uri="{FF2B5EF4-FFF2-40B4-BE49-F238E27FC236}">
-                <a16:creationId xmlns:a16="http://schemas.microsoft.com/office/drawing/2014/main" id="{7D367DA3-7895-4AD1-8258-598985FA125F}"/>
-              </a:ext>
-            </a:extLst>
-          </p:cNvPr>
-          <p:cNvSpPr>
-            <a:spLocks noGrp="1"/>
-          </p:cNvSpPr>
-          <p:nvPr>
-            <p:ph idx="1"/>
-          </p:nvPr>
-        </p:nvSpPr>
-        <p:spPr>
-          <a:xfrm>
-            <a:off x="838200" y="1589649"/>
-            <a:ext cx="7100944" cy="4903226"/>
-          </a:xfrm>
-        </p:spPr>
-        <p:txBody>
-          <a:bodyPr>
-            <a:normAutofit/>
-          </a:bodyPr>
-          <a:lstStyle/>
-          <a:p>
-            <a:r>
-              <a:rPr lang="en-US" dirty="0"/>
-              <a:t>A </a:t>
-            </a:r>
-            <a:r>
-              <a:rPr lang="en-US" dirty="0">
-                <a:solidFill>
-                  <a:srgbClr val="00B0F0"/>
-                </a:solidFill>
-              </a:rPr>
-              <a:t>named collection</a:t>
-            </a:r>
-            <a:r>
-              <a:rPr lang="en-US" dirty="0"/>
-              <a:t> of data within a database</a:t>
-            </a:r>
-          </a:p>
-          <a:p>
-            <a:r>
-              <a:rPr lang="en-US" dirty="0"/>
-              <a:t>A schema has a collection of </a:t>
-            </a:r>
-            <a:r>
-              <a:rPr lang="en-US" dirty="0">
-                <a:solidFill>
-                  <a:srgbClr val="00B0F0"/>
-                </a:solidFill>
-              </a:rPr>
-              <a:t>tables</a:t>
-            </a:r>
-          </a:p>
-          <a:p>
-            <a:r>
-              <a:rPr lang="en-US" dirty="0"/>
-              <a:t>Tables are like spreadsheets</a:t>
-            </a:r>
-          </a:p>
-          <a:p>
-            <a:pPr lvl="1"/>
-            <a:r>
-              <a:rPr lang="en-US" dirty="0"/>
-              <a:t>Tables define </a:t>
-            </a:r>
-            <a:r>
-              <a:rPr lang="en-US" dirty="0">
-                <a:solidFill>
-                  <a:srgbClr val="FFFF00"/>
-                </a:solidFill>
-              </a:rPr>
-              <a:t>columns</a:t>
-            </a:r>
-            <a:r>
-              <a:rPr lang="en-US" dirty="0"/>
-              <a:t> of data</a:t>
-            </a:r>
-          </a:p>
-          <a:p>
-            <a:pPr lvl="1"/>
-            <a:r>
-              <a:rPr lang="en-US" dirty="0"/>
-              <a:t>Tables contain </a:t>
-            </a:r>
-            <a:r>
-              <a:rPr lang="en-US" dirty="0">
-                <a:solidFill>
-                  <a:srgbClr val="FFFF00"/>
-                </a:solidFill>
-              </a:rPr>
-              <a:t>rows</a:t>
-            </a:r>
-            <a:r>
-              <a:rPr lang="en-US" dirty="0"/>
-              <a:t> of data organized by column</a:t>
-            </a:r>
-          </a:p>
-          <a:p>
-            <a:r>
-              <a:rPr lang="en-US" dirty="0"/>
-              <a:t>A row and column is like a spreadsheet cell</a:t>
-            </a:r>
-          </a:p>
-          <a:p>
-            <a:pPr lvl="1"/>
-            <a:r>
-              <a:rPr lang="en-US" dirty="0"/>
-              <a:t>Spreadsheet cells can have any type of data</a:t>
-            </a:r>
-          </a:p>
-          <a:p>
-            <a:pPr lvl="1"/>
-            <a:r>
-              <a:rPr lang="en-US" dirty="0"/>
-              <a:t>Table rows contain data specified by the column type</a:t>
-            </a:r>
-          </a:p>
-          <a:p>
-            <a:r>
-              <a:rPr lang="en-US" dirty="0"/>
-              <a:t>Unfortunately, MySQL calls schemas </a:t>
-            </a:r>
-            <a:r>
-              <a:rPr lang="en-US" dirty="0">
-                <a:solidFill>
-                  <a:srgbClr val="FF0000"/>
-                </a:solidFill>
-              </a:rPr>
-              <a:t>databases</a:t>
-            </a:r>
-            <a:r>
-              <a:rPr lang="en-US" dirty="0"/>
-              <a:t>!</a:t>
-            </a:r>
-          </a:p>
-        </p:txBody>
-      </p:sp>
-    </p:spTree>
-    <p:extLst>
-      <p:ext uri="{BB962C8B-B14F-4D97-AF65-F5344CB8AC3E}">
-        <p14:creationId xmlns:p14="http://schemas.microsoft.com/office/powerpoint/2010/main" val="3859726291"/>
-      </p:ext>
-    </p:extLst>
-  </p:cSld>
-  <p:clrMapOvr>
-    <a:masterClrMapping/>
-  </p:clrMapOvr>
-  <mc:AlternateContent xmlns:mc="http://schemas.openxmlformats.org/markup-compatibility/2006" xmlns:p14="http://schemas.microsoft.com/office/powerpoint/2010/main">
-    <mc:Choice Requires="p14">
-      <p:transition spd="med" p14:dur="700">
-        <p:fade/>
-      </p:transition>
-    </mc:Choice>
-    <mc:Fallback xmlns="">
-      <p:transition spd="med">
-        <p:fade/>
-      </p:transition>
-    </mc:Fallback>
-  </mc:AlternateContent>
-</p:sld>
-</file>
-
-<file path=ppt/slides/slide11.xml><?xml version="1.0" encoding="utf-8"?>
-<p:sld xmlns:a="http://schemas.openxmlformats.org/drawingml/2006/main" xmlns:r="http://schemas.openxmlformats.org/officeDocument/2006/relationships" xmlns:p="http://schemas.openxmlformats.org/presentationml/2006/main">
-  <p:cSld>
-    <p:spTree>
-      <p:nvGrpSpPr>
-        <p:cNvPr id="1" name=""/>
-        <p:cNvGrpSpPr/>
-        <p:nvPr/>
-      </p:nvGrpSpPr>
-      <p:grpSpPr>
-        <a:xfrm>
-          <a:off x="0" y="0"/>
-          <a:ext cx="0" cy="0"/>
-          <a:chOff x="0" y="0"/>
-          <a:chExt cx="0" cy="0"/>
-        </a:xfrm>
-      </p:grpSpPr>
-      <p:sp>
-        <p:nvSpPr>
-          <p:cNvPr id="4" name="Title 3">
-            <a:extLst>
-              <a:ext uri="{FF2B5EF4-FFF2-40B4-BE49-F238E27FC236}">
-                <a16:creationId xmlns:a16="http://schemas.microsoft.com/office/drawing/2014/main" id="{56841A5A-AEBB-4B75-B4AE-FBCC2EA6D1C9}"/>
-              </a:ext>
-            </a:extLst>
-          </p:cNvPr>
-          <p:cNvSpPr>
-            <a:spLocks noGrp="1"/>
-          </p:cNvSpPr>
-          <p:nvPr>
-            <p:ph type="title"/>
-          </p:nvPr>
-        </p:nvSpPr>
-        <p:spPr/>
-        <p:txBody>
-          <a:bodyPr/>
-          <a:lstStyle/>
-          <a:p>
-            <a:r>
-              <a:rPr lang="en-US" dirty="0"/>
-              <a:t>A database can have many schemas</a:t>
-            </a:r>
-          </a:p>
-        </p:txBody>
-      </p:sp>
-      <p:pic>
-        <p:nvPicPr>
-          <p:cNvPr id="13" name="Picture 12">
-            <a:extLst>
-              <a:ext uri="{FF2B5EF4-FFF2-40B4-BE49-F238E27FC236}">
-                <a16:creationId xmlns:a16="http://schemas.microsoft.com/office/drawing/2014/main" id="{A81950D4-5573-40C3-ACEA-403C424B3082}"/>
-              </a:ext>
-            </a:extLst>
-          </p:cNvPr>
-          <p:cNvPicPr>
-            <a:picLocks noChangeAspect="1"/>
-          </p:cNvPicPr>
-          <p:nvPr/>
-        </p:nvPicPr>
-        <p:blipFill>
-          <a:blip r:embed="rId2"/>
-          <a:stretch>
-            <a:fillRect/>
-          </a:stretch>
-        </p:blipFill>
-        <p:spPr>
-          <a:xfrm>
-            <a:off x="838200" y="2319910"/>
-            <a:ext cx="3253048" cy="2818147"/>
-          </a:xfrm>
-          <a:prstGeom prst="rect">
-            <a:avLst/>
-          </a:prstGeom>
-        </p:spPr>
-      </p:pic>
-      <p:sp>
-        <p:nvSpPr>
-          <p:cNvPr id="14" name="TextBox 13">
-            <a:extLst>
-              <a:ext uri="{FF2B5EF4-FFF2-40B4-BE49-F238E27FC236}">
-                <a16:creationId xmlns:a16="http://schemas.microsoft.com/office/drawing/2014/main" id="{D883AF30-A271-44FD-8BE5-1D305366EC48}"/>
-              </a:ext>
-            </a:extLst>
-          </p:cNvPr>
-          <p:cNvSpPr txBox="1"/>
-          <p:nvPr/>
-        </p:nvSpPr>
-        <p:spPr>
-          <a:xfrm>
-            <a:off x="4332514" y="3254829"/>
-            <a:ext cx="1284515" cy="369332"/>
-          </a:xfrm>
-          <a:prstGeom prst="rect">
-            <a:avLst/>
-          </a:prstGeom>
-          <a:noFill/>
-        </p:spPr>
-        <p:txBody>
-          <a:bodyPr wrap="square" rtlCol="0">
-            <a:spAutoFit/>
-          </a:bodyPr>
-          <a:lstStyle/>
-          <a:p>
-            <a:r>
-              <a:rPr lang="en-US" dirty="0"/>
-              <a:t>Schemas</a:t>
-            </a:r>
-          </a:p>
-        </p:txBody>
-      </p:sp>
-      <p:cxnSp>
-        <p:nvCxnSpPr>
-          <p:cNvPr id="16" name="Straight Arrow Connector 15">
-            <a:extLst>
-              <a:ext uri="{FF2B5EF4-FFF2-40B4-BE49-F238E27FC236}">
-                <a16:creationId xmlns:a16="http://schemas.microsoft.com/office/drawing/2014/main" id="{8995E411-4D24-4409-ADD0-85EC533B26EA}"/>
-              </a:ext>
-            </a:extLst>
-          </p:cNvPr>
-          <p:cNvCxnSpPr>
-            <a:stCxn id="14" idx="1"/>
-          </p:cNvCxnSpPr>
-          <p:nvPr/>
-        </p:nvCxnSpPr>
-        <p:spPr>
-          <a:xfrm flipH="1" flipV="1">
-            <a:off x="3200400" y="3429000"/>
-            <a:ext cx="1132114" cy="10495"/>
-          </a:xfrm>
-          <a:prstGeom prst="straightConnector1">
-            <a:avLst/>
-          </a:prstGeom>
-          <a:ln w="38100">
-            <a:solidFill>
-              <a:srgbClr val="FF0000"/>
-            </a:solidFill>
-            <a:tailEnd type="triangle"/>
-          </a:ln>
-        </p:spPr>
-        <p:style>
-          <a:lnRef idx="1">
-            <a:schemeClr val="accent1"/>
-          </a:lnRef>
-          <a:fillRef idx="0">
-            <a:schemeClr val="accent1"/>
-          </a:fillRef>
-          <a:effectRef idx="0">
-            <a:schemeClr val="accent1"/>
-          </a:effectRef>
-          <a:fontRef idx="minor">
-            <a:schemeClr val="tx1"/>
-          </a:fontRef>
-        </p:style>
-      </p:cxnSp>
-      <p:cxnSp>
-        <p:nvCxnSpPr>
-          <p:cNvPr id="17" name="Straight Arrow Connector 16">
-            <a:extLst>
-              <a:ext uri="{FF2B5EF4-FFF2-40B4-BE49-F238E27FC236}">
-                <a16:creationId xmlns:a16="http://schemas.microsoft.com/office/drawing/2014/main" id="{BBF7C35F-A4A7-4360-94BF-46A1A1C31725}"/>
-              </a:ext>
-            </a:extLst>
-          </p:cNvPr>
-          <p:cNvCxnSpPr>
-            <a:cxnSpLocks/>
-            <a:stCxn id="14" idx="1"/>
-          </p:cNvCxnSpPr>
-          <p:nvPr/>
-        </p:nvCxnSpPr>
-        <p:spPr>
-          <a:xfrm flipH="1">
-            <a:off x="3200400" y="3439495"/>
-            <a:ext cx="1132114" cy="813888"/>
-          </a:xfrm>
-          <a:prstGeom prst="straightConnector1">
-            <a:avLst/>
-          </a:prstGeom>
-          <a:ln w="38100">
-            <a:solidFill>
-              <a:srgbClr val="FF0000"/>
-            </a:solidFill>
-            <a:tailEnd type="triangle"/>
-          </a:ln>
-        </p:spPr>
-        <p:style>
-          <a:lnRef idx="1">
-            <a:schemeClr val="accent1"/>
-          </a:lnRef>
-          <a:fillRef idx="0">
-            <a:schemeClr val="accent1"/>
-          </a:fillRef>
-          <a:effectRef idx="0">
-            <a:schemeClr val="accent1"/>
-          </a:effectRef>
-          <a:fontRef idx="minor">
-            <a:schemeClr val="tx1"/>
-          </a:fontRef>
-        </p:style>
-      </p:cxnSp>
-    </p:spTree>
-    <p:extLst>
-      <p:ext uri="{BB962C8B-B14F-4D97-AF65-F5344CB8AC3E}">
-        <p14:creationId xmlns:p14="http://schemas.microsoft.com/office/powerpoint/2010/main" val="1898286388"/>
-      </p:ext>
-    </p:extLst>
-  </p:cSld>
-  <p:clrMapOvr>
-    <a:masterClrMapping/>
-  </p:clrMapOvr>
-  <mc:AlternateContent xmlns:mc="http://schemas.openxmlformats.org/markup-compatibility/2006" xmlns:p14="http://schemas.microsoft.com/office/powerpoint/2010/main">
-    <mc:Choice Requires="p14">
-      <p:transition spd="med" p14:dur="700">
-        <p:fade/>
-      </p:transition>
-    </mc:Choice>
-    <mc:Fallback xmlns="">
-      <p:transition spd="med">
-        <p:fade/>
-      </p:transition>
-    </mc:Fallback>
-  </mc:AlternateContent>
-</p:sld>
-</file>
-
-<file path=ppt/slides/slide12.xml><?xml version="1.0" encoding="utf-8"?>
-<p:sld xmlns:a="http://schemas.openxmlformats.org/drawingml/2006/main" xmlns:r="http://schemas.openxmlformats.org/officeDocument/2006/relationships" xmlns:p="http://schemas.openxmlformats.org/presentationml/2006/main">
-  <p:cSld>
-    <p:spTree>
-      <p:nvGrpSpPr>
-        <p:cNvPr id="1" name=""/>
-        <p:cNvGrpSpPr/>
-        <p:nvPr/>
-      </p:nvGrpSpPr>
-      <p:grpSpPr>
-        <a:xfrm>
-          <a:off x="0" y="0"/>
-          <a:ext cx="0" cy="0"/>
-          <a:chOff x="0" y="0"/>
-          <a:chExt cx="0" cy="0"/>
-        </a:xfrm>
-      </p:grpSpPr>
-      <p:sp>
-        <p:nvSpPr>
-          <p:cNvPr id="2" name="Title 1">
-            <a:extLst>
-              <a:ext uri="{FF2B5EF4-FFF2-40B4-BE49-F238E27FC236}">
-                <a16:creationId xmlns:a16="http://schemas.microsoft.com/office/drawing/2014/main" id="{593075D0-37DB-4977-8710-8B1252F0198E}"/>
-              </a:ext>
-            </a:extLst>
-          </p:cNvPr>
-          <p:cNvSpPr>
-            <a:spLocks noGrp="1"/>
-          </p:cNvSpPr>
-          <p:nvPr>
-            <p:ph type="title"/>
-          </p:nvPr>
-        </p:nvSpPr>
-        <p:spPr/>
-        <p:txBody>
-          <a:bodyPr/>
-          <a:lstStyle/>
-          <a:p>
-            <a:r>
-              <a:rPr lang="en-US" dirty="0"/>
-              <a:t>A schema can have many tables</a:t>
-            </a:r>
-          </a:p>
-        </p:txBody>
-      </p:sp>
-      <p:pic>
-        <p:nvPicPr>
-          <p:cNvPr id="6" name="Picture 5">
-            <a:extLst>
-              <a:ext uri="{FF2B5EF4-FFF2-40B4-BE49-F238E27FC236}">
-                <a16:creationId xmlns:a16="http://schemas.microsoft.com/office/drawing/2014/main" id="{1910A108-FD31-43BE-9D2D-89BAC64EF83B}"/>
-              </a:ext>
-            </a:extLst>
-          </p:cNvPr>
-          <p:cNvPicPr>
-            <a:picLocks noChangeAspect="1"/>
-          </p:cNvPicPr>
-          <p:nvPr/>
-        </p:nvPicPr>
-        <p:blipFill>
-          <a:blip r:embed="rId2"/>
-          <a:stretch>
-            <a:fillRect/>
-          </a:stretch>
-        </p:blipFill>
-        <p:spPr>
-          <a:xfrm>
-            <a:off x="838200" y="2549023"/>
-            <a:ext cx="6210264" cy="2243913"/>
-          </a:xfrm>
-          <a:prstGeom prst="rect">
-            <a:avLst/>
-          </a:prstGeom>
-        </p:spPr>
-      </p:pic>
-      <p:sp>
-        <p:nvSpPr>
-          <p:cNvPr id="7" name="TextBox 6">
-            <a:extLst>
-              <a:ext uri="{FF2B5EF4-FFF2-40B4-BE49-F238E27FC236}">
-                <a16:creationId xmlns:a16="http://schemas.microsoft.com/office/drawing/2014/main" id="{4E7942B0-528D-49F8-BBAE-75147FD49E8C}"/>
-              </a:ext>
-            </a:extLst>
-          </p:cNvPr>
-          <p:cNvSpPr txBox="1"/>
-          <p:nvPr/>
-        </p:nvSpPr>
-        <p:spPr>
-          <a:xfrm>
-            <a:off x="4157703" y="2017700"/>
-            <a:ext cx="1284515" cy="369332"/>
-          </a:xfrm>
-          <a:prstGeom prst="rect">
-            <a:avLst/>
-          </a:prstGeom>
-          <a:noFill/>
-        </p:spPr>
-        <p:txBody>
-          <a:bodyPr wrap="square" rtlCol="0">
-            <a:spAutoFit/>
-          </a:bodyPr>
-          <a:lstStyle/>
-          <a:p>
-            <a:r>
-              <a:rPr lang="en-US" dirty="0"/>
-              <a:t>Tables</a:t>
-            </a:r>
-          </a:p>
-        </p:txBody>
-      </p:sp>
-      <p:cxnSp>
-        <p:nvCxnSpPr>
-          <p:cNvPr id="8" name="Straight Arrow Connector 7">
-            <a:extLst>
-              <a:ext uri="{FF2B5EF4-FFF2-40B4-BE49-F238E27FC236}">
-                <a16:creationId xmlns:a16="http://schemas.microsoft.com/office/drawing/2014/main" id="{ABB5FFD7-3328-468A-9E15-7E8EDD706C0E}"/>
-              </a:ext>
-            </a:extLst>
-          </p:cNvPr>
-          <p:cNvCxnSpPr>
-            <a:cxnSpLocks/>
-            <a:stCxn id="7" idx="1"/>
-          </p:cNvCxnSpPr>
-          <p:nvPr/>
-        </p:nvCxnSpPr>
-        <p:spPr>
-          <a:xfrm flipH="1">
-            <a:off x="2931459" y="2202366"/>
-            <a:ext cx="1226244" cy="742540"/>
-          </a:xfrm>
-          <a:prstGeom prst="straightConnector1">
-            <a:avLst/>
-          </a:prstGeom>
-          <a:ln w="38100">
-            <a:solidFill>
-              <a:srgbClr val="FF0000"/>
-            </a:solidFill>
-            <a:tailEnd type="triangle"/>
-          </a:ln>
-        </p:spPr>
-        <p:style>
-          <a:lnRef idx="1">
-            <a:schemeClr val="accent1"/>
-          </a:lnRef>
-          <a:fillRef idx="0">
-            <a:schemeClr val="accent1"/>
-          </a:fillRef>
-          <a:effectRef idx="0">
-            <a:schemeClr val="accent1"/>
-          </a:effectRef>
-          <a:fontRef idx="minor">
-            <a:schemeClr val="tx1"/>
-          </a:fontRef>
-        </p:style>
-      </p:cxnSp>
-      <p:cxnSp>
-        <p:nvCxnSpPr>
-          <p:cNvPr id="9" name="Straight Arrow Connector 8">
-            <a:extLst>
-              <a:ext uri="{FF2B5EF4-FFF2-40B4-BE49-F238E27FC236}">
-                <a16:creationId xmlns:a16="http://schemas.microsoft.com/office/drawing/2014/main" id="{47C75079-A05C-4CB7-A0FC-4BB354332614}"/>
-              </a:ext>
-            </a:extLst>
-          </p:cNvPr>
-          <p:cNvCxnSpPr>
-            <a:cxnSpLocks/>
-            <a:stCxn id="7" idx="1"/>
-          </p:cNvCxnSpPr>
-          <p:nvPr/>
-        </p:nvCxnSpPr>
-        <p:spPr>
-          <a:xfrm flipH="1">
-            <a:off x="3025589" y="2202366"/>
-            <a:ext cx="1132114" cy="1885540"/>
-          </a:xfrm>
-          <a:prstGeom prst="straightConnector1">
-            <a:avLst/>
-          </a:prstGeom>
-          <a:ln w="38100">
-            <a:solidFill>
-              <a:srgbClr val="FF0000"/>
-            </a:solidFill>
-            <a:tailEnd type="triangle"/>
-          </a:ln>
-        </p:spPr>
-        <p:style>
-          <a:lnRef idx="1">
-            <a:schemeClr val="accent1"/>
-          </a:lnRef>
-          <a:fillRef idx="0">
-            <a:schemeClr val="accent1"/>
-          </a:fillRef>
-          <a:effectRef idx="0">
-            <a:schemeClr val="accent1"/>
-          </a:effectRef>
-          <a:fontRef idx="minor">
-            <a:schemeClr val="tx1"/>
-          </a:fontRef>
-        </p:style>
-      </p:cxnSp>
-    </p:spTree>
-    <p:extLst>
-      <p:ext uri="{BB962C8B-B14F-4D97-AF65-F5344CB8AC3E}">
-        <p14:creationId xmlns:p14="http://schemas.microsoft.com/office/powerpoint/2010/main" val="1745669931"/>
-      </p:ext>
-    </p:extLst>
-  </p:cSld>
-  <p:clrMapOvr>
-    <a:masterClrMapping/>
-  </p:clrMapOvr>
-  <mc:AlternateContent xmlns:mc="http://schemas.openxmlformats.org/markup-compatibility/2006" xmlns:p14="http://schemas.microsoft.com/office/powerpoint/2010/main">
-    <mc:Choice Requires="p14">
-      <p:transition spd="med" p14:dur="700">
-        <p:fade/>
-      </p:transition>
-    </mc:Choice>
-    <mc:Fallback xmlns="">
-      <p:transition spd="med">
-        <p:fade/>
-      </p:transition>
-    </mc:Fallback>
-  </mc:AlternateContent>
-</p:sld>
-</file>
-
-<file path=ppt/slides/slide13.xml><?xml version="1.0" encoding="utf-8"?>
-<p:sld xmlns:a="http://schemas.openxmlformats.org/drawingml/2006/main" xmlns:r="http://schemas.openxmlformats.org/officeDocument/2006/relationships" xmlns:p="http://schemas.openxmlformats.org/presentationml/2006/main">
-  <p:cSld>
-    <p:spTree>
-      <p:nvGrpSpPr>
-        <p:cNvPr id="1" name=""/>
-        <p:cNvGrpSpPr/>
-        <p:nvPr/>
-      </p:nvGrpSpPr>
-      <p:grpSpPr>
-        <a:xfrm>
-          <a:off x="0" y="0"/>
-          <a:ext cx="0" cy="0"/>
-          <a:chOff x="0" y="0"/>
-          <a:chExt cx="0" cy="0"/>
-        </a:xfrm>
-      </p:grpSpPr>
-      <p:sp>
-        <p:nvSpPr>
           <p:cNvPr id="2" name="Title 1">
             <a:extLst>
               <a:ext uri="{FF2B5EF4-FFF2-40B4-BE49-F238E27FC236}">
@@ -3600,7 +4134,7 @@
 </p:sld>
 </file>
 
-<file path=ppt/slides/slide14.xml><?xml version="1.0" encoding="utf-8"?>
+<file path=ppt/slides/slide11.xml><?xml version="1.0" encoding="utf-8"?>
 <p:sld xmlns:a="http://schemas.openxmlformats.org/drawingml/2006/main" xmlns:r="http://schemas.openxmlformats.org/officeDocument/2006/relationships" xmlns:p="http://schemas.openxmlformats.org/presentationml/2006/main">
   <p:cSld>
     <p:spTree>
@@ -3667,8 +4201,874 @@
         </p:blipFill>
         <p:spPr>
           <a:xfrm>
-            <a:off x="1480434" y="2038156"/>
+            <a:off x="838200" y="1553524"/>
             <a:ext cx="2953162" cy="2781688"/>
+          </a:xfrm>
+          <a:prstGeom prst="rect">
+            <a:avLst/>
+          </a:prstGeom>
+        </p:spPr>
+      </p:pic>
+      <p:pic>
+        <p:nvPicPr>
+          <p:cNvPr id="5" name="Picture 4">
+            <a:extLst>
+              <a:ext uri="{FF2B5EF4-FFF2-40B4-BE49-F238E27FC236}">
+                <a16:creationId xmlns:a16="http://schemas.microsoft.com/office/drawing/2014/main" id="{FDD1447E-C2F7-3149-16A3-B4056E68FCE5}"/>
+              </a:ext>
+            </a:extLst>
+          </p:cNvPr>
+          <p:cNvPicPr>
+            <a:picLocks noChangeAspect="1"/>
+          </p:cNvPicPr>
+          <p:nvPr/>
+        </p:nvPicPr>
+        <p:blipFill>
+          <a:blip r:embed="rId3"/>
+          <a:stretch>
+            <a:fillRect/>
+          </a:stretch>
+        </p:blipFill>
+        <p:spPr>
+          <a:xfrm>
+            <a:off x="1115195" y="5131010"/>
+            <a:ext cx="9279107" cy="1533739"/>
+          </a:xfrm>
+          <a:prstGeom prst="rect">
+            <a:avLst/>
+          </a:prstGeom>
+        </p:spPr>
+      </p:pic>
+      <p:graphicFrame>
+        <p:nvGraphicFramePr>
+          <p:cNvPr id="7" name="Table 6">
+            <a:extLst>
+              <a:ext uri="{FF2B5EF4-FFF2-40B4-BE49-F238E27FC236}">
+                <a16:creationId xmlns:a16="http://schemas.microsoft.com/office/drawing/2014/main" id="{34210330-B42D-501D-9347-2A02636EF53D}"/>
+              </a:ext>
+            </a:extLst>
+          </p:cNvPr>
+          <p:cNvGraphicFramePr>
+            <a:graphicFrameLocks noGrp="1"/>
+          </p:cNvGraphicFramePr>
+          <p:nvPr>
+            <p:extLst>
+              <p:ext uri="{D42A27DB-BD31-4B8C-83A1-F6EECF244321}">
+                <p14:modId xmlns:p14="http://schemas.microsoft.com/office/powerpoint/2010/main" val="1937230687"/>
+              </p:ext>
+            </p:extLst>
+          </p:nvPr>
+        </p:nvGraphicFramePr>
+        <p:xfrm>
+          <a:off x="6647051" y="2202688"/>
+          <a:ext cx="4022519" cy="1483360"/>
+        </p:xfrm>
+        <a:graphic>
+          <a:graphicData uri="http://schemas.openxmlformats.org/drawingml/2006/table">
+            <a:tbl>
+              <a:tblPr firstRow="1" bandRow="1">
+                <a:tableStyleId>{5C22544A-7EE6-4342-B048-85BDC9FD1C3A}</a:tableStyleId>
+              </a:tblPr>
+              <a:tblGrid>
+                <a:gridCol w="1439050">
+                  <a:extLst>
+                    <a:ext uri="{9D8B030D-6E8A-4147-A177-3AD203B41FA5}">
+                      <a16:colId xmlns:a16="http://schemas.microsoft.com/office/drawing/2014/main" val="2131462675"/>
+                    </a:ext>
+                  </a:extLst>
+                </a:gridCol>
+                <a:gridCol w="2583469">
+                  <a:extLst>
+                    <a:ext uri="{9D8B030D-6E8A-4147-A177-3AD203B41FA5}">
+                      <a16:colId xmlns:a16="http://schemas.microsoft.com/office/drawing/2014/main" val="398982846"/>
+                    </a:ext>
+                  </a:extLst>
+                </a:gridCol>
+              </a:tblGrid>
+              <a:tr h="370840">
+                <a:tc>
+                  <a:txBody>
+                    <a:bodyPr/>
+                    <a:lstStyle/>
+                    <a:p>
+                      <a:pPr algn="ctr"/>
+                      <a:r>
+                        <a:rPr lang="en-US" b="1" dirty="0"/>
+                        <a:t>In Database</a:t>
+                      </a:r>
+                    </a:p>
+                  </a:txBody>
+                  <a:tcPr/>
+                </a:tc>
+                <a:tc>
+                  <a:txBody>
+                    <a:bodyPr/>
+                    <a:lstStyle/>
+                    <a:p>
+                      <a:pPr algn="ctr"/>
+                      <a:r>
+                        <a:rPr lang="en-US" b="1" dirty="0"/>
+                        <a:t>In Java</a:t>
+                      </a:r>
+                    </a:p>
+                  </a:txBody>
+                  <a:tcPr/>
+                </a:tc>
+                <a:extLst>
+                  <a:ext uri="{0D108BD9-81ED-4DB2-BD59-A6C34878D82A}">
+                    <a16:rowId xmlns:a16="http://schemas.microsoft.com/office/drawing/2014/main" val="2075361841"/>
+                  </a:ext>
+                </a:extLst>
+              </a:tr>
+              <a:tr h="370840">
+                <a:tc>
+                  <a:txBody>
+                    <a:bodyPr/>
+                    <a:lstStyle/>
+                    <a:p>
+                      <a:pPr algn="ctr"/>
+                      <a:r>
+                        <a:rPr lang="en-US" dirty="0"/>
+                        <a:t>Table</a:t>
+                      </a:r>
+                    </a:p>
+                  </a:txBody>
+                  <a:tcPr/>
+                </a:tc>
+                <a:tc>
+                  <a:txBody>
+                    <a:bodyPr/>
+                    <a:lstStyle/>
+                    <a:p>
+                      <a:pPr algn="ctr"/>
+                      <a:r>
+                        <a:rPr lang="en-US" dirty="0"/>
+                        <a:t>Class</a:t>
+                      </a:r>
+                    </a:p>
+                  </a:txBody>
+                  <a:tcPr/>
+                </a:tc>
+                <a:extLst>
+                  <a:ext uri="{0D108BD9-81ED-4DB2-BD59-A6C34878D82A}">
+                    <a16:rowId xmlns:a16="http://schemas.microsoft.com/office/drawing/2014/main" val="4095488182"/>
+                  </a:ext>
+                </a:extLst>
+              </a:tr>
+              <a:tr h="370840">
+                <a:tc>
+                  <a:txBody>
+                    <a:bodyPr/>
+                    <a:lstStyle/>
+                    <a:p>
+                      <a:pPr algn="ctr"/>
+                      <a:r>
+                        <a:rPr lang="en-US" dirty="0"/>
+                        <a:t>Row/Record</a:t>
+                      </a:r>
+                    </a:p>
+                  </a:txBody>
+                  <a:tcPr/>
+                </a:tc>
+                <a:tc>
+                  <a:txBody>
+                    <a:bodyPr/>
+                    <a:lstStyle/>
+                    <a:p>
+                      <a:pPr algn="ctr"/>
+                      <a:r>
+                        <a:rPr lang="en-US" dirty="0"/>
+                        <a:t>Object(instance of class)</a:t>
+                      </a:r>
+                    </a:p>
+                  </a:txBody>
+                  <a:tcPr/>
+                </a:tc>
+                <a:extLst>
+                  <a:ext uri="{0D108BD9-81ED-4DB2-BD59-A6C34878D82A}">
+                    <a16:rowId xmlns:a16="http://schemas.microsoft.com/office/drawing/2014/main" val="1171665818"/>
+                  </a:ext>
+                </a:extLst>
+              </a:tr>
+              <a:tr h="370840">
+                <a:tc>
+                  <a:txBody>
+                    <a:bodyPr/>
+                    <a:lstStyle/>
+                    <a:p>
+                      <a:pPr algn="ctr"/>
+                      <a:r>
+                        <a:rPr lang="en-US" dirty="0"/>
+                        <a:t>Column</a:t>
+                      </a:r>
+                    </a:p>
+                  </a:txBody>
+                  <a:tcPr/>
+                </a:tc>
+                <a:tc>
+                  <a:txBody>
+                    <a:bodyPr/>
+                    <a:lstStyle/>
+                    <a:p>
+                      <a:pPr algn="ctr"/>
+                      <a:r>
+                        <a:rPr lang="en-US" dirty="0"/>
+                        <a:t>Attribute in Object</a:t>
+                      </a:r>
+                    </a:p>
+                  </a:txBody>
+                  <a:tcPr/>
+                </a:tc>
+                <a:extLst>
+                  <a:ext uri="{0D108BD9-81ED-4DB2-BD59-A6C34878D82A}">
+                    <a16:rowId xmlns:a16="http://schemas.microsoft.com/office/drawing/2014/main" val="2387293533"/>
+                  </a:ext>
+                </a:extLst>
+              </a:tr>
+            </a:tbl>
+          </a:graphicData>
+        </a:graphic>
+      </p:graphicFrame>
+      <p:sp>
+        <p:nvSpPr>
+          <p:cNvPr id="8" name="TextBox 7">
+            <a:extLst>
+              <a:ext uri="{FF2B5EF4-FFF2-40B4-BE49-F238E27FC236}">
+                <a16:creationId xmlns:a16="http://schemas.microsoft.com/office/drawing/2014/main" id="{EB16946C-DF0E-09F8-A018-3C5CE98BC9C1}"/>
+              </a:ext>
+            </a:extLst>
+          </p:cNvPr>
+          <p:cNvSpPr txBox="1"/>
+          <p:nvPr/>
+        </p:nvSpPr>
+        <p:spPr>
+          <a:xfrm>
+            <a:off x="7255191" y="3778411"/>
+            <a:ext cx="2528641" cy="276999"/>
+          </a:xfrm>
+          <a:prstGeom prst="rect">
+            <a:avLst/>
+          </a:prstGeom>
+          <a:noFill/>
+        </p:spPr>
+        <p:txBody>
+          <a:bodyPr wrap="none" rtlCol="0">
+            <a:spAutoFit/>
+          </a:bodyPr>
+          <a:lstStyle/>
+          <a:p>
+            <a:r>
+              <a:rPr lang="en-US" sz="1200" dirty="0"/>
+              <a:t>** General rule of thumb comparison</a:t>
+            </a:r>
+          </a:p>
+        </p:txBody>
+      </p:sp>
+    </p:spTree>
+    <p:extLst>
+      <p:ext uri="{BB962C8B-B14F-4D97-AF65-F5344CB8AC3E}">
+        <p14:creationId xmlns:p14="http://schemas.microsoft.com/office/powerpoint/2010/main" val="2391519513"/>
+      </p:ext>
+    </p:extLst>
+  </p:cSld>
+  <p:clrMapOvr>
+    <a:masterClrMapping/>
+  </p:clrMapOvr>
+  <mc:AlternateContent xmlns:mc="http://schemas.openxmlformats.org/markup-compatibility/2006" xmlns:p14="http://schemas.microsoft.com/office/powerpoint/2010/main">
+    <mc:Choice Requires="p14">
+      <p:transition spd="med" p14:dur="700">
+        <p:fade/>
+      </p:transition>
+    </mc:Choice>
+    <mc:Fallback xmlns="">
+      <p:transition spd="med">
+        <p:fade/>
+      </p:transition>
+    </mc:Fallback>
+  </mc:AlternateContent>
+</p:sld>
+</file>
+
+<file path=ppt/slides/slide12.xml><?xml version="1.0" encoding="utf-8"?>
+<p:sld xmlns:a="http://schemas.openxmlformats.org/drawingml/2006/main" xmlns:r="http://schemas.openxmlformats.org/officeDocument/2006/relationships" xmlns:p="http://schemas.openxmlformats.org/presentationml/2006/main">
+  <p:cSld>
+    <p:spTree>
+      <p:nvGrpSpPr>
+        <p:cNvPr id="1" name=""/>
+        <p:cNvGrpSpPr/>
+        <p:nvPr/>
+      </p:nvGrpSpPr>
+      <p:grpSpPr>
+        <a:xfrm>
+          <a:off x="0" y="0"/>
+          <a:ext cx="0" cy="0"/>
+          <a:chOff x="0" y="0"/>
+          <a:chExt cx="0" cy="0"/>
+        </a:xfrm>
+      </p:grpSpPr>
+      <p:sp>
+        <p:nvSpPr>
+          <p:cNvPr id="2" name="Title 1">
+            <a:extLst>
+              <a:ext uri="{FF2B5EF4-FFF2-40B4-BE49-F238E27FC236}">
+                <a16:creationId xmlns:a16="http://schemas.microsoft.com/office/drawing/2014/main" id="{CD634367-313E-48FB-9754-BA0469A0FCA2}"/>
+              </a:ext>
+            </a:extLst>
+          </p:cNvPr>
+          <p:cNvSpPr>
+            <a:spLocks noGrp="1"/>
+          </p:cNvSpPr>
+          <p:nvPr>
+            <p:ph type="title"/>
+          </p:nvPr>
+        </p:nvSpPr>
+        <p:spPr>
+          <a:xfrm>
+            <a:off x="838200" y="365126"/>
+            <a:ext cx="10515600" cy="897424"/>
+          </a:xfrm>
+        </p:spPr>
+        <p:txBody>
+          <a:bodyPr/>
+          <a:lstStyle/>
+          <a:p>
+            <a:r>
+              <a:rPr lang="en-US" dirty="0"/>
+              <a:t>What is a database client?</a:t>
+            </a:r>
+          </a:p>
+        </p:txBody>
+      </p:sp>
+      <p:sp>
+        <p:nvSpPr>
+          <p:cNvPr id="3" name="Content Placeholder 2">
+            <a:extLst>
+              <a:ext uri="{FF2B5EF4-FFF2-40B4-BE49-F238E27FC236}">
+                <a16:creationId xmlns:a16="http://schemas.microsoft.com/office/drawing/2014/main" id="{AF1EFD8B-1233-4272-90CE-BF80F3EC0626}"/>
+              </a:ext>
+            </a:extLst>
+          </p:cNvPr>
+          <p:cNvSpPr>
+            <a:spLocks noGrp="1"/>
+          </p:cNvSpPr>
+          <p:nvPr>
+            <p:ph idx="1"/>
+          </p:nvPr>
+        </p:nvSpPr>
+        <p:spPr>
+          <a:xfrm>
+            <a:off x="746760" y="1372436"/>
+            <a:ext cx="8351520" cy="4351338"/>
+          </a:xfrm>
+        </p:spPr>
+        <p:txBody>
+          <a:bodyPr/>
+          <a:lstStyle/>
+          <a:p>
+            <a:r>
+              <a:rPr lang="en-US" dirty="0"/>
+              <a:t>Separate application that:</a:t>
+            </a:r>
+          </a:p>
+          <a:p>
+            <a:pPr lvl="1"/>
+            <a:r>
+              <a:rPr lang="en-US" dirty="0"/>
+              <a:t>Connects to a database</a:t>
+            </a:r>
+          </a:p>
+          <a:p>
+            <a:pPr lvl="1"/>
+            <a:r>
+              <a:rPr lang="en-US" dirty="0"/>
+              <a:t>Sends </a:t>
+            </a:r>
+            <a:r>
+              <a:rPr lang="en-US" dirty="0">
+                <a:solidFill>
+                  <a:srgbClr val="00B0F0"/>
+                </a:solidFill>
+              </a:rPr>
+              <a:t>requests</a:t>
+            </a:r>
+            <a:r>
+              <a:rPr lang="en-US" dirty="0"/>
+              <a:t> to a database</a:t>
+            </a:r>
+          </a:p>
+          <a:p>
+            <a:pPr lvl="1"/>
+            <a:r>
+              <a:rPr lang="en-US" dirty="0"/>
+              <a:t>Parses </a:t>
+            </a:r>
+            <a:r>
+              <a:rPr lang="en-US" dirty="0">
+                <a:solidFill>
+                  <a:srgbClr val="00B0F0"/>
+                </a:solidFill>
+              </a:rPr>
+              <a:t>responses</a:t>
+            </a:r>
+            <a:r>
+              <a:rPr lang="en-US" dirty="0"/>
+              <a:t> from a database</a:t>
+            </a:r>
+          </a:p>
+          <a:p>
+            <a:r>
+              <a:rPr lang="en-US" dirty="0"/>
+              <a:t>Clients are </a:t>
+            </a:r>
+            <a:r>
+              <a:rPr lang="en-US" dirty="0">
+                <a:solidFill>
+                  <a:srgbClr val="FF0000"/>
+                </a:solidFill>
+              </a:rPr>
+              <a:t>NOT</a:t>
+            </a:r>
+            <a:r>
+              <a:rPr lang="en-US" dirty="0"/>
+              <a:t> databases!</a:t>
+            </a:r>
+          </a:p>
+          <a:p>
+            <a:r>
+              <a:rPr lang="en-US" dirty="0"/>
+              <a:t>Examples:</a:t>
+            </a:r>
+          </a:p>
+          <a:p>
+            <a:pPr lvl="1"/>
+            <a:r>
+              <a:rPr lang="en-US" dirty="0"/>
+              <a:t>MySQL Command Line Interface (CLI)</a:t>
+            </a:r>
+          </a:p>
+          <a:p>
+            <a:pPr lvl="1"/>
+            <a:r>
+              <a:rPr lang="en-US" dirty="0" err="1"/>
+              <a:t>DBeaver</a:t>
+            </a:r>
+            <a:endParaRPr lang="en-US" dirty="0"/>
+          </a:p>
+          <a:p>
+            <a:pPr lvl="1"/>
+            <a:r>
+              <a:rPr lang="en-US" dirty="0"/>
+              <a:t>Java application</a:t>
+            </a:r>
+          </a:p>
+        </p:txBody>
+      </p:sp>
+      <p:pic>
+        <p:nvPicPr>
+          <p:cNvPr id="4" name="Graphic 3" descr="Database outline">
+            <a:extLst>
+              <a:ext uri="{FF2B5EF4-FFF2-40B4-BE49-F238E27FC236}">
+                <a16:creationId xmlns:a16="http://schemas.microsoft.com/office/drawing/2014/main" id="{609817F5-C9A3-8441-0985-6BEFB95775BF}"/>
+              </a:ext>
+            </a:extLst>
+          </p:cNvPr>
+          <p:cNvPicPr>
+            <a:picLocks noChangeAspect="1"/>
+          </p:cNvPicPr>
+          <p:nvPr/>
+        </p:nvPicPr>
+        <p:blipFill>
+          <a:blip r:embed="rId2">
+            <a:extLst>
+              <a:ext uri="{28A0092B-C50C-407E-A947-70E740481C1C}">
+                <a14:useLocalDpi xmlns:a14="http://schemas.microsoft.com/office/drawing/2010/main" val="0"/>
+              </a:ext>
+              <a:ext uri="{96DAC541-7B7A-43D3-8B79-37D633B846F1}">
+                <asvg:svgBlip xmlns:asvg="http://schemas.microsoft.com/office/drawing/2016/SVG/main" r:embed="rId3"/>
+              </a:ext>
+            </a:extLst>
+          </a:blip>
+          <a:stretch>
+            <a:fillRect/>
+          </a:stretch>
+        </p:blipFill>
+        <p:spPr>
+          <a:xfrm>
+            <a:off x="7337236" y="4398797"/>
+            <a:ext cx="1662132" cy="1662132"/>
+          </a:xfrm>
+          <a:prstGeom prst="rect">
+            <a:avLst/>
+          </a:prstGeom>
+        </p:spPr>
+      </p:pic>
+      <p:pic>
+        <p:nvPicPr>
+          <p:cNvPr id="5" name="Graphic 4" descr="Plugged Unplugged with solid fill">
+            <a:extLst>
+              <a:ext uri="{FF2B5EF4-FFF2-40B4-BE49-F238E27FC236}">
+                <a16:creationId xmlns:a16="http://schemas.microsoft.com/office/drawing/2014/main" id="{1853775E-816B-5620-BAD0-9D1695C6E38A}"/>
+              </a:ext>
+            </a:extLst>
+          </p:cNvPr>
+          <p:cNvPicPr>
+            <a:picLocks noChangeAspect="1"/>
+          </p:cNvPicPr>
+          <p:nvPr/>
+        </p:nvPicPr>
+        <p:blipFill>
+          <a:blip r:embed="rId4">
+            <a:extLst>
+              <a:ext uri="{28A0092B-C50C-407E-A947-70E740481C1C}">
+                <a14:useLocalDpi xmlns:a14="http://schemas.microsoft.com/office/drawing/2010/main" val="0"/>
+              </a:ext>
+              <a:ext uri="{96DAC541-7B7A-43D3-8B79-37D633B846F1}">
+                <asvg:svgBlip xmlns:asvg="http://schemas.microsoft.com/office/drawing/2016/SVG/main" r:embed="rId5"/>
+              </a:ext>
+            </a:extLst>
+          </a:blip>
+          <a:stretch>
+            <a:fillRect/>
+          </a:stretch>
+        </p:blipFill>
+        <p:spPr>
+          <a:xfrm rot="10634905">
+            <a:off x="8670431" y="4846434"/>
+            <a:ext cx="857257" cy="857257"/>
+          </a:xfrm>
+          <a:prstGeom prst="rect">
+            <a:avLst/>
+          </a:prstGeom>
+        </p:spPr>
+      </p:pic>
+      <p:pic>
+        <p:nvPicPr>
+          <p:cNvPr id="6" name="Graphic 5" descr="Illustrator with solid fill">
+            <a:extLst>
+              <a:ext uri="{FF2B5EF4-FFF2-40B4-BE49-F238E27FC236}">
+                <a16:creationId xmlns:a16="http://schemas.microsoft.com/office/drawing/2014/main" id="{6138CB3C-B34B-33A5-8F15-B53E7F264FF1}"/>
+              </a:ext>
+            </a:extLst>
+          </p:cNvPr>
+          <p:cNvPicPr>
+            <a:picLocks noChangeAspect="1"/>
+          </p:cNvPicPr>
+          <p:nvPr/>
+        </p:nvPicPr>
+        <p:blipFill>
+          <a:blip r:embed="rId6">
+            <a:extLst>
+              <a:ext uri="{28A0092B-C50C-407E-A947-70E740481C1C}">
+                <a14:useLocalDpi xmlns:a14="http://schemas.microsoft.com/office/drawing/2010/main" val="0"/>
+              </a:ext>
+              <a:ext uri="{96DAC541-7B7A-43D3-8B79-37D633B846F1}">
+                <asvg:svgBlip xmlns:asvg="http://schemas.microsoft.com/office/drawing/2016/SVG/main" r:embed="rId7"/>
+              </a:ext>
+            </a:extLst>
+          </a:blip>
+          <a:stretch>
+            <a:fillRect/>
+          </a:stretch>
+        </p:blipFill>
+        <p:spPr>
+          <a:xfrm>
+            <a:off x="9421292" y="4696600"/>
+            <a:ext cx="1398973" cy="1398973"/>
+          </a:xfrm>
+          <a:prstGeom prst="rect">
+            <a:avLst/>
+          </a:prstGeom>
+        </p:spPr>
+      </p:pic>
+      <p:sp>
+        <p:nvSpPr>
+          <p:cNvPr id="7" name="TextBox 6">
+            <a:extLst>
+              <a:ext uri="{FF2B5EF4-FFF2-40B4-BE49-F238E27FC236}">
+                <a16:creationId xmlns:a16="http://schemas.microsoft.com/office/drawing/2014/main" id="{217EC890-81BB-A714-F03E-56B4D21AA5F2}"/>
+              </a:ext>
+            </a:extLst>
+          </p:cNvPr>
+          <p:cNvSpPr txBox="1"/>
+          <p:nvPr/>
+        </p:nvSpPr>
+        <p:spPr>
+          <a:xfrm>
+            <a:off x="7549019" y="6068679"/>
+            <a:ext cx="1238565" cy="369332"/>
+          </a:xfrm>
+          <a:prstGeom prst="rect">
+            <a:avLst/>
+          </a:prstGeom>
+          <a:noFill/>
+        </p:spPr>
+        <p:txBody>
+          <a:bodyPr wrap="square" rtlCol="0">
+            <a:spAutoFit/>
+          </a:bodyPr>
+          <a:lstStyle/>
+          <a:p>
+            <a:pPr algn="ctr"/>
+            <a:r>
+              <a:rPr lang="en-US" dirty="0"/>
+              <a:t>Database</a:t>
+            </a:r>
+          </a:p>
+        </p:txBody>
+      </p:sp>
+      <p:sp>
+        <p:nvSpPr>
+          <p:cNvPr id="15" name="TextBox 14">
+            <a:extLst>
+              <a:ext uri="{FF2B5EF4-FFF2-40B4-BE49-F238E27FC236}">
+                <a16:creationId xmlns:a16="http://schemas.microsoft.com/office/drawing/2014/main" id="{3CE7E41B-2F97-5287-AAE5-2430A1700F13}"/>
+              </a:ext>
+            </a:extLst>
+          </p:cNvPr>
+          <p:cNvSpPr txBox="1"/>
+          <p:nvPr/>
+        </p:nvSpPr>
+        <p:spPr>
+          <a:xfrm>
+            <a:off x="9581387" y="6060929"/>
+            <a:ext cx="1078782" cy="369332"/>
+          </a:xfrm>
+          <a:prstGeom prst="rect">
+            <a:avLst/>
+          </a:prstGeom>
+          <a:noFill/>
+        </p:spPr>
+        <p:txBody>
+          <a:bodyPr wrap="square" rtlCol="0">
+            <a:spAutoFit/>
+          </a:bodyPr>
+          <a:lstStyle/>
+          <a:p>
+            <a:pPr algn="ctr"/>
+            <a:r>
+              <a:rPr lang="en-US" dirty="0"/>
+              <a:t>Client</a:t>
+            </a:r>
+          </a:p>
+        </p:txBody>
+      </p:sp>
+      <p:sp>
+        <p:nvSpPr>
+          <p:cNvPr id="16" name="TextBox 15">
+            <a:extLst>
+              <a:ext uri="{FF2B5EF4-FFF2-40B4-BE49-F238E27FC236}">
+                <a16:creationId xmlns:a16="http://schemas.microsoft.com/office/drawing/2014/main" id="{7BBB177F-7940-BD34-8F31-5D2D08B356B6}"/>
+              </a:ext>
+            </a:extLst>
+          </p:cNvPr>
+          <p:cNvSpPr txBox="1"/>
+          <p:nvPr/>
+        </p:nvSpPr>
+        <p:spPr>
+          <a:xfrm>
+            <a:off x="6510168" y="4789977"/>
+            <a:ext cx="982865" cy="369332"/>
+          </a:xfrm>
+          <a:prstGeom prst="rect">
+            <a:avLst/>
+          </a:prstGeom>
+          <a:noFill/>
+        </p:spPr>
+        <p:txBody>
+          <a:bodyPr wrap="square" rtlCol="0">
+            <a:spAutoFit/>
+          </a:bodyPr>
+          <a:lstStyle/>
+          <a:p>
+            <a:pPr algn="r"/>
+            <a:r>
+              <a:rPr lang="en-US" dirty="0"/>
+              <a:t>Schema</a:t>
+            </a:r>
+          </a:p>
+        </p:txBody>
+      </p:sp>
+      <p:sp>
+        <p:nvSpPr>
+          <p:cNvPr id="17" name="TextBox 16">
+            <a:extLst>
+              <a:ext uri="{FF2B5EF4-FFF2-40B4-BE49-F238E27FC236}">
+                <a16:creationId xmlns:a16="http://schemas.microsoft.com/office/drawing/2014/main" id="{5F530A73-3BA1-5E61-A6AB-95C61E93A0AE}"/>
+              </a:ext>
+            </a:extLst>
+          </p:cNvPr>
+          <p:cNvSpPr txBox="1"/>
+          <p:nvPr/>
+        </p:nvSpPr>
+        <p:spPr>
+          <a:xfrm>
+            <a:off x="6510168" y="5164593"/>
+            <a:ext cx="982865" cy="369332"/>
+          </a:xfrm>
+          <a:prstGeom prst="rect">
+            <a:avLst/>
+          </a:prstGeom>
+          <a:noFill/>
+        </p:spPr>
+        <p:txBody>
+          <a:bodyPr wrap="square" rtlCol="0">
+            <a:spAutoFit/>
+          </a:bodyPr>
+          <a:lstStyle/>
+          <a:p>
+            <a:pPr algn="r"/>
+            <a:r>
+              <a:rPr lang="en-US" dirty="0"/>
+              <a:t>Data</a:t>
+            </a:r>
+          </a:p>
+        </p:txBody>
+      </p:sp>
+    </p:spTree>
+    <p:extLst>
+      <p:ext uri="{BB962C8B-B14F-4D97-AF65-F5344CB8AC3E}">
+        <p14:creationId xmlns:p14="http://schemas.microsoft.com/office/powerpoint/2010/main" val="2522568428"/>
+      </p:ext>
+    </p:extLst>
+  </p:cSld>
+  <p:clrMapOvr>
+    <a:masterClrMapping/>
+  </p:clrMapOvr>
+  <mc:AlternateContent xmlns:mc="http://schemas.openxmlformats.org/markup-compatibility/2006" xmlns:p14="http://schemas.microsoft.com/office/powerpoint/2010/main">
+    <mc:Choice Requires="p14">
+      <p:transition spd="med" p14:dur="700">
+        <p:fade/>
+      </p:transition>
+    </mc:Choice>
+    <mc:Fallback xmlns="">
+      <p:transition spd="med">
+        <p:fade/>
+      </p:transition>
+    </mc:Fallback>
+  </mc:AlternateContent>
+</p:sld>
+</file>
+
+<file path=ppt/slides/slide13.xml><?xml version="1.0" encoding="utf-8"?>
+<p:sld xmlns:a="http://schemas.openxmlformats.org/drawingml/2006/main" xmlns:r="http://schemas.openxmlformats.org/officeDocument/2006/relationships" xmlns:p="http://schemas.openxmlformats.org/presentationml/2006/main">
+  <p:cSld>
+    <p:spTree>
+      <p:nvGrpSpPr>
+        <p:cNvPr id="1" name=""/>
+        <p:cNvGrpSpPr/>
+        <p:nvPr/>
+      </p:nvGrpSpPr>
+      <p:grpSpPr>
+        <a:xfrm>
+          <a:off x="0" y="0"/>
+          <a:ext cx="0" cy="0"/>
+          <a:chOff x="0" y="0"/>
+          <a:chExt cx="0" cy="0"/>
+        </a:xfrm>
+      </p:grpSpPr>
+      <p:sp>
+        <p:nvSpPr>
+          <p:cNvPr id="2" name="Title 1">
+            <a:extLst>
+              <a:ext uri="{FF2B5EF4-FFF2-40B4-BE49-F238E27FC236}">
+                <a16:creationId xmlns:a16="http://schemas.microsoft.com/office/drawing/2014/main" id="{EF12220D-E6F5-4AE4-883A-72727765EDC2}"/>
+              </a:ext>
+            </a:extLst>
+          </p:cNvPr>
+          <p:cNvSpPr>
+            <a:spLocks noGrp="1"/>
+          </p:cNvSpPr>
+          <p:nvPr>
+            <p:ph type="title"/>
+          </p:nvPr>
+        </p:nvSpPr>
+        <p:spPr/>
+        <p:txBody>
+          <a:bodyPr/>
+          <a:lstStyle/>
+          <a:p>
+            <a:r>
+              <a:rPr lang="en-US" dirty="0"/>
+              <a:t>Database/client is like bank app/browser</a:t>
+            </a:r>
+          </a:p>
+        </p:txBody>
+      </p:sp>
+      <p:sp>
+        <p:nvSpPr>
+          <p:cNvPr id="8" name="Content Placeholder 7">
+            <a:extLst>
+              <a:ext uri="{FF2B5EF4-FFF2-40B4-BE49-F238E27FC236}">
+                <a16:creationId xmlns:a16="http://schemas.microsoft.com/office/drawing/2014/main" id="{58088221-3E49-4F53-9106-96CB440F9611}"/>
+              </a:ext>
+            </a:extLst>
+          </p:cNvPr>
+          <p:cNvSpPr>
+            <a:spLocks noGrp="1"/>
+          </p:cNvSpPr>
+          <p:nvPr>
+            <p:ph idx="1"/>
+          </p:nvPr>
+        </p:nvSpPr>
+        <p:spPr>
+          <a:xfrm>
+            <a:off x="838200" y="1825625"/>
+            <a:ext cx="5525278" cy="1940832"/>
+          </a:xfrm>
+        </p:spPr>
+        <p:txBody>
+          <a:bodyPr/>
+          <a:lstStyle/>
+          <a:p>
+            <a:r>
+              <a:rPr lang="en-US" dirty="0"/>
+              <a:t>You don’t confuse the browser with the bank application</a:t>
+            </a:r>
+          </a:p>
+          <a:p>
+            <a:r>
+              <a:rPr lang="en-US" dirty="0"/>
+              <a:t>The browser </a:t>
+            </a:r>
+            <a:r>
+              <a:rPr lang="en-US" i="1" dirty="0">
+                <a:solidFill>
+                  <a:srgbClr val="FFFF00"/>
+                </a:solidFill>
+              </a:rPr>
+              <a:t>connects</a:t>
+            </a:r>
+            <a:r>
+              <a:rPr lang="en-US" dirty="0"/>
+              <a:t> to the bank application</a:t>
+            </a:r>
+          </a:p>
+        </p:txBody>
+      </p:sp>
+      <p:pic>
+        <p:nvPicPr>
+          <p:cNvPr id="7" name="Picture 6">
+            <a:extLst>
+              <a:ext uri="{FF2B5EF4-FFF2-40B4-BE49-F238E27FC236}">
+                <a16:creationId xmlns:a16="http://schemas.microsoft.com/office/drawing/2014/main" id="{69022D97-61A4-4A17-8110-A7BFCCA1DDE5}"/>
+              </a:ext>
+            </a:extLst>
+          </p:cNvPr>
+          <p:cNvPicPr>
+            <a:picLocks noChangeAspect="1"/>
+          </p:cNvPicPr>
+          <p:nvPr/>
+        </p:nvPicPr>
+        <p:blipFill>
+          <a:blip r:embed="rId2"/>
+          <a:stretch>
+            <a:fillRect/>
+          </a:stretch>
+        </p:blipFill>
+        <p:spPr>
+          <a:xfrm>
+            <a:off x="3202363" y="3429000"/>
+            <a:ext cx="4000159" cy="3060775"/>
           </a:xfrm>
           <a:prstGeom prst="rect">
             <a:avLst/>
@@ -3678,7 +5078,389 @@
     </p:spTree>
     <p:extLst>
       <p:ext uri="{BB962C8B-B14F-4D97-AF65-F5344CB8AC3E}">
-        <p14:creationId xmlns:p14="http://schemas.microsoft.com/office/powerpoint/2010/main" val="2391519513"/>
+        <p14:creationId xmlns:p14="http://schemas.microsoft.com/office/powerpoint/2010/main" val="1583360768"/>
+      </p:ext>
+    </p:extLst>
+  </p:cSld>
+  <p:clrMapOvr>
+    <a:masterClrMapping/>
+  </p:clrMapOvr>
+  <mc:AlternateContent xmlns:mc="http://schemas.openxmlformats.org/markup-compatibility/2006" xmlns:p14="http://schemas.microsoft.com/office/powerpoint/2010/main">
+    <mc:Choice Requires="p14">
+      <p:transition spd="med" p14:dur="700">
+        <p:fade/>
+      </p:transition>
+    </mc:Choice>
+    <mc:Fallback xmlns="">
+      <p:transition spd="med">
+        <p:fade/>
+      </p:transition>
+    </mc:Fallback>
+  </mc:AlternateContent>
+</p:sld>
+</file>
+
+<file path=ppt/slides/slide14.xml><?xml version="1.0" encoding="utf-8"?>
+<p:sld xmlns:a="http://schemas.openxmlformats.org/drawingml/2006/main" xmlns:r="http://schemas.openxmlformats.org/officeDocument/2006/relationships" xmlns:p="http://schemas.openxmlformats.org/presentationml/2006/main">
+  <p:cSld>
+    <p:spTree>
+      <p:nvGrpSpPr>
+        <p:cNvPr id="1" name=""/>
+        <p:cNvGrpSpPr/>
+        <p:nvPr/>
+      </p:nvGrpSpPr>
+      <p:grpSpPr>
+        <a:xfrm>
+          <a:off x="0" y="0"/>
+          <a:ext cx="0" cy="0"/>
+          <a:chOff x="0" y="0"/>
+          <a:chExt cx="0" cy="0"/>
+        </a:xfrm>
+      </p:grpSpPr>
+      <p:sp>
+        <p:nvSpPr>
+          <p:cNvPr id="2" name="Title 1">
+            <a:extLst>
+              <a:ext uri="{FF2B5EF4-FFF2-40B4-BE49-F238E27FC236}">
+                <a16:creationId xmlns:a16="http://schemas.microsoft.com/office/drawing/2014/main" id="{EF12220D-E6F5-4AE4-883A-72727765EDC2}"/>
+              </a:ext>
+            </a:extLst>
+          </p:cNvPr>
+          <p:cNvSpPr>
+            <a:spLocks noGrp="1"/>
+          </p:cNvSpPr>
+          <p:nvPr>
+            <p:ph type="title"/>
+          </p:nvPr>
+        </p:nvSpPr>
+        <p:spPr/>
+        <p:txBody>
+          <a:bodyPr/>
+          <a:lstStyle/>
+          <a:p>
+            <a:r>
+              <a:rPr lang="en-US" dirty="0"/>
+              <a:t>Database/client is like bank app/browser</a:t>
+            </a:r>
+          </a:p>
+        </p:txBody>
+      </p:sp>
+      <p:sp>
+        <p:nvSpPr>
+          <p:cNvPr id="8" name="Content Placeholder 7">
+            <a:extLst>
+              <a:ext uri="{FF2B5EF4-FFF2-40B4-BE49-F238E27FC236}">
+                <a16:creationId xmlns:a16="http://schemas.microsoft.com/office/drawing/2014/main" id="{58088221-3E49-4F53-9106-96CB440F9611}"/>
+              </a:ext>
+            </a:extLst>
+          </p:cNvPr>
+          <p:cNvSpPr>
+            <a:spLocks noGrp="1"/>
+          </p:cNvSpPr>
+          <p:nvPr>
+            <p:ph idx="1"/>
+          </p:nvPr>
+        </p:nvSpPr>
+        <p:spPr>
+          <a:xfrm>
+            <a:off x="838200" y="1825625"/>
+            <a:ext cx="5525278" cy="1450975"/>
+          </a:xfrm>
+        </p:spPr>
+        <p:txBody>
+          <a:bodyPr/>
+          <a:lstStyle/>
+          <a:p>
+            <a:r>
+              <a:rPr lang="en-US" dirty="0"/>
+              <a:t>Likewise, don’t confuse the database and the client</a:t>
+            </a:r>
+          </a:p>
+          <a:p>
+            <a:r>
+              <a:rPr lang="en-US" dirty="0"/>
+              <a:t>The client </a:t>
+            </a:r>
+            <a:r>
+              <a:rPr lang="en-US" i="1" dirty="0">
+                <a:solidFill>
+                  <a:srgbClr val="FFFF00"/>
+                </a:solidFill>
+              </a:rPr>
+              <a:t>connects</a:t>
+            </a:r>
+            <a:r>
+              <a:rPr lang="en-US" dirty="0"/>
+              <a:t> to the database</a:t>
+            </a:r>
+          </a:p>
+        </p:txBody>
+      </p:sp>
+      <p:pic>
+        <p:nvPicPr>
+          <p:cNvPr id="5" name="Graphic 4" descr="Database outline">
+            <a:extLst>
+              <a:ext uri="{FF2B5EF4-FFF2-40B4-BE49-F238E27FC236}">
+                <a16:creationId xmlns:a16="http://schemas.microsoft.com/office/drawing/2014/main" id="{3F64B437-E7E9-4D66-A61D-CC5B6EBDBAEE}"/>
+              </a:ext>
+            </a:extLst>
+          </p:cNvPr>
+          <p:cNvPicPr>
+            <a:picLocks noChangeAspect="1"/>
+          </p:cNvPicPr>
+          <p:nvPr/>
+        </p:nvPicPr>
+        <p:blipFill>
+          <a:blip r:embed="rId2">
+            <a:extLst>
+              <a:ext uri="{28A0092B-C50C-407E-A947-70E740481C1C}">
+                <a14:useLocalDpi xmlns:a14="http://schemas.microsoft.com/office/drawing/2010/main" val="0"/>
+              </a:ext>
+              <a:ext uri="{96DAC541-7B7A-43D3-8B79-37D633B846F1}">
+                <asvg:svgBlip xmlns:asvg="http://schemas.microsoft.com/office/drawing/2016/SVG/main" r:embed="rId3"/>
+              </a:ext>
+            </a:extLst>
+          </a:blip>
+          <a:stretch>
+            <a:fillRect/>
+          </a:stretch>
+        </p:blipFill>
+        <p:spPr>
+          <a:xfrm>
+            <a:off x="1530795" y="3276600"/>
+            <a:ext cx="2758621" cy="2758621"/>
+          </a:xfrm>
+          <a:prstGeom prst="rect">
+            <a:avLst/>
+          </a:prstGeom>
+        </p:spPr>
+      </p:pic>
+      <p:pic>
+        <p:nvPicPr>
+          <p:cNvPr id="4" name="Graphic 3" descr="Plugged Unplugged with solid fill">
+            <a:extLst>
+              <a:ext uri="{FF2B5EF4-FFF2-40B4-BE49-F238E27FC236}">
+                <a16:creationId xmlns:a16="http://schemas.microsoft.com/office/drawing/2014/main" id="{30B8C510-40DD-4A0A-A289-584E51A0694E}"/>
+              </a:ext>
+            </a:extLst>
+          </p:cNvPr>
+          <p:cNvPicPr>
+            <a:picLocks noChangeAspect="1"/>
+          </p:cNvPicPr>
+          <p:nvPr/>
+        </p:nvPicPr>
+        <p:blipFill>
+          <a:blip r:embed="rId4">
+            <a:extLst>
+              <a:ext uri="{28A0092B-C50C-407E-A947-70E740481C1C}">
+                <a14:useLocalDpi xmlns:a14="http://schemas.microsoft.com/office/drawing/2010/main" val="0"/>
+              </a:ext>
+              <a:ext uri="{96DAC541-7B7A-43D3-8B79-37D633B846F1}">
+                <asvg:svgBlip xmlns:asvg="http://schemas.microsoft.com/office/drawing/2016/SVG/main" r:embed="rId5"/>
+              </a:ext>
+            </a:extLst>
+          </a:blip>
+          <a:stretch>
+            <a:fillRect/>
+          </a:stretch>
+        </p:blipFill>
+        <p:spPr>
+          <a:xfrm rot="10800000">
+            <a:off x="3735310" y="4410635"/>
+            <a:ext cx="914400" cy="914400"/>
+          </a:xfrm>
+          <a:prstGeom prst="rect">
+            <a:avLst/>
+          </a:prstGeom>
+        </p:spPr>
+      </p:pic>
+      <p:pic>
+        <p:nvPicPr>
+          <p:cNvPr id="9" name="Graphic 8" descr="Illustrator with solid fill">
+            <a:extLst>
+              <a:ext uri="{FF2B5EF4-FFF2-40B4-BE49-F238E27FC236}">
+                <a16:creationId xmlns:a16="http://schemas.microsoft.com/office/drawing/2014/main" id="{0C75125B-3451-44DC-B5CA-A85C666C5D1B}"/>
+              </a:ext>
+            </a:extLst>
+          </p:cNvPr>
+          <p:cNvPicPr>
+            <a:picLocks noChangeAspect="1"/>
+          </p:cNvPicPr>
+          <p:nvPr/>
+        </p:nvPicPr>
+        <p:blipFill>
+          <a:blip r:embed="rId6">
+            <a:extLst>
+              <a:ext uri="{28A0092B-C50C-407E-A947-70E740481C1C}">
+                <a14:useLocalDpi xmlns:a14="http://schemas.microsoft.com/office/drawing/2010/main" val="0"/>
+              </a:ext>
+              <a:ext uri="{96DAC541-7B7A-43D3-8B79-37D633B846F1}">
+                <asvg:svgBlip xmlns:asvg="http://schemas.microsoft.com/office/drawing/2016/SVG/main" r:embed="rId7"/>
+              </a:ext>
+            </a:extLst>
+          </a:blip>
+          <a:stretch>
+            <a:fillRect/>
+          </a:stretch>
+        </p:blipFill>
+        <p:spPr>
+          <a:xfrm>
+            <a:off x="4461353" y="3748006"/>
+            <a:ext cx="2321859" cy="2321859"/>
+          </a:xfrm>
+          <a:prstGeom prst="rect">
+            <a:avLst/>
+          </a:prstGeom>
+        </p:spPr>
+      </p:pic>
+      <p:sp>
+        <p:nvSpPr>
+          <p:cNvPr id="10" name="TextBox 9">
+            <a:extLst>
+              <a:ext uri="{FF2B5EF4-FFF2-40B4-BE49-F238E27FC236}">
+                <a16:creationId xmlns:a16="http://schemas.microsoft.com/office/drawing/2014/main" id="{0BD50C40-FC8B-4DBF-829A-DE816082A89D}"/>
+              </a:ext>
+            </a:extLst>
+          </p:cNvPr>
+          <p:cNvSpPr txBox="1"/>
+          <p:nvPr/>
+        </p:nvSpPr>
+        <p:spPr>
+          <a:xfrm>
+            <a:off x="2224305" y="6035221"/>
+            <a:ext cx="1371600" cy="369332"/>
+          </a:xfrm>
+          <a:prstGeom prst="rect">
+            <a:avLst/>
+          </a:prstGeom>
+          <a:noFill/>
+        </p:spPr>
+        <p:txBody>
+          <a:bodyPr wrap="square" rtlCol="0">
+            <a:spAutoFit/>
+          </a:bodyPr>
+          <a:lstStyle/>
+          <a:p>
+            <a:pPr algn="ctr"/>
+            <a:r>
+              <a:rPr lang="en-US" dirty="0"/>
+              <a:t>Database</a:t>
+            </a:r>
+          </a:p>
+        </p:txBody>
+      </p:sp>
+      <p:sp>
+        <p:nvSpPr>
+          <p:cNvPr id="11" name="TextBox 10">
+            <a:extLst>
+              <a:ext uri="{FF2B5EF4-FFF2-40B4-BE49-F238E27FC236}">
+                <a16:creationId xmlns:a16="http://schemas.microsoft.com/office/drawing/2014/main" id="{D76A8A77-A554-4E41-B320-9B553E5B42CD}"/>
+              </a:ext>
+            </a:extLst>
+          </p:cNvPr>
+          <p:cNvSpPr txBox="1"/>
+          <p:nvPr/>
+        </p:nvSpPr>
+        <p:spPr>
+          <a:xfrm>
+            <a:off x="4936482" y="6069865"/>
+            <a:ext cx="1371600" cy="369332"/>
+          </a:xfrm>
+          <a:prstGeom prst="rect">
+            <a:avLst/>
+          </a:prstGeom>
+          <a:noFill/>
+        </p:spPr>
+        <p:txBody>
+          <a:bodyPr wrap="square" rtlCol="0">
+            <a:spAutoFit/>
+          </a:bodyPr>
+          <a:lstStyle/>
+          <a:p>
+            <a:pPr algn="ctr"/>
+            <a:r>
+              <a:rPr lang="en-US" dirty="0"/>
+              <a:t>Client</a:t>
+            </a:r>
+          </a:p>
+        </p:txBody>
+      </p:sp>
+      <p:sp>
+        <p:nvSpPr>
+          <p:cNvPr id="12" name="TextBox 11">
+            <a:extLst>
+              <a:ext uri="{FF2B5EF4-FFF2-40B4-BE49-F238E27FC236}">
+                <a16:creationId xmlns:a16="http://schemas.microsoft.com/office/drawing/2014/main" id="{CFEC68C5-061D-45CE-9A4E-8F8F95511BC9}"/>
+              </a:ext>
+            </a:extLst>
+          </p:cNvPr>
+          <p:cNvSpPr txBox="1"/>
+          <p:nvPr/>
+        </p:nvSpPr>
+        <p:spPr>
+          <a:xfrm>
+            <a:off x="877054" y="4296745"/>
+            <a:ext cx="1135545" cy="369332"/>
+          </a:xfrm>
+          <a:prstGeom prst="rect">
+            <a:avLst/>
+          </a:prstGeom>
+          <a:noFill/>
+        </p:spPr>
+        <p:txBody>
+          <a:bodyPr wrap="square" rtlCol="0">
+            <a:spAutoFit/>
+          </a:bodyPr>
+          <a:lstStyle/>
+          <a:p>
+            <a:pPr algn="r"/>
+            <a:r>
+              <a:rPr lang="en-US" dirty="0"/>
+              <a:t>Schema</a:t>
+            </a:r>
+          </a:p>
+        </p:txBody>
+      </p:sp>
+      <p:sp>
+        <p:nvSpPr>
+          <p:cNvPr id="14" name="TextBox 13">
+            <a:extLst>
+              <a:ext uri="{FF2B5EF4-FFF2-40B4-BE49-F238E27FC236}">
+                <a16:creationId xmlns:a16="http://schemas.microsoft.com/office/drawing/2014/main" id="{7F265940-F61B-49DA-8976-157BC9730532}"/>
+              </a:ext>
+            </a:extLst>
+          </p:cNvPr>
+          <p:cNvSpPr txBox="1"/>
+          <p:nvPr/>
+        </p:nvSpPr>
+        <p:spPr>
+          <a:xfrm>
+            <a:off x="877054" y="4645744"/>
+            <a:ext cx="1135545" cy="369332"/>
+          </a:xfrm>
+          <a:prstGeom prst="rect">
+            <a:avLst/>
+          </a:prstGeom>
+          <a:noFill/>
+        </p:spPr>
+        <p:txBody>
+          <a:bodyPr wrap="square" rtlCol="0">
+            <a:spAutoFit/>
+          </a:bodyPr>
+          <a:lstStyle/>
+          <a:p>
+            <a:pPr algn="r"/>
+            <a:r>
+              <a:rPr lang="en-US" dirty="0"/>
+              <a:t>Data</a:t>
+            </a:r>
+          </a:p>
+        </p:txBody>
+      </p:sp>
+    </p:spTree>
+    <p:extLst>
+      <p:ext uri="{BB962C8B-B14F-4D97-AF65-F5344CB8AC3E}">
+        <p14:creationId xmlns:p14="http://schemas.microsoft.com/office/powerpoint/2010/main" val="1771439384"/>
       </p:ext>
     </p:extLst>
   </p:cSld>
@@ -3875,10 +5657,10 @@
       </p:grpSpPr>
       <p:sp>
         <p:nvSpPr>
-          <p:cNvPr id="3" name="Content Placeholder 2">
+          <p:cNvPr id="2" name="Title 1">
             <a:extLst>
               <a:ext uri="{FF2B5EF4-FFF2-40B4-BE49-F238E27FC236}">
-                <a16:creationId xmlns:a16="http://schemas.microsoft.com/office/drawing/2014/main" id="{94B5CEFC-5FEA-4530-B054-F9D09510792D}"/>
+                <a16:creationId xmlns:a16="http://schemas.microsoft.com/office/drawing/2014/main" id="{A2BE6ACC-1FFD-40D9-903C-E11E5A1F9A0F}"/>
               </a:ext>
             </a:extLst>
           </p:cNvPr>
@@ -3886,13 +5668,41 @@
             <a:spLocks noGrp="1"/>
           </p:cNvSpPr>
           <p:nvPr>
-            <p:ph idx="1"/>
+            <p:ph type="title"/>
+          </p:nvPr>
+        </p:nvSpPr>
+        <p:spPr/>
+        <p:txBody>
+          <a:bodyPr/>
+          <a:lstStyle/>
+          <a:p>
+            <a:r>
+              <a:rPr lang="en-US" dirty="0"/>
+              <a:t>Connections need…</a:t>
+            </a:r>
+          </a:p>
+        </p:txBody>
+      </p:sp>
+      <p:sp>
+        <p:nvSpPr>
+          <p:cNvPr id="3" name="Text Placeholder 2">
+            <a:extLst>
+              <a:ext uri="{FF2B5EF4-FFF2-40B4-BE49-F238E27FC236}">
+                <a16:creationId xmlns:a16="http://schemas.microsoft.com/office/drawing/2014/main" id="{7B2624FA-DBD0-4FFF-9636-386455ACCF3C}"/>
+              </a:ext>
+            </a:extLst>
+          </p:cNvPr>
+          <p:cNvSpPr>
+            <a:spLocks noGrp="1"/>
+          </p:cNvSpPr>
+          <p:nvPr>
+            <p:ph type="body" idx="1"/>
           </p:nvPr>
         </p:nvSpPr>
         <p:spPr>
           <a:xfrm>
-            <a:off x="502023" y="319554"/>
-            <a:ext cx="7100944" cy="4351338"/>
+            <a:off x="396038" y="1681163"/>
+            <a:ext cx="3664974" cy="823912"/>
           </a:xfrm>
         </p:spPr>
         <p:txBody>
@@ -3900,320 +5710,277 @@
           <a:lstStyle/>
           <a:p>
             <a:r>
-              <a:rPr lang="en-US" dirty="0"/>
-              <a:t>Databases contain:</a:t>
-            </a:r>
-          </a:p>
-          <a:p>
-            <a:pPr lvl="1"/>
-            <a:r>
-              <a:rPr lang="en-US" dirty="0"/>
-              <a:t>Schemas</a:t>
-            </a:r>
-          </a:p>
-          <a:p>
-            <a:pPr lvl="1"/>
-            <a:r>
-              <a:rPr lang="en-US" dirty="0"/>
-              <a:t>Data</a:t>
-            </a:r>
-          </a:p>
-          <a:p>
-            <a:endParaRPr lang="en-US" dirty="0"/>
-          </a:p>
-          <a:p>
-            <a:r>
-              <a:rPr lang="en-US" dirty="0"/>
-              <a:t>Clients contain:</a:t>
-            </a:r>
-          </a:p>
-          <a:p>
-            <a:pPr lvl="1"/>
-            <a:r>
-              <a:rPr lang="en-US" dirty="0"/>
-              <a:t>Nothing</a:t>
-            </a:r>
-          </a:p>
-          <a:p>
-            <a:endParaRPr lang="en-US" dirty="0"/>
-          </a:p>
-          <a:p>
-            <a:r>
-              <a:rPr lang="en-US" dirty="0"/>
-              <a:t>Clients </a:t>
-            </a:r>
-            <a:r>
-              <a:rPr lang="en-US" i="1" dirty="0">
+              <a:rPr lang="en-US" dirty="0">
+                <a:solidFill>
+                  <a:srgbClr val="00B050"/>
+                </a:solidFill>
+              </a:rPr>
+              <a:t>Browser to Website</a:t>
+            </a:r>
+          </a:p>
+        </p:txBody>
+      </p:sp>
+      <p:sp>
+        <p:nvSpPr>
+          <p:cNvPr id="4" name="Content Placeholder 3">
+            <a:extLst>
+              <a:ext uri="{FF2B5EF4-FFF2-40B4-BE49-F238E27FC236}">
+                <a16:creationId xmlns:a16="http://schemas.microsoft.com/office/drawing/2014/main" id="{11FBF4CE-8897-4A23-A96D-B2A9915304AB}"/>
+              </a:ext>
+            </a:extLst>
+          </p:cNvPr>
+          <p:cNvSpPr>
+            <a:spLocks noGrp="1"/>
+          </p:cNvSpPr>
+          <p:nvPr>
+            <p:ph sz="half" idx="2"/>
+          </p:nvPr>
+        </p:nvSpPr>
+        <p:spPr>
+          <a:xfrm>
+            <a:off x="396038" y="2505075"/>
+            <a:ext cx="3664974" cy="3684588"/>
+          </a:xfrm>
+        </p:spPr>
+        <p:txBody>
+          <a:bodyPr/>
+          <a:lstStyle/>
+          <a:p>
+            <a:r>
+              <a:rPr lang="en-US" dirty="0"/>
+              <a:t>The </a:t>
+            </a:r>
+            <a:r>
+              <a:rPr lang="en-US" dirty="0">
+                <a:solidFill>
+                  <a:schemeClr val="accent1"/>
+                </a:solidFill>
+              </a:rPr>
+              <a:t>scheme</a:t>
+            </a:r>
+            <a:r>
+              <a:rPr lang="en-US" dirty="0"/>
+              <a:t> (http/https)</a:t>
+            </a:r>
+          </a:p>
+          <a:p>
+            <a:r>
+              <a:rPr lang="en-US" dirty="0"/>
+              <a:t>The </a:t>
+            </a:r>
+            <a:r>
+              <a:rPr lang="en-US" dirty="0">
+                <a:solidFill>
+                  <a:schemeClr val="accent1"/>
+                </a:solidFill>
+              </a:rPr>
+              <a:t>host</a:t>
+            </a:r>
+            <a:r>
+              <a:rPr lang="en-US" dirty="0"/>
+              <a:t> name</a:t>
+            </a:r>
+          </a:p>
+          <a:p>
+            <a:r>
+              <a:rPr lang="en-US" dirty="0"/>
+              <a:t>The </a:t>
+            </a:r>
+            <a:r>
+              <a:rPr lang="en-US" dirty="0">
+                <a:solidFill>
+                  <a:schemeClr val="accent1"/>
+                </a:solidFill>
+              </a:rPr>
+              <a:t>port</a:t>
+            </a:r>
+            <a:r>
+              <a:rPr lang="en-US" dirty="0"/>
+              <a:t> number</a:t>
+            </a:r>
+          </a:p>
+          <a:p>
+            <a:r>
+              <a:rPr lang="en-US" dirty="0"/>
+              <a:t>The </a:t>
+            </a:r>
+            <a:r>
+              <a:rPr lang="en-US" dirty="0">
+                <a:solidFill>
+                  <a:schemeClr val="accent1"/>
+                </a:solidFill>
+              </a:rPr>
+              <a:t>locator</a:t>
+            </a:r>
+            <a:r>
+              <a:rPr lang="en-US" dirty="0"/>
+              <a:t> name</a:t>
+            </a:r>
+          </a:p>
+          <a:p>
+            <a:pPr marL="0" indent="0">
+              <a:buNone/>
+            </a:pPr>
+            <a:r>
+              <a:rPr lang="en-US" dirty="0"/>
+              <a:t>https://exxon.com:8080/global_warming</a:t>
+            </a:r>
+          </a:p>
+        </p:txBody>
+      </p:sp>
+      <p:sp>
+        <p:nvSpPr>
+          <p:cNvPr id="5" name="Text Placeholder 4">
+            <a:extLst>
+              <a:ext uri="{FF2B5EF4-FFF2-40B4-BE49-F238E27FC236}">
+                <a16:creationId xmlns:a16="http://schemas.microsoft.com/office/drawing/2014/main" id="{3547D0F3-2AEF-4DC3-A137-6D941BD388D5}"/>
+              </a:ext>
+            </a:extLst>
+          </p:cNvPr>
+          <p:cNvSpPr>
+            <a:spLocks noGrp="1"/>
+          </p:cNvSpPr>
+          <p:nvPr>
+            <p:ph type="body" idx="10"/>
+          </p:nvPr>
+        </p:nvSpPr>
+        <p:spPr>
+          <a:xfrm>
+            <a:off x="5632498" y="1681163"/>
+            <a:ext cx="3502165" cy="823912"/>
+          </a:xfrm>
+        </p:spPr>
+        <p:txBody>
+          <a:bodyPr/>
+          <a:lstStyle/>
+          <a:p>
+            <a:r>
+              <a:rPr lang="en-US" dirty="0">
+                <a:solidFill>
+                  <a:srgbClr val="00B050"/>
+                </a:solidFill>
+              </a:rPr>
+              <a:t>Client to database</a:t>
+            </a:r>
+          </a:p>
+        </p:txBody>
+      </p:sp>
+      <p:sp>
+        <p:nvSpPr>
+          <p:cNvPr id="6" name="Content Placeholder 5">
+            <a:extLst>
+              <a:ext uri="{FF2B5EF4-FFF2-40B4-BE49-F238E27FC236}">
+                <a16:creationId xmlns:a16="http://schemas.microsoft.com/office/drawing/2014/main" id="{735E86DB-D105-4700-8CB8-C4293BC2D14B}"/>
+              </a:ext>
+            </a:extLst>
+          </p:cNvPr>
+          <p:cNvSpPr>
+            <a:spLocks noGrp="1"/>
+          </p:cNvSpPr>
+          <p:nvPr>
+            <p:ph sz="half" idx="11"/>
+          </p:nvPr>
+        </p:nvSpPr>
+        <p:spPr>
+          <a:xfrm>
+            <a:off x="5632498" y="2505075"/>
+            <a:ext cx="3502165" cy="3684588"/>
+          </a:xfrm>
+        </p:spPr>
+        <p:txBody>
+          <a:bodyPr/>
+          <a:lstStyle/>
+          <a:p>
+            <a:r>
+              <a:rPr lang="en-US" dirty="0"/>
+              <a:t>The database </a:t>
+            </a:r>
+            <a:r>
+              <a:rPr lang="en-US" dirty="0">
                 <a:solidFill>
                   <a:srgbClr val="FFFF00"/>
                 </a:solidFill>
               </a:rPr>
-              <a:t>connect </a:t>
-            </a:r>
-            <a:r>
-              <a:rPr lang="en-US" dirty="0"/>
-              <a:t>to a database</a:t>
-            </a:r>
-          </a:p>
-        </p:txBody>
-      </p:sp>
-      <p:pic>
-        <p:nvPicPr>
-          <p:cNvPr id="8" name="Graphic 7" descr="Database outline">
-            <a:extLst>
-              <a:ext uri="{FF2B5EF4-FFF2-40B4-BE49-F238E27FC236}">
-                <a16:creationId xmlns:a16="http://schemas.microsoft.com/office/drawing/2014/main" id="{2EF5205D-B1FC-4605-9AE6-E3C92B2F046F}"/>
-              </a:ext>
-            </a:extLst>
-          </p:cNvPr>
-          <p:cNvPicPr>
-            <a:picLocks noChangeAspect="1"/>
-          </p:cNvPicPr>
-          <p:nvPr/>
-        </p:nvPicPr>
-        <p:blipFill>
-          <a:blip r:embed="rId2">
-            <a:extLst>
-              <a:ext uri="{28A0092B-C50C-407E-A947-70E740481C1C}">
-                <a14:useLocalDpi xmlns:a14="http://schemas.microsoft.com/office/drawing/2010/main" val="0"/>
-              </a:ext>
-              <a:ext uri="{96DAC541-7B7A-43D3-8B79-37D633B846F1}">
-                <asvg:svgBlip xmlns:asvg="http://schemas.microsoft.com/office/drawing/2016/SVG/main" r:embed="rId3"/>
-              </a:ext>
-            </a:extLst>
-          </a:blip>
-          <a:stretch>
-            <a:fillRect/>
-          </a:stretch>
-        </p:blipFill>
-        <p:spPr>
-          <a:xfrm>
-            <a:off x="1530796" y="4373089"/>
-            <a:ext cx="1662132" cy="1662132"/>
-          </a:xfrm>
-          <a:prstGeom prst="rect">
-            <a:avLst/>
-          </a:prstGeom>
-        </p:spPr>
-      </p:pic>
-      <p:pic>
-        <p:nvPicPr>
-          <p:cNvPr id="9" name="Graphic 8" descr="Plugged Unplugged with solid fill">
-            <a:extLst>
-              <a:ext uri="{FF2B5EF4-FFF2-40B4-BE49-F238E27FC236}">
-                <a16:creationId xmlns:a16="http://schemas.microsoft.com/office/drawing/2014/main" id="{6B94BE72-D977-4B66-B83E-B2A55EED2FDA}"/>
-              </a:ext>
-            </a:extLst>
-          </p:cNvPr>
-          <p:cNvPicPr>
-            <a:picLocks noChangeAspect="1"/>
-          </p:cNvPicPr>
-          <p:nvPr/>
-        </p:nvPicPr>
-        <p:blipFill>
-          <a:blip r:embed="rId4">
-            <a:extLst>
-              <a:ext uri="{28A0092B-C50C-407E-A947-70E740481C1C}">
-                <a14:useLocalDpi xmlns:a14="http://schemas.microsoft.com/office/drawing/2010/main" val="0"/>
-              </a:ext>
-              <a:ext uri="{96DAC541-7B7A-43D3-8B79-37D633B846F1}">
-                <asvg:svgBlip xmlns:asvg="http://schemas.microsoft.com/office/drawing/2016/SVG/main" r:embed="rId5"/>
-              </a:ext>
-            </a:extLst>
-          </a:blip>
-          <a:stretch>
-            <a:fillRect/>
-          </a:stretch>
-        </p:blipFill>
-        <p:spPr>
-          <a:xfrm rot="10634905">
-            <a:off x="2863991" y="4820726"/>
-            <a:ext cx="857257" cy="857257"/>
-          </a:xfrm>
-          <a:prstGeom prst="rect">
-            <a:avLst/>
-          </a:prstGeom>
-        </p:spPr>
-      </p:pic>
-      <p:pic>
-        <p:nvPicPr>
-          <p:cNvPr id="10" name="Graphic 9" descr="Illustrator with solid fill">
-            <a:extLst>
-              <a:ext uri="{FF2B5EF4-FFF2-40B4-BE49-F238E27FC236}">
-                <a16:creationId xmlns:a16="http://schemas.microsoft.com/office/drawing/2014/main" id="{0290CE91-067B-4E70-A5AE-C6FA88B0FFBA}"/>
-              </a:ext>
-            </a:extLst>
-          </p:cNvPr>
-          <p:cNvPicPr>
-            <a:picLocks noChangeAspect="1"/>
-          </p:cNvPicPr>
-          <p:nvPr/>
-        </p:nvPicPr>
-        <p:blipFill>
-          <a:blip r:embed="rId6">
-            <a:extLst>
-              <a:ext uri="{28A0092B-C50C-407E-A947-70E740481C1C}">
-                <a14:useLocalDpi xmlns:a14="http://schemas.microsoft.com/office/drawing/2010/main" val="0"/>
-              </a:ext>
-              <a:ext uri="{96DAC541-7B7A-43D3-8B79-37D633B846F1}">
-                <asvg:svgBlip xmlns:asvg="http://schemas.microsoft.com/office/drawing/2016/SVG/main" r:embed="rId7"/>
-              </a:ext>
-            </a:extLst>
-          </a:blip>
-          <a:stretch>
-            <a:fillRect/>
-          </a:stretch>
-        </p:blipFill>
-        <p:spPr>
-          <a:xfrm>
-            <a:off x="3614852" y="4670892"/>
-            <a:ext cx="1398973" cy="1398973"/>
-          </a:xfrm>
-          <a:prstGeom prst="rect">
-            <a:avLst/>
-          </a:prstGeom>
-        </p:spPr>
-      </p:pic>
-      <p:sp>
-        <p:nvSpPr>
-          <p:cNvPr id="11" name="TextBox 10">
-            <a:extLst>
-              <a:ext uri="{FF2B5EF4-FFF2-40B4-BE49-F238E27FC236}">
-                <a16:creationId xmlns:a16="http://schemas.microsoft.com/office/drawing/2014/main" id="{2CE04347-3008-4D5A-B759-24BBFAFA422F}"/>
-              </a:ext>
-            </a:extLst>
-          </p:cNvPr>
-          <p:cNvSpPr txBox="1"/>
-          <p:nvPr/>
-        </p:nvSpPr>
-        <p:spPr>
-          <a:xfrm>
-            <a:off x="1742579" y="6042971"/>
-            <a:ext cx="1238565" cy="369332"/>
-          </a:xfrm>
-          <a:prstGeom prst="rect">
-            <a:avLst/>
-          </a:prstGeom>
-          <a:noFill/>
-        </p:spPr>
-        <p:txBody>
-          <a:bodyPr wrap="square" rtlCol="0">
-            <a:spAutoFit/>
-          </a:bodyPr>
-          <a:lstStyle/>
-          <a:p>
-            <a:pPr algn="ctr"/>
-            <a:r>
-              <a:rPr lang="en-US" dirty="0"/>
-              <a:t>Database</a:t>
-            </a:r>
-          </a:p>
-        </p:txBody>
-      </p:sp>
-      <p:sp>
-        <p:nvSpPr>
-          <p:cNvPr id="12" name="TextBox 11">
-            <a:extLst>
-              <a:ext uri="{FF2B5EF4-FFF2-40B4-BE49-F238E27FC236}">
-                <a16:creationId xmlns:a16="http://schemas.microsoft.com/office/drawing/2014/main" id="{46D00E41-695B-4DFE-AD75-A70F6CAFE071}"/>
-              </a:ext>
-            </a:extLst>
-          </p:cNvPr>
-          <p:cNvSpPr txBox="1"/>
-          <p:nvPr/>
-        </p:nvSpPr>
-        <p:spPr>
-          <a:xfrm>
-            <a:off x="3774947" y="6035221"/>
-            <a:ext cx="1078782" cy="369332"/>
-          </a:xfrm>
-          <a:prstGeom prst="rect">
-            <a:avLst/>
-          </a:prstGeom>
-          <a:noFill/>
-        </p:spPr>
-        <p:txBody>
-          <a:bodyPr wrap="square" rtlCol="0">
-            <a:spAutoFit/>
-          </a:bodyPr>
-          <a:lstStyle/>
-          <a:p>
-            <a:pPr algn="ctr"/>
-            <a:r>
-              <a:rPr lang="en-US" dirty="0"/>
-              <a:t>Client</a:t>
-            </a:r>
-          </a:p>
-        </p:txBody>
-      </p:sp>
-      <p:sp>
-        <p:nvSpPr>
-          <p:cNvPr id="13" name="TextBox 12">
-            <a:extLst>
-              <a:ext uri="{FF2B5EF4-FFF2-40B4-BE49-F238E27FC236}">
-                <a16:creationId xmlns:a16="http://schemas.microsoft.com/office/drawing/2014/main" id="{01FA90EA-FF0A-45F5-BC22-01BD47C4F5D6}"/>
-              </a:ext>
-            </a:extLst>
-          </p:cNvPr>
-          <p:cNvSpPr txBox="1"/>
-          <p:nvPr/>
-        </p:nvSpPr>
-        <p:spPr>
-          <a:xfrm>
-            <a:off x="703728" y="4764269"/>
-            <a:ext cx="982865" cy="369332"/>
-          </a:xfrm>
-          <a:prstGeom prst="rect">
-            <a:avLst/>
-          </a:prstGeom>
-          <a:noFill/>
-        </p:spPr>
-        <p:txBody>
-          <a:bodyPr wrap="square" rtlCol="0">
-            <a:spAutoFit/>
-          </a:bodyPr>
-          <a:lstStyle/>
-          <a:p>
-            <a:pPr algn="r"/>
-            <a:r>
-              <a:rPr lang="en-US" dirty="0"/>
-              <a:t>Schema</a:t>
-            </a:r>
-          </a:p>
-        </p:txBody>
-      </p:sp>
-      <p:sp>
-        <p:nvSpPr>
-          <p:cNvPr id="14" name="TextBox 13">
-            <a:extLst>
-              <a:ext uri="{FF2B5EF4-FFF2-40B4-BE49-F238E27FC236}">
-                <a16:creationId xmlns:a16="http://schemas.microsoft.com/office/drawing/2014/main" id="{88BF81E0-B129-47B9-8842-EEB92CE179B3}"/>
-              </a:ext>
-            </a:extLst>
-          </p:cNvPr>
-          <p:cNvSpPr txBox="1"/>
-          <p:nvPr/>
-        </p:nvSpPr>
-        <p:spPr>
-          <a:xfrm>
-            <a:off x="703728" y="5138885"/>
-            <a:ext cx="982865" cy="369332"/>
-          </a:xfrm>
-          <a:prstGeom prst="rect">
-            <a:avLst/>
-          </a:prstGeom>
-          <a:noFill/>
-        </p:spPr>
-        <p:txBody>
-          <a:bodyPr wrap="square" rtlCol="0">
-            <a:spAutoFit/>
-          </a:bodyPr>
-          <a:lstStyle/>
-          <a:p>
-            <a:pPr algn="r"/>
-            <a:r>
-              <a:rPr lang="en-US" dirty="0"/>
-              <a:t>Data</a:t>
+              <a:t>type</a:t>
+            </a:r>
+            <a:r>
+              <a:rPr lang="en-US" dirty="0"/>
+              <a:t> (</a:t>
+            </a:r>
+            <a:r>
+              <a:rPr lang="en-US" dirty="0" err="1"/>
+              <a:t>mysql</a:t>
+            </a:r>
+            <a:r>
+              <a:rPr lang="en-US" dirty="0"/>
+              <a:t>)</a:t>
+            </a:r>
+          </a:p>
+          <a:p>
+            <a:r>
+              <a:rPr lang="en-US" dirty="0"/>
+              <a:t>The </a:t>
+            </a:r>
+            <a:r>
+              <a:rPr lang="en-US" dirty="0">
+                <a:solidFill>
+                  <a:srgbClr val="FFFF00"/>
+                </a:solidFill>
+              </a:rPr>
+              <a:t>host</a:t>
+            </a:r>
+            <a:r>
+              <a:rPr lang="en-US" dirty="0"/>
+              <a:t> name</a:t>
+            </a:r>
+          </a:p>
+          <a:p>
+            <a:r>
+              <a:rPr lang="en-US" dirty="0"/>
+              <a:t>The </a:t>
+            </a:r>
+            <a:r>
+              <a:rPr lang="en-US" dirty="0">
+                <a:solidFill>
+                  <a:srgbClr val="FFFF00"/>
+                </a:solidFill>
+              </a:rPr>
+              <a:t>port</a:t>
+            </a:r>
+            <a:r>
+              <a:rPr lang="en-US" dirty="0"/>
+              <a:t> number</a:t>
+            </a:r>
+          </a:p>
+          <a:p>
+            <a:r>
+              <a:rPr lang="en-US" dirty="0"/>
+              <a:t>The </a:t>
+            </a:r>
+            <a:r>
+              <a:rPr lang="en-US" dirty="0">
+                <a:solidFill>
+                  <a:srgbClr val="FFFF00"/>
+                </a:solidFill>
+              </a:rPr>
+              <a:t>schema</a:t>
+            </a:r>
+            <a:r>
+              <a:rPr lang="en-US" dirty="0"/>
+              <a:t> name</a:t>
+            </a:r>
+          </a:p>
+          <a:p>
+            <a:pPr marL="0" indent="0">
+              <a:buNone/>
+            </a:pPr>
+            <a:r>
+              <a:rPr lang="en-US" dirty="0" err="1"/>
+              <a:t>jdbc:mysql</a:t>
+            </a:r>
+            <a:r>
+              <a:rPr lang="en-US" dirty="0"/>
+              <a:t>://localhost:3306/recipes</a:t>
             </a:r>
           </a:p>
         </p:txBody>
@@ -4221,7 +5988,7 @@
     </p:spTree>
     <p:extLst>
       <p:ext uri="{BB962C8B-B14F-4D97-AF65-F5344CB8AC3E}">
-        <p14:creationId xmlns:p14="http://schemas.microsoft.com/office/powerpoint/2010/main" val="3803490283"/>
+        <p14:creationId xmlns:p14="http://schemas.microsoft.com/office/powerpoint/2010/main" val="2507719009"/>
       </p:ext>
     </p:extLst>
   </p:cSld>
@@ -6390,38 +8157,10 @@
       </p:grpSpPr>
       <p:sp>
         <p:nvSpPr>
-          <p:cNvPr id="2" name="Title 1">
-            <a:extLst>
-              <a:ext uri="{FF2B5EF4-FFF2-40B4-BE49-F238E27FC236}">
-                <a16:creationId xmlns:a16="http://schemas.microsoft.com/office/drawing/2014/main" id="{CD634367-313E-48FB-9754-BA0469A0FCA2}"/>
-              </a:ext>
-            </a:extLst>
-          </p:cNvPr>
-          <p:cNvSpPr>
-            <a:spLocks noGrp="1"/>
-          </p:cNvSpPr>
-          <p:nvPr>
-            <p:ph type="title"/>
-          </p:nvPr>
-        </p:nvSpPr>
-        <p:spPr/>
-        <p:txBody>
-          <a:bodyPr/>
-          <a:lstStyle/>
-          <a:p>
-            <a:r>
-              <a:rPr lang="en-US" dirty="0"/>
-              <a:t>What is a database client?</a:t>
-            </a:r>
-          </a:p>
-        </p:txBody>
-      </p:sp>
-      <p:sp>
-        <p:nvSpPr>
           <p:cNvPr id="3" name="Content Placeholder 2">
             <a:extLst>
               <a:ext uri="{FF2B5EF4-FFF2-40B4-BE49-F238E27FC236}">
-                <a16:creationId xmlns:a16="http://schemas.microsoft.com/office/drawing/2014/main" id="{AF1EFD8B-1233-4272-90CE-BF80F3EC0626}"/>
+                <a16:creationId xmlns:a16="http://schemas.microsoft.com/office/drawing/2014/main" id="{94B5CEFC-5FEA-4530-B054-F9D09510792D}"/>
               </a:ext>
             </a:extLst>
           </p:cNvPr>
@@ -6432,90 +8171,1172 @@
             <p:ph idx="1"/>
           </p:nvPr>
         </p:nvSpPr>
-        <p:spPr/>
+        <p:spPr>
+          <a:xfrm>
+            <a:off x="328286" y="319554"/>
+            <a:ext cx="10900545" cy="4351338"/>
+          </a:xfrm>
+        </p:spPr>
         <p:txBody>
           <a:bodyPr/>
           <a:lstStyle/>
           <a:p>
-            <a:r>
-              <a:rPr lang="en-US" dirty="0"/>
-              <a:t>Sends </a:t>
-            </a:r>
             <a:r>
               <a:rPr lang="en-US" dirty="0">
                 <a:solidFill>
                   <a:srgbClr val="00B0F0"/>
                 </a:solidFill>
               </a:rPr>
-              <a:t>requests</a:t>
-            </a:r>
-            <a:r>
-              <a:rPr lang="en-US" dirty="0"/>
-              <a:t> to a database</a:t>
-            </a:r>
-          </a:p>
-          <a:p>
-            <a:r>
-              <a:rPr lang="en-US" dirty="0"/>
-              <a:t>Parses </a:t>
-            </a:r>
-            <a:r>
-              <a:rPr lang="en-US" dirty="0">
+              <a:t>Databases</a:t>
+            </a:r>
+            <a:r>
+              <a:rPr lang="en-US" dirty="0"/>
+              <a:t> contain:</a:t>
+            </a:r>
+          </a:p>
+          <a:p>
+            <a:pPr lvl="1"/>
+            <a:r>
+              <a:rPr lang="en-US" sz="2800" dirty="0">
                 <a:solidFill>
                   <a:srgbClr val="00B0F0"/>
                 </a:solidFill>
               </a:rPr>
-              <a:t>responses</a:t>
-            </a:r>
-            <a:r>
-              <a:rPr lang="en-US" dirty="0"/>
-              <a:t> from a database</a:t>
-            </a:r>
-          </a:p>
-          <a:p>
-            <a:r>
-              <a:rPr lang="en-US" dirty="0"/>
-              <a:t>Clients are </a:t>
-            </a:r>
-            <a:r>
-              <a:rPr lang="en-US" dirty="0">
+              <a:t>Schemas</a:t>
+            </a:r>
+            <a:r>
+              <a:rPr lang="en-US" sz="2800" dirty="0"/>
+              <a:t>, contain:</a:t>
+            </a:r>
+          </a:p>
+          <a:p>
+            <a:pPr lvl="2"/>
+            <a:r>
+              <a:rPr lang="en-US" sz="2800" dirty="0">
                 <a:solidFill>
-                  <a:srgbClr val="FF0000"/>
+                  <a:srgbClr val="00B0F0"/>
                 </a:solidFill>
               </a:rPr>
-              <a:t>NOT</a:t>
-            </a:r>
-            <a:r>
-              <a:rPr lang="en-US" dirty="0"/>
-              <a:t> databases!</a:t>
-            </a:r>
-          </a:p>
-          <a:p>
-            <a:r>
-              <a:rPr lang="en-US" dirty="0"/>
-              <a:t>Examples:</a:t>
-            </a:r>
-          </a:p>
-          <a:p>
-            <a:pPr lvl="1"/>
-            <a:r>
-              <a:rPr lang="en-US" dirty="0"/>
-              <a:t>MySQL Command Line Interface (CLI)</a:t>
-            </a:r>
-          </a:p>
-          <a:p>
-            <a:pPr lvl="1"/>
-            <a:r>
-              <a:rPr lang="en-US" dirty="0" err="1"/>
-              <a:t>DBeaver</a:t>
-            </a:r>
-            <a:endParaRPr lang="en-US" dirty="0"/>
-          </a:p>
-          <a:p>
-            <a:pPr lvl="1"/>
-            <a:r>
-              <a:rPr lang="en-US" dirty="0"/>
-              <a:t>Java application</a:t>
+              <a:t>Tables</a:t>
+            </a:r>
+            <a:r>
+              <a:rPr lang="en-US" sz="2800" dirty="0"/>
+              <a:t> (think a spreadsheet with rows and columns), contain:</a:t>
+            </a:r>
+          </a:p>
+          <a:p>
+            <a:pPr lvl="3"/>
+            <a:r>
+              <a:rPr lang="en-US" sz="2800" dirty="0">
+                <a:solidFill>
+                  <a:srgbClr val="00B0F0"/>
+                </a:solidFill>
+              </a:rPr>
+              <a:t>Data</a:t>
+            </a:r>
+          </a:p>
+          <a:p>
+            <a:endParaRPr lang="en-US" sz="1100" dirty="0"/>
+          </a:p>
+        </p:txBody>
+      </p:sp>
+      <p:sp>
+        <p:nvSpPr>
+          <p:cNvPr id="6" name="Flowchart: Magnetic Disk 5">
+            <a:extLst>
+              <a:ext uri="{FF2B5EF4-FFF2-40B4-BE49-F238E27FC236}">
+                <a16:creationId xmlns:a16="http://schemas.microsoft.com/office/drawing/2014/main" id="{AF659058-DF75-B001-47D9-B757EE8B8A12}"/>
+              </a:ext>
+            </a:extLst>
+          </p:cNvPr>
+          <p:cNvSpPr/>
+          <p:nvPr/>
+        </p:nvSpPr>
+        <p:spPr>
+          <a:xfrm>
+            <a:off x="1090259" y="2105024"/>
+            <a:ext cx="5517240" cy="4351338"/>
+          </a:xfrm>
+          <a:prstGeom prst="flowChartMagneticDisk">
+            <a:avLst/>
+          </a:prstGeom>
+        </p:spPr>
+        <p:style>
+          <a:lnRef idx="2">
+            <a:schemeClr val="accent1">
+              <a:shade val="15000"/>
+            </a:schemeClr>
+          </a:lnRef>
+          <a:fillRef idx="1">
+            <a:schemeClr val="accent1"/>
+          </a:fillRef>
+          <a:effectRef idx="0">
+            <a:schemeClr val="accent1"/>
+          </a:effectRef>
+          <a:fontRef idx="minor">
+            <a:schemeClr val="lt1"/>
+          </a:fontRef>
+        </p:style>
+        <p:txBody>
+          <a:bodyPr rtlCol="0" anchor="t"/>
+          <a:lstStyle/>
+          <a:p>
+            <a:pPr algn="ctr"/>
+            <a:r>
+              <a:rPr lang="en-US" sz="2400" dirty="0"/>
+              <a:t>Database</a:t>
+            </a:r>
+          </a:p>
+        </p:txBody>
+      </p:sp>
+      <p:grpSp>
+        <p:nvGrpSpPr>
+          <p:cNvPr id="20" name="Group 19">
+            <a:extLst>
+              <a:ext uri="{FF2B5EF4-FFF2-40B4-BE49-F238E27FC236}">
+                <a16:creationId xmlns:a16="http://schemas.microsoft.com/office/drawing/2014/main" id="{919F4F6F-4C0F-D698-3ABA-C1989D69A95C}"/>
+              </a:ext>
+            </a:extLst>
+          </p:cNvPr>
+          <p:cNvGrpSpPr/>
+          <p:nvPr/>
+        </p:nvGrpSpPr>
+        <p:grpSpPr>
+          <a:xfrm>
+            <a:off x="1371016" y="3943984"/>
+            <a:ext cx="1612550" cy="1700990"/>
+            <a:chOff x="6353454" y="2951478"/>
+            <a:chExt cx="1612550" cy="1700990"/>
+          </a:xfrm>
+        </p:grpSpPr>
+        <p:sp>
+          <p:nvSpPr>
+            <p:cNvPr id="5" name="Rectangle 4">
+              <a:extLst>
+                <a:ext uri="{FF2B5EF4-FFF2-40B4-BE49-F238E27FC236}">
+                  <a16:creationId xmlns:a16="http://schemas.microsoft.com/office/drawing/2014/main" id="{0C2599E8-6D92-783A-DA3F-EC7CF9E9768E}"/>
+                </a:ext>
+              </a:extLst>
+            </p:cNvPr>
+            <p:cNvSpPr/>
+            <p:nvPr/>
+          </p:nvSpPr>
+          <p:spPr>
+            <a:xfrm>
+              <a:off x="6353454" y="2951478"/>
+              <a:ext cx="1612550" cy="1700990"/>
+            </a:xfrm>
+            <a:prstGeom prst="rect">
+              <a:avLst/>
+            </a:prstGeom>
+            <a:solidFill>
+              <a:schemeClr val="accent4">
+                <a:lumMod val="75000"/>
+              </a:schemeClr>
+            </a:solidFill>
+          </p:spPr>
+          <p:style>
+            <a:lnRef idx="2">
+              <a:schemeClr val="accent1">
+                <a:shade val="15000"/>
+              </a:schemeClr>
+            </a:lnRef>
+            <a:fillRef idx="1">
+              <a:schemeClr val="accent1"/>
+            </a:fillRef>
+            <a:effectRef idx="0">
+              <a:schemeClr val="accent1"/>
+            </a:effectRef>
+            <a:fontRef idx="minor">
+              <a:schemeClr val="lt1"/>
+            </a:fontRef>
+          </p:style>
+          <p:txBody>
+            <a:bodyPr rtlCol="0" anchor="t"/>
+            <a:lstStyle/>
+            <a:p>
+              <a:pPr algn="ctr"/>
+              <a:r>
+                <a:rPr lang="en-US" dirty="0"/>
+                <a:t>Schema</a:t>
+              </a:r>
+            </a:p>
+          </p:txBody>
+        </p:sp>
+        <p:pic>
+          <p:nvPicPr>
+            <p:cNvPr id="7" name="Picture 6">
+              <a:extLst>
+                <a:ext uri="{FF2B5EF4-FFF2-40B4-BE49-F238E27FC236}">
+                  <a16:creationId xmlns:a16="http://schemas.microsoft.com/office/drawing/2014/main" id="{C8A302BE-B907-88A7-AECF-CBAECA8ADF3A}"/>
+                </a:ext>
+              </a:extLst>
+            </p:cNvPr>
+            <p:cNvPicPr>
+              <a:picLocks noChangeAspect="1"/>
+            </p:cNvPicPr>
+            <p:nvPr/>
+          </p:nvPicPr>
+          <p:blipFill>
+            <a:blip r:embed="rId3"/>
+            <a:stretch>
+              <a:fillRect/>
+            </a:stretch>
+          </p:blipFill>
+          <p:spPr>
+            <a:xfrm>
+              <a:off x="6618214" y="3344773"/>
+              <a:ext cx="613634" cy="578003"/>
+            </a:xfrm>
+            <a:prstGeom prst="rect">
+              <a:avLst/>
+            </a:prstGeom>
+          </p:spPr>
+        </p:pic>
+        <p:pic>
+          <p:nvPicPr>
+            <p:cNvPr id="16" name="Picture 15">
+              <a:extLst>
+                <a:ext uri="{FF2B5EF4-FFF2-40B4-BE49-F238E27FC236}">
+                  <a16:creationId xmlns:a16="http://schemas.microsoft.com/office/drawing/2014/main" id="{08634868-4F5F-D34B-D794-991083F5D9C1}"/>
+                </a:ext>
+              </a:extLst>
+            </p:cNvPr>
+            <p:cNvPicPr>
+              <a:picLocks noChangeAspect="1"/>
+            </p:cNvPicPr>
+            <p:nvPr/>
+          </p:nvPicPr>
+          <p:blipFill>
+            <a:blip r:embed="rId3"/>
+            <a:stretch>
+              <a:fillRect/>
+            </a:stretch>
+          </p:blipFill>
+          <p:spPr>
+            <a:xfrm>
+              <a:off x="6770614" y="3497173"/>
+              <a:ext cx="613634" cy="578003"/>
+            </a:xfrm>
+            <a:prstGeom prst="rect">
+              <a:avLst/>
+            </a:prstGeom>
+          </p:spPr>
+        </p:pic>
+        <p:pic>
+          <p:nvPicPr>
+            <p:cNvPr id="17" name="Picture 16">
+              <a:extLst>
+                <a:ext uri="{FF2B5EF4-FFF2-40B4-BE49-F238E27FC236}">
+                  <a16:creationId xmlns:a16="http://schemas.microsoft.com/office/drawing/2014/main" id="{B3A55084-7BCB-9521-DCC5-A059B8865544}"/>
+                </a:ext>
+              </a:extLst>
+            </p:cNvPr>
+            <p:cNvPicPr>
+              <a:picLocks noChangeAspect="1"/>
+            </p:cNvPicPr>
+            <p:nvPr/>
+          </p:nvPicPr>
+          <p:blipFill>
+            <a:blip r:embed="rId3"/>
+            <a:stretch>
+              <a:fillRect/>
+            </a:stretch>
+          </p:blipFill>
+          <p:spPr>
+            <a:xfrm>
+              <a:off x="6923014" y="3649573"/>
+              <a:ext cx="613634" cy="578003"/>
+            </a:xfrm>
+            <a:prstGeom prst="rect">
+              <a:avLst/>
+            </a:prstGeom>
+          </p:spPr>
+        </p:pic>
+        <p:pic>
+          <p:nvPicPr>
+            <p:cNvPr id="18" name="Picture 17">
+              <a:extLst>
+                <a:ext uri="{FF2B5EF4-FFF2-40B4-BE49-F238E27FC236}">
+                  <a16:creationId xmlns:a16="http://schemas.microsoft.com/office/drawing/2014/main" id="{01177339-BF2E-C499-21A9-67427C6BEEB9}"/>
+                </a:ext>
+              </a:extLst>
+            </p:cNvPr>
+            <p:cNvPicPr>
+              <a:picLocks noChangeAspect="1"/>
+            </p:cNvPicPr>
+            <p:nvPr/>
+          </p:nvPicPr>
+          <p:blipFill>
+            <a:blip r:embed="rId3"/>
+            <a:stretch>
+              <a:fillRect/>
+            </a:stretch>
+          </p:blipFill>
+          <p:spPr>
+            <a:xfrm>
+              <a:off x="7075414" y="3801973"/>
+              <a:ext cx="613634" cy="578003"/>
+            </a:xfrm>
+            <a:prstGeom prst="rect">
+              <a:avLst/>
+            </a:prstGeom>
+          </p:spPr>
+        </p:pic>
+        <p:pic>
+          <p:nvPicPr>
+            <p:cNvPr id="19" name="Picture 18">
+              <a:extLst>
+                <a:ext uri="{FF2B5EF4-FFF2-40B4-BE49-F238E27FC236}">
+                  <a16:creationId xmlns:a16="http://schemas.microsoft.com/office/drawing/2014/main" id="{7A137682-D4F2-818E-A4D3-94EB4BED9886}"/>
+                </a:ext>
+              </a:extLst>
+            </p:cNvPr>
+            <p:cNvPicPr>
+              <a:picLocks noChangeAspect="1"/>
+            </p:cNvPicPr>
+            <p:nvPr/>
+          </p:nvPicPr>
+          <p:blipFill>
+            <a:blip r:embed="rId3"/>
+            <a:stretch>
+              <a:fillRect/>
+            </a:stretch>
+          </p:blipFill>
+          <p:spPr>
+            <a:xfrm>
+              <a:off x="7227814" y="3954373"/>
+              <a:ext cx="613634" cy="578003"/>
+            </a:xfrm>
+            <a:prstGeom prst="rect">
+              <a:avLst/>
+            </a:prstGeom>
+          </p:spPr>
+        </p:pic>
+        <p:sp>
+          <p:nvSpPr>
+            <p:cNvPr id="15" name="TextBox 14">
+              <a:extLst>
+                <a:ext uri="{FF2B5EF4-FFF2-40B4-BE49-F238E27FC236}">
+                  <a16:creationId xmlns:a16="http://schemas.microsoft.com/office/drawing/2014/main" id="{4212DC1B-273C-DCD6-06F4-0B332FFF0057}"/>
+                </a:ext>
+              </a:extLst>
+            </p:cNvPr>
+            <p:cNvSpPr txBox="1"/>
+            <p:nvPr/>
+          </p:nvSpPr>
+          <p:spPr>
+            <a:xfrm>
+              <a:off x="6566972" y="3435071"/>
+              <a:ext cx="769378" cy="369332"/>
+            </a:xfrm>
+            <a:prstGeom prst="rect">
+              <a:avLst/>
+            </a:prstGeom>
+            <a:noFill/>
+          </p:spPr>
+          <p:txBody>
+            <a:bodyPr wrap="none" rtlCol="0">
+              <a:spAutoFit/>
+            </a:bodyPr>
+            <a:lstStyle/>
+            <a:p>
+              <a:r>
+                <a:rPr lang="en-US" dirty="0">
+                  <a:solidFill>
+                    <a:schemeClr val="bg1"/>
+                  </a:solidFill>
+                </a:rPr>
+                <a:t>Tables</a:t>
+              </a:r>
+            </a:p>
+          </p:txBody>
+        </p:sp>
+      </p:grpSp>
+      <p:grpSp>
+        <p:nvGrpSpPr>
+          <p:cNvPr id="21" name="Group 20">
+            <a:extLst>
+              <a:ext uri="{FF2B5EF4-FFF2-40B4-BE49-F238E27FC236}">
+                <a16:creationId xmlns:a16="http://schemas.microsoft.com/office/drawing/2014/main" id="{40C60FF1-851B-9753-89C6-C9351E73949D}"/>
+              </a:ext>
+            </a:extLst>
+          </p:cNvPr>
+          <p:cNvGrpSpPr/>
+          <p:nvPr/>
+        </p:nvGrpSpPr>
+        <p:grpSpPr>
+          <a:xfrm>
+            <a:off x="3068254" y="4329310"/>
+            <a:ext cx="1612550" cy="1700990"/>
+            <a:chOff x="7796627" y="2969902"/>
+            <a:chExt cx="1612550" cy="1700990"/>
+          </a:xfrm>
+        </p:grpSpPr>
+        <p:sp>
+          <p:nvSpPr>
+            <p:cNvPr id="22" name="Rectangle 21">
+              <a:extLst>
+                <a:ext uri="{FF2B5EF4-FFF2-40B4-BE49-F238E27FC236}">
+                  <a16:creationId xmlns:a16="http://schemas.microsoft.com/office/drawing/2014/main" id="{E0580131-5985-F055-C443-8C0DE2DF04CA}"/>
+                </a:ext>
+              </a:extLst>
+            </p:cNvPr>
+            <p:cNvSpPr/>
+            <p:nvPr/>
+          </p:nvSpPr>
+          <p:spPr>
+            <a:xfrm>
+              <a:off x="7796627" y="2969902"/>
+              <a:ext cx="1612550" cy="1700990"/>
+            </a:xfrm>
+            <a:prstGeom prst="rect">
+              <a:avLst/>
+            </a:prstGeom>
+            <a:solidFill>
+              <a:schemeClr val="accent4">
+                <a:lumMod val="75000"/>
+              </a:schemeClr>
+            </a:solidFill>
+          </p:spPr>
+          <p:style>
+            <a:lnRef idx="2">
+              <a:schemeClr val="accent1">
+                <a:shade val="15000"/>
+              </a:schemeClr>
+            </a:lnRef>
+            <a:fillRef idx="1">
+              <a:schemeClr val="accent1"/>
+            </a:fillRef>
+            <a:effectRef idx="0">
+              <a:schemeClr val="accent1"/>
+            </a:effectRef>
+            <a:fontRef idx="minor">
+              <a:schemeClr val="lt1"/>
+            </a:fontRef>
+          </p:style>
+          <p:txBody>
+            <a:bodyPr rtlCol="0" anchor="t"/>
+            <a:lstStyle/>
+            <a:p>
+              <a:pPr algn="ctr"/>
+              <a:r>
+                <a:rPr lang="en-US" dirty="0"/>
+                <a:t>Schema</a:t>
+              </a:r>
+            </a:p>
+          </p:txBody>
+        </p:sp>
+        <p:pic>
+          <p:nvPicPr>
+            <p:cNvPr id="23" name="Picture 22">
+              <a:extLst>
+                <a:ext uri="{FF2B5EF4-FFF2-40B4-BE49-F238E27FC236}">
+                  <a16:creationId xmlns:a16="http://schemas.microsoft.com/office/drawing/2014/main" id="{0F7DD1C5-2857-5A54-DF29-26C76416534F}"/>
+                </a:ext>
+              </a:extLst>
+            </p:cNvPr>
+            <p:cNvPicPr>
+              <a:picLocks noChangeAspect="1"/>
+            </p:cNvPicPr>
+            <p:nvPr/>
+          </p:nvPicPr>
+          <p:blipFill>
+            <a:blip r:embed="rId3"/>
+            <a:stretch>
+              <a:fillRect/>
+            </a:stretch>
+          </p:blipFill>
+          <p:spPr>
+            <a:xfrm>
+              <a:off x="8017246" y="3344773"/>
+              <a:ext cx="613634" cy="578003"/>
+            </a:xfrm>
+            <a:prstGeom prst="rect">
+              <a:avLst/>
+            </a:prstGeom>
+          </p:spPr>
+        </p:pic>
+        <p:pic>
+          <p:nvPicPr>
+            <p:cNvPr id="24" name="Picture 23">
+              <a:extLst>
+                <a:ext uri="{FF2B5EF4-FFF2-40B4-BE49-F238E27FC236}">
+                  <a16:creationId xmlns:a16="http://schemas.microsoft.com/office/drawing/2014/main" id="{D1AE4E03-F537-BB53-9BA7-EA6045CA012D}"/>
+                </a:ext>
+              </a:extLst>
+            </p:cNvPr>
+            <p:cNvPicPr>
+              <a:picLocks noChangeAspect="1"/>
+            </p:cNvPicPr>
+            <p:nvPr/>
+          </p:nvPicPr>
+          <p:blipFill>
+            <a:blip r:embed="rId3"/>
+            <a:stretch>
+              <a:fillRect/>
+            </a:stretch>
+          </p:blipFill>
+          <p:spPr>
+            <a:xfrm>
+              <a:off x="8169646" y="3497173"/>
+              <a:ext cx="613634" cy="578003"/>
+            </a:xfrm>
+            <a:prstGeom prst="rect">
+              <a:avLst/>
+            </a:prstGeom>
+          </p:spPr>
+        </p:pic>
+        <p:pic>
+          <p:nvPicPr>
+            <p:cNvPr id="25" name="Picture 24">
+              <a:extLst>
+                <a:ext uri="{FF2B5EF4-FFF2-40B4-BE49-F238E27FC236}">
+                  <a16:creationId xmlns:a16="http://schemas.microsoft.com/office/drawing/2014/main" id="{84DDBD57-21E5-9E91-76CD-5E6B32A508B8}"/>
+                </a:ext>
+              </a:extLst>
+            </p:cNvPr>
+            <p:cNvPicPr>
+              <a:picLocks noChangeAspect="1"/>
+            </p:cNvPicPr>
+            <p:nvPr/>
+          </p:nvPicPr>
+          <p:blipFill>
+            <a:blip r:embed="rId3"/>
+            <a:stretch>
+              <a:fillRect/>
+            </a:stretch>
+          </p:blipFill>
+          <p:spPr>
+            <a:xfrm>
+              <a:off x="8322046" y="3649573"/>
+              <a:ext cx="613634" cy="578003"/>
+            </a:xfrm>
+            <a:prstGeom prst="rect">
+              <a:avLst/>
+            </a:prstGeom>
+          </p:spPr>
+        </p:pic>
+        <p:pic>
+          <p:nvPicPr>
+            <p:cNvPr id="26" name="Picture 25">
+              <a:extLst>
+                <a:ext uri="{FF2B5EF4-FFF2-40B4-BE49-F238E27FC236}">
+                  <a16:creationId xmlns:a16="http://schemas.microsoft.com/office/drawing/2014/main" id="{82FF34F4-E29C-7C5A-9728-A07D957CC9DF}"/>
+                </a:ext>
+              </a:extLst>
+            </p:cNvPr>
+            <p:cNvPicPr>
+              <a:picLocks noChangeAspect="1"/>
+            </p:cNvPicPr>
+            <p:nvPr/>
+          </p:nvPicPr>
+          <p:blipFill>
+            <a:blip r:embed="rId3"/>
+            <a:stretch>
+              <a:fillRect/>
+            </a:stretch>
+          </p:blipFill>
+          <p:spPr>
+            <a:xfrm>
+              <a:off x="8474446" y="3801973"/>
+              <a:ext cx="613634" cy="578003"/>
+            </a:xfrm>
+            <a:prstGeom prst="rect">
+              <a:avLst/>
+            </a:prstGeom>
+          </p:spPr>
+        </p:pic>
+        <p:pic>
+          <p:nvPicPr>
+            <p:cNvPr id="27" name="Picture 26">
+              <a:extLst>
+                <a:ext uri="{FF2B5EF4-FFF2-40B4-BE49-F238E27FC236}">
+                  <a16:creationId xmlns:a16="http://schemas.microsoft.com/office/drawing/2014/main" id="{BE9AEA28-CE1D-1E1F-CD4B-6ECD0AA8DBA4}"/>
+                </a:ext>
+              </a:extLst>
+            </p:cNvPr>
+            <p:cNvPicPr>
+              <a:picLocks noChangeAspect="1"/>
+            </p:cNvPicPr>
+            <p:nvPr/>
+          </p:nvPicPr>
+          <p:blipFill>
+            <a:blip r:embed="rId3"/>
+            <a:stretch>
+              <a:fillRect/>
+            </a:stretch>
+          </p:blipFill>
+          <p:spPr>
+            <a:xfrm>
+              <a:off x="8626846" y="3954373"/>
+              <a:ext cx="613634" cy="578003"/>
+            </a:xfrm>
+            <a:prstGeom prst="rect">
+              <a:avLst/>
+            </a:prstGeom>
+          </p:spPr>
+        </p:pic>
+        <p:sp>
+          <p:nvSpPr>
+            <p:cNvPr id="28" name="TextBox 27">
+              <a:extLst>
+                <a:ext uri="{FF2B5EF4-FFF2-40B4-BE49-F238E27FC236}">
+                  <a16:creationId xmlns:a16="http://schemas.microsoft.com/office/drawing/2014/main" id="{13528748-2ADD-6163-7C72-9631C0972F8F}"/>
+                </a:ext>
+              </a:extLst>
+            </p:cNvPr>
+            <p:cNvSpPr txBox="1"/>
+            <p:nvPr/>
+          </p:nvSpPr>
+          <p:spPr>
+            <a:xfrm>
+              <a:off x="7966004" y="3435071"/>
+              <a:ext cx="769378" cy="369332"/>
+            </a:xfrm>
+            <a:prstGeom prst="rect">
+              <a:avLst/>
+            </a:prstGeom>
+            <a:noFill/>
+          </p:spPr>
+          <p:txBody>
+            <a:bodyPr wrap="none" rtlCol="0">
+              <a:spAutoFit/>
+            </a:bodyPr>
+            <a:lstStyle/>
+            <a:p>
+              <a:r>
+                <a:rPr lang="en-US" dirty="0">
+                  <a:solidFill>
+                    <a:schemeClr val="bg1"/>
+                  </a:solidFill>
+                </a:rPr>
+                <a:t>Tables</a:t>
+              </a:r>
+            </a:p>
+          </p:txBody>
+        </p:sp>
+      </p:grpSp>
+      <p:grpSp>
+        <p:nvGrpSpPr>
+          <p:cNvPr id="29" name="Group 28">
+            <a:extLst>
+              <a:ext uri="{FF2B5EF4-FFF2-40B4-BE49-F238E27FC236}">
+                <a16:creationId xmlns:a16="http://schemas.microsoft.com/office/drawing/2014/main" id="{043A7A74-DDE9-530A-5E2D-ADE7B6DE3742}"/>
+              </a:ext>
+            </a:extLst>
+          </p:cNvPr>
+          <p:cNvGrpSpPr/>
+          <p:nvPr/>
+        </p:nvGrpSpPr>
+        <p:grpSpPr>
+          <a:xfrm>
+            <a:off x="4857430" y="3943984"/>
+            <a:ext cx="1612550" cy="1700990"/>
+            <a:chOff x="6397595" y="2969902"/>
+            <a:chExt cx="1612550" cy="1700990"/>
+          </a:xfrm>
+        </p:grpSpPr>
+        <p:sp>
+          <p:nvSpPr>
+            <p:cNvPr id="30" name="Rectangle 29">
+              <a:extLst>
+                <a:ext uri="{FF2B5EF4-FFF2-40B4-BE49-F238E27FC236}">
+                  <a16:creationId xmlns:a16="http://schemas.microsoft.com/office/drawing/2014/main" id="{35563DC1-4523-9EE6-259D-0A868AC4AAD9}"/>
+                </a:ext>
+              </a:extLst>
+            </p:cNvPr>
+            <p:cNvSpPr/>
+            <p:nvPr/>
+          </p:nvSpPr>
+          <p:spPr>
+            <a:xfrm>
+              <a:off x="6397595" y="2969902"/>
+              <a:ext cx="1612550" cy="1700990"/>
+            </a:xfrm>
+            <a:prstGeom prst="rect">
+              <a:avLst/>
+            </a:prstGeom>
+            <a:solidFill>
+              <a:schemeClr val="accent4">
+                <a:lumMod val="75000"/>
+              </a:schemeClr>
+            </a:solidFill>
+          </p:spPr>
+          <p:style>
+            <a:lnRef idx="2">
+              <a:schemeClr val="accent1">
+                <a:shade val="15000"/>
+              </a:schemeClr>
+            </a:lnRef>
+            <a:fillRef idx="1">
+              <a:schemeClr val="accent1"/>
+            </a:fillRef>
+            <a:effectRef idx="0">
+              <a:schemeClr val="accent1"/>
+            </a:effectRef>
+            <a:fontRef idx="minor">
+              <a:schemeClr val="lt1"/>
+            </a:fontRef>
+          </p:style>
+          <p:txBody>
+            <a:bodyPr rtlCol="0" anchor="t"/>
+            <a:lstStyle/>
+            <a:p>
+              <a:pPr algn="ctr"/>
+              <a:r>
+                <a:rPr lang="en-US" dirty="0"/>
+                <a:t>Schema</a:t>
+              </a:r>
+            </a:p>
+          </p:txBody>
+        </p:sp>
+        <p:pic>
+          <p:nvPicPr>
+            <p:cNvPr id="31" name="Picture 30">
+              <a:extLst>
+                <a:ext uri="{FF2B5EF4-FFF2-40B4-BE49-F238E27FC236}">
+                  <a16:creationId xmlns:a16="http://schemas.microsoft.com/office/drawing/2014/main" id="{4AB347DA-83C7-322D-5244-1631F926319A}"/>
+                </a:ext>
+              </a:extLst>
+            </p:cNvPr>
+            <p:cNvPicPr>
+              <a:picLocks noChangeAspect="1"/>
+            </p:cNvPicPr>
+            <p:nvPr/>
+          </p:nvPicPr>
+          <p:blipFill>
+            <a:blip r:embed="rId3"/>
+            <a:stretch>
+              <a:fillRect/>
+            </a:stretch>
+          </p:blipFill>
+          <p:spPr>
+            <a:xfrm>
+              <a:off x="6618214" y="3344773"/>
+              <a:ext cx="613634" cy="578003"/>
+            </a:xfrm>
+            <a:prstGeom prst="rect">
+              <a:avLst/>
+            </a:prstGeom>
+          </p:spPr>
+        </p:pic>
+        <p:pic>
+          <p:nvPicPr>
+            <p:cNvPr id="32" name="Picture 31">
+              <a:extLst>
+                <a:ext uri="{FF2B5EF4-FFF2-40B4-BE49-F238E27FC236}">
+                  <a16:creationId xmlns:a16="http://schemas.microsoft.com/office/drawing/2014/main" id="{B04842C6-6218-77CB-F09D-A0CF68FB1946}"/>
+                </a:ext>
+              </a:extLst>
+            </p:cNvPr>
+            <p:cNvPicPr>
+              <a:picLocks noChangeAspect="1"/>
+            </p:cNvPicPr>
+            <p:nvPr/>
+          </p:nvPicPr>
+          <p:blipFill>
+            <a:blip r:embed="rId3"/>
+            <a:stretch>
+              <a:fillRect/>
+            </a:stretch>
+          </p:blipFill>
+          <p:spPr>
+            <a:xfrm>
+              <a:off x="6770614" y="3497173"/>
+              <a:ext cx="613634" cy="578003"/>
+            </a:xfrm>
+            <a:prstGeom prst="rect">
+              <a:avLst/>
+            </a:prstGeom>
+          </p:spPr>
+        </p:pic>
+        <p:pic>
+          <p:nvPicPr>
+            <p:cNvPr id="33" name="Picture 32">
+              <a:extLst>
+                <a:ext uri="{FF2B5EF4-FFF2-40B4-BE49-F238E27FC236}">
+                  <a16:creationId xmlns:a16="http://schemas.microsoft.com/office/drawing/2014/main" id="{528D8403-41FE-ECEB-6750-6952A81C8004}"/>
+                </a:ext>
+              </a:extLst>
+            </p:cNvPr>
+            <p:cNvPicPr>
+              <a:picLocks noChangeAspect="1"/>
+            </p:cNvPicPr>
+            <p:nvPr/>
+          </p:nvPicPr>
+          <p:blipFill>
+            <a:blip r:embed="rId3"/>
+            <a:stretch>
+              <a:fillRect/>
+            </a:stretch>
+          </p:blipFill>
+          <p:spPr>
+            <a:xfrm>
+              <a:off x="6923014" y="3649573"/>
+              <a:ext cx="613634" cy="578003"/>
+            </a:xfrm>
+            <a:prstGeom prst="rect">
+              <a:avLst/>
+            </a:prstGeom>
+          </p:spPr>
+        </p:pic>
+        <p:pic>
+          <p:nvPicPr>
+            <p:cNvPr id="34" name="Picture 33">
+              <a:extLst>
+                <a:ext uri="{FF2B5EF4-FFF2-40B4-BE49-F238E27FC236}">
+                  <a16:creationId xmlns:a16="http://schemas.microsoft.com/office/drawing/2014/main" id="{CAF4A656-B4FD-DB3C-AB1B-C887EE13122E}"/>
+                </a:ext>
+              </a:extLst>
+            </p:cNvPr>
+            <p:cNvPicPr>
+              <a:picLocks noChangeAspect="1"/>
+            </p:cNvPicPr>
+            <p:nvPr/>
+          </p:nvPicPr>
+          <p:blipFill>
+            <a:blip r:embed="rId3"/>
+            <a:stretch>
+              <a:fillRect/>
+            </a:stretch>
+          </p:blipFill>
+          <p:spPr>
+            <a:xfrm>
+              <a:off x="7075414" y="3801973"/>
+              <a:ext cx="613634" cy="578003"/>
+            </a:xfrm>
+            <a:prstGeom prst="rect">
+              <a:avLst/>
+            </a:prstGeom>
+          </p:spPr>
+        </p:pic>
+        <p:pic>
+          <p:nvPicPr>
+            <p:cNvPr id="35" name="Picture 34">
+              <a:extLst>
+                <a:ext uri="{FF2B5EF4-FFF2-40B4-BE49-F238E27FC236}">
+                  <a16:creationId xmlns:a16="http://schemas.microsoft.com/office/drawing/2014/main" id="{4D6BC106-4DE9-5DB1-06DF-C2F4641CA439}"/>
+                </a:ext>
+              </a:extLst>
+            </p:cNvPr>
+            <p:cNvPicPr>
+              <a:picLocks noChangeAspect="1"/>
+            </p:cNvPicPr>
+            <p:nvPr/>
+          </p:nvPicPr>
+          <p:blipFill>
+            <a:blip r:embed="rId3"/>
+            <a:stretch>
+              <a:fillRect/>
+            </a:stretch>
+          </p:blipFill>
+          <p:spPr>
+            <a:xfrm>
+              <a:off x="7227814" y="3954373"/>
+              <a:ext cx="613634" cy="578003"/>
+            </a:xfrm>
+            <a:prstGeom prst="rect">
+              <a:avLst/>
+            </a:prstGeom>
+          </p:spPr>
+        </p:pic>
+        <p:sp>
+          <p:nvSpPr>
+            <p:cNvPr id="36" name="TextBox 35">
+              <a:extLst>
+                <a:ext uri="{FF2B5EF4-FFF2-40B4-BE49-F238E27FC236}">
+                  <a16:creationId xmlns:a16="http://schemas.microsoft.com/office/drawing/2014/main" id="{D1F9384F-CA86-2488-7110-238B82000D4F}"/>
+                </a:ext>
+              </a:extLst>
+            </p:cNvPr>
+            <p:cNvSpPr txBox="1"/>
+            <p:nvPr/>
+          </p:nvSpPr>
+          <p:spPr>
+            <a:xfrm>
+              <a:off x="6566972" y="3435071"/>
+              <a:ext cx="769378" cy="369332"/>
+            </a:xfrm>
+            <a:prstGeom prst="rect">
+              <a:avLst/>
+            </a:prstGeom>
+            <a:noFill/>
+          </p:spPr>
+          <p:txBody>
+            <a:bodyPr wrap="none" rtlCol="0">
+              <a:spAutoFit/>
+            </a:bodyPr>
+            <a:lstStyle/>
+            <a:p>
+              <a:r>
+                <a:rPr lang="en-US" dirty="0">
+                  <a:solidFill>
+                    <a:schemeClr val="bg1"/>
+                  </a:solidFill>
+                </a:rPr>
+                <a:t>Tables</a:t>
+              </a:r>
+            </a:p>
+          </p:txBody>
+        </p:sp>
+      </p:grpSp>
+      <p:graphicFrame>
+        <p:nvGraphicFramePr>
+          <p:cNvPr id="2" name="Table 1">
+            <a:extLst>
+              <a:ext uri="{FF2B5EF4-FFF2-40B4-BE49-F238E27FC236}">
+                <a16:creationId xmlns:a16="http://schemas.microsoft.com/office/drawing/2014/main" id="{66C42C0D-9BF3-330C-0910-746FB12FA4CE}"/>
+              </a:ext>
+            </a:extLst>
+          </p:cNvPr>
+          <p:cNvGraphicFramePr>
+            <a:graphicFrameLocks noGrp="1"/>
+          </p:cNvGraphicFramePr>
+          <p:nvPr>
+            <p:extLst>
+              <p:ext uri="{D42A27DB-BD31-4B8C-83A1-F6EECF244321}">
+                <p14:modId xmlns:p14="http://schemas.microsoft.com/office/powerpoint/2010/main" val="1572388140"/>
+              </p:ext>
+            </p:extLst>
+          </p:nvPr>
+        </p:nvGraphicFramePr>
+        <p:xfrm>
+          <a:off x="7731731" y="3264146"/>
+          <a:ext cx="4022519" cy="1854200"/>
+        </p:xfrm>
+        <a:graphic>
+          <a:graphicData uri="http://schemas.openxmlformats.org/drawingml/2006/table">
+            <a:tbl>
+              <a:tblPr firstRow="1" bandRow="1">
+                <a:tableStyleId>{5C22544A-7EE6-4342-B048-85BDC9FD1C3A}</a:tableStyleId>
+              </a:tblPr>
+              <a:tblGrid>
+                <a:gridCol w="1439050">
+                  <a:extLst>
+                    <a:ext uri="{9D8B030D-6E8A-4147-A177-3AD203B41FA5}">
+                      <a16:colId xmlns:a16="http://schemas.microsoft.com/office/drawing/2014/main" val="2131462675"/>
+                    </a:ext>
+                  </a:extLst>
+                </a:gridCol>
+                <a:gridCol w="2583469">
+                  <a:extLst>
+                    <a:ext uri="{9D8B030D-6E8A-4147-A177-3AD203B41FA5}">
+                      <a16:colId xmlns:a16="http://schemas.microsoft.com/office/drawing/2014/main" val="398982846"/>
+                    </a:ext>
+                  </a:extLst>
+                </a:gridCol>
+              </a:tblGrid>
+              <a:tr h="370840">
+                <a:tc>
+                  <a:txBody>
+                    <a:bodyPr/>
+                    <a:lstStyle/>
+                    <a:p>
+                      <a:pPr algn="ctr"/>
+                      <a:r>
+                        <a:rPr lang="en-US" b="1" dirty="0"/>
+                        <a:t>In Database</a:t>
+                      </a:r>
+                    </a:p>
+                  </a:txBody>
+                  <a:tcPr/>
+                </a:tc>
+                <a:tc>
+                  <a:txBody>
+                    <a:bodyPr/>
+                    <a:lstStyle/>
+                    <a:p>
+                      <a:pPr algn="ctr"/>
+                      <a:r>
+                        <a:rPr lang="en-US" b="1" dirty="0"/>
+                        <a:t>In Java</a:t>
+                      </a:r>
+                    </a:p>
+                  </a:txBody>
+                  <a:tcPr/>
+                </a:tc>
+                <a:extLst>
+                  <a:ext uri="{0D108BD9-81ED-4DB2-BD59-A6C34878D82A}">
+                    <a16:rowId xmlns:a16="http://schemas.microsoft.com/office/drawing/2014/main" val="2075361841"/>
+                  </a:ext>
+                </a:extLst>
+              </a:tr>
+              <a:tr h="370840">
+                <a:tc>
+                  <a:txBody>
+                    <a:bodyPr/>
+                    <a:lstStyle/>
+                    <a:p>
+                      <a:pPr algn="ctr"/>
+                      <a:r>
+                        <a:rPr lang="en-US" dirty="0"/>
+                        <a:t>Schema</a:t>
+                      </a:r>
+                    </a:p>
+                  </a:txBody>
+                  <a:tcPr/>
+                </a:tc>
+                <a:tc>
+                  <a:txBody>
+                    <a:bodyPr/>
+                    <a:lstStyle/>
+                    <a:p>
+                      <a:pPr algn="ctr"/>
+                      <a:r>
+                        <a:rPr lang="en-US" dirty="0"/>
+                        <a:t>Package</a:t>
+                      </a:r>
+                    </a:p>
+                  </a:txBody>
+                  <a:tcPr/>
+                </a:tc>
+                <a:extLst>
+                  <a:ext uri="{0D108BD9-81ED-4DB2-BD59-A6C34878D82A}">
+                    <a16:rowId xmlns:a16="http://schemas.microsoft.com/office/drawing/2014/main" val="3618545755"/>
+                  </a:ext>
+                </a:extLst>
+              </a:tr>
+              <a:tr h="370840">
+                <a:tc>
+                  <a:txBody>
+                    <a:bodyPr/>
+                    <a:lstStyle/>
+                    <a:p>
+                      <a:pPr algn="ctr"/>
+                      <a:r>
+                        <a:rPr lang="en-US" dirty="0"/>
+                        <a:t>Table</a:t>
+                      </a:r>
+                    </a:p>
+                  </a:txBody>
+                  <a:tcPr/>
+                </a:tc>
+                <a:tc>
+                  <a:txBody>
+                    <a:bodyPr/>
+                    <a:lstStyle/>
+                    <a:p>
+                      <a:pPr algn="ctr"/>
+                      <a:r>
+                        <a:rPr lang="en-US" dirty="0"/>
+                        <a:t>Class</a:t>
+                      </a:r>
+                    </a:p>
+                  </a:txBody>
+                  <a:tcPr/>
+                </a:tc>
+                <a:extLst>
+                  <a:ext uri="{0D108BD9-81ED-4DB2-BD59-A6C34878D82A}">
+                    <a16:rowId xmlns:a16="http://schemas.microsoft.com/office/drawing/2014/main" val="4095488182"/>
+                  </a:ext>
+                </a:extLst>
+              </a:tr>
+              <a:tr h="370840">
+                <a:tc>
+                  <a:txBody>
+                    <a:bodyPr/>
+                    <a:lstStyle/>
+                    <a:p>
+                      <a:pPr algn="ctr"/>
+                      <a:r>
+                        <a:rPr lang="en-US" dirty="0"/>
+                        <a:t>Row/Record</a:t>
+                      </a:r>
+                    </a:p>
+                  </a:txBody>
+                  <a:tcPr/>
+                </a:tc>
+                <a:tc>
+                  <a:txBody>
+                    <a:bodyPr/>
+                    <a:lstStyle/>
+                    <a:p>
+                      <a:pPr algn="ctr"/>
+                      <a:r>
+                        <a:rPr lang="en-US" dirty="0"/>
+                        <a:t>Object(instance of class)</a:t>
+                      </a:r>
+                    </a:p>
+                  </a:txBody>
+                  <a:tcPr/>
+                </a:tc>
+                <a:extLst>
+                  <a:ext uri="{0D108BD9-81ED-4DB2-BD59-A6C34878D82A}">
+                    <a16:rowId xmlns:a16="http://schemas.microsoft.com/office/drawing/2014/main" val="1171665818"/>
+                  </a:ext>
+                </a:extLst>
+              </a:tr>
+              <a:tr h="370840">
+                <a:tc>
+                  <a:txBody>
+                    <a:bodyPr/>
+                    <a:lstStyle/>
+                    <a:p>
+                      <a:pPr algn="ctr"/>
+                      <a:r>
+                        <a:rPr lang="en-US" dirty="0"/>
+                        <a:t>Column</a:t>
+                      </a:r>
+                    </a:p>
+                  </a:txBody>
+                  <a:tcPr/>
+                </a:tc>
+                <a:tc>
+                  <a:txBody>
+                    <a:bodyPr/>
+                    <a:lstStyle/>
+                    <a:p>
+                      <a:pPr algn="ctr"/>
+                      <a:r>
+                        <a:rPr lang="en-US" dirty="0"/>
+                        <a:t>Attribute in Object</a:t>
+                      </a:r>
+                    </a:p>
+                  </a:txBody>
+                  <a:tcPr/>
+                </a:tc>
+                <a:extLst>
+                  <a:ext uri="{0D108BD9-81ED-4DB2-BD59-A6C34878D82A}">
+                    <a16:rowId xmlns:a16="http://schemas.microsoft.com/office/drawing/2014/main" val="2387293533"/>
+                  </a:ext>
+                </a:extLst>
+              </a:tr>
+            </a:tbl>
+          </a:graphicData>
+        </a:graphic>
+      </p:graphicFrame>
+      <p:sp>
+        <p:nvSpPr>
+          <p:cNvPr id="4" name="TextBox 3">
+            <a:extLst>
+              <a:ext uri="{FF2B5EF4-FFF2-40B4-BE49-F238E27FC236}">
+                <a16:creationId xmlns:a16="http://schemas.microsoft.com/office/drawing/2014/main" id="{85307879-C1FA-CE9D-E58D-3C4D4894D916}"/>
+              </a:ext>
+            </a:extLst>
+          </p:cNvPr>
+          <p:cNvSpPr txBox="1"/>
+          <p:nvPr/>
+        </p:nvSpPr>
+        <p:spPr>
+          <a:xfrm>
+            <a:off x="8339871" y="5141621"/>
+            <a:ext cx="2528641" cy="276999"/>
+          </a:xfrm>
+          <a:prstGeom prst="rect">
+            <a:avLst/>
+          </a:prstGeom>
+          <a:noFill/>
+        </p:spPr>
+        <p:txBody>
+          <a:bodyPr wrap="none" rtlCol="0">
+            <a:spAutoFit/>
+          </a:bodyPr>
+          <a:lstStyle/>
+          <a:p>
+            <a:r>
+              <a:rPr lang="en-US" sz="1200" dirty="0"/>
+              <a:t>** General rule of thumb comparison</a:t>
             </a:r>
           </a:p>
         </p:txBody>
@@ -6523,20 +9344,20 @@
     </p:spTree>
     <p:extLst>
       <p:ext uri="{BB962C8B-B14F-4D97-AF65-F5344CB8AC3E}">
-        <p14:creationId xmlns:p14="http://schemas.microsoft.com/office/powerpoint/2010/main" val="2522568428"/>
+        <p14:creationId xmlns:p14="http://schemas.microsoft.com/office/powerpoint/2010/main" val="3129578924"/>
       </p:ext>
     </p:extLst>
   </p:cSld>
   <p:clrMapOvr>
     <a:masterClrMapping/>
   </p:clrMapOvr>
-  <mc:AlternateContent xmlns:mc="http://schemas.openxmlformats.org/markup-compatibility/2006" xmlns:p14="http://schemas.microsoft.com/office/powerpoint/2010/main">
-    <mc:Choice Requires="p14">
+  <mc:AlternateContent xmlns:mc="http://schemas.openxmlformats.org/markup-compatibility/2006">
+    <mc:Choice xmlns:p14="http://schemas.microsoft.com/office/powerpoint/2010/main" Requires="p14">
       <p:transition spd="med" p14:dur="700">
         <p:fade/>
       </p:transition>
     </mc:Choice>
-    <mc:Fallback xmlns="">
+    <mc:Fallback>
       <p:transition spd="med">
         <p:fade/>
       </p:transition>
@@ -6564,10 +9385,10 @@
       </p:grpSpPr>
       <p:sp>
         <p:nvSpPr>
-          <p:cNvPr id="2" name="Title 1">
+          <p:cNvPr id="7" name="Title 6">
             <a:extLst>
               <a:ext uri="{FF2B5EF4-FFF2-40B4-BE49-F238E27FC236}">
-                <a16:creationId xmlns:a16="http://schemas.microsoft.com/office/drawing/2014/main" id="{EF12220D-E6F5-4AE4-883A-72727765EDC2}"/>
+                <a16:creationId xmlns:a16="http://schemas.microsoft.com/office/drawing/2014/main" id="{919ED3DF-D443-43C0-83AE-8604EF9F5497}"/>
               </a:ext>
             </a:extLst>
           </p:cNvPr>
@@ -6585,7 +9406,7 @@
           <a:p>
             <a:r>
               <a:rPr lang="en-US" dirty="0"/>
-              <a:t>Database/client is like bank app/browser</a:t>
+              <a:t>What is a schema?</a:t>
             </a:r>
           </a:p>
         </p:txBody>
@@ -6595,7 +9416,7 @@
           <p:cNvPr id="8" name="Content Placeholder 7">
             <a:extLst>
               <a:ext uri="{FF2B5EF4-FFF2-40B4-BE49-F238E27FC236}">
-                <a16:creationId xmlns:a16="http://schemas.microsoft.com/office/drawing/2014/main" id="{58088221-3E49-4F53-9106-96CB440F9611}"/>
+                <a16:creationId xmlns:a16="http://schemas.microsoft.com/office/drawing/2014/main" id="{7D367DA3-7895-4AD1-8258-598985FA125F}"/>
               </a:ext>
             </a:extLst>
           </p:cNvPr>
@@ -6608,73 +9429,135 @@
         </p:nvSpPr>
         <p:spPr>
           <a:xfrm>
-            <a:off x="838200" y="1825625"/>
-            <a:ext cx="5525278" cy="1940832"/>
+            <a:off x="838200" y="1589649"/>
+            <a:ext cx="7100944" cy="4903226"/>
           </a:xfrm>
         </p:spPr>
         <p:txBody>
-          <a:bodyPr/>
+          <a:bodyPr>
+            <a:normAutofit/>
+          </a:bodyPr>
           <a:lstStyle/>
           <a:p>
             <a:r>
               <a:rPr lang="en-US" dirty="0"/>
-              <a:t>You don’t confuse the browser with the bank application</a:t>
-            </a:r>
-          </a:p>
-          <a:p>
-            <a:r>
-              <a:rPr lang="en-US" dirty="0"/>
-              <a:t>The browser </a:t>
-            </a:r>
-            <a:r>
-              <a:rPr lang="en-US" i="1" dirty="0">
+              <a:t>A </a:t>
+            </a:r>
+            <a:r>
+              <a:rPr lang="en-US" dirty="0">
+                <a:solidFill>
+                  <a:srgbClr val="00B0F0"/>
+                </a:solidFill>
+              </a:rPr>
+              <a:t>named collection</a:t>
+            </a:r>
+            <a:r>
+              <a:rPr lang="en-US" dirty="0"/>
+              <a:t> of data within a database</a:t>
+            </a:r>
+          </a:p>
+          <a:p>
+            <a:r>
+              <a:rPr lang="en-US" dirty="0"/>
+              <a:t>A schema has a collection of </a:t>
+            </a:r>
+            <a:r>
+              <a:rPr lang="en-US" dirty="0">
+                <a:solidFill>
+                  <a:srgbClr val="00B0F0"/>
+                </a:solidFill>
+              </a:rPr>
+              <a:t>tables</a:t>
+            </a:r>
+          </a:p>
+          <a:p>
+            <a:r>
+              <a:rPr lang="en-US" dirty="0"/>
+              <a:t>Tables are like spreadsheets</a:t>
+            </a:r>
+          </a:p>
+          <a:p>
+            <a:pPr lvl="1"/>
+            <a:r>
+              <a:rPr lang="en-US" dirty="0"/>
+              <a:t>Tables define </a:t>
+            </a:r>
+            <a:r>
+              <a:rPr lang="en-US" dirty="0">
                 <a:solidFill>
                   <a:srgbClr val="FFFF00"/>
                 </a:solidFill>
               </a:rPr>
-              <a:t>connects</a:t>
-            </a:r>
-            <a:r>
-              <a:rPr lang="en-US" dirty="0"/>
-              <a:t> to the bank application</a:t>
+              <a:t>columns</a:t>
+            </a:r>
+            <a:r>
+              <a:rPr lang="en-US" dirty="0"/>
+              <a:t> of data</a:t>
+            </a:r>
+          </a:p>
+          <a:p>
+            <a:pPr lvl="1"/>
+            <a:r>
+              <a:rPr lang="en-US" dirty="0"/>
+              <a:t>Tables contain </a:t>
+            </a:r>
+            <a:r>
+              <a:rPr lang="en-US" dirty="0">
+                <a:solidFill>
+                  <a:srgbClr val="FFFF00"/>
+                </a:solidFill>
+              </a:rPr>
+              <a:t>rows</a:t>
+            </a:r>
+            <a:r>
+              <a:rPr lang="en-US" dirty="0"/>
+              <a:t> of data organized by column</a:t>
+            </a:r>
+          </a:p>
+          <a:p>
+            <a:r>
+              <a:rPr lang="en-US" dirty="0"/>
+              <a:t>A row and column is like a spreadsheet cell</a:t>
+            </a:r>
+          </a:p>
+          <a:p>
+            <a:pPr lvl="1"/>
+            <a:r>
+              <a:rPr lang="en-US" dirty="0"/>
+              <a:t>Spreadsheet cells can have any type of data</a:t>
+            </a:r>
+          </a:p>
+          <a:p>
+            <a:pPr lvl="1"/>
+            <a:r>
+              <a:rPr lang="en-US" dirty="0"/>
+              <a:t>Table rows contain data specified by the column type</a:t>
+            </a:r>
+          </a:p>
+          <a:p>
+            <a:r>
+              <a:rPr lang="en-US" dirty="0"/>
+              <a:t>Unfortunately, MySQL calls schemas </a:t>
+            </a:r>
+            <a:r>
+              <a:rPr lang="en-US" dirty="0">
+                <a:solidFill>
+                  <a:srgbClr val="FF0000"/>
+                </a:solidFill>
+              </a:rPr>
+              <a:t>databases</a:t>
+            </a:r>
+            <a:r>
+              <a:rPr lang="en-US" dirty="0"/>
+              <a:t>!</a:t>
             </a:r>
           </a:p>
         </p:txBody>
       </p:sp>
-      <p:pic>
-        <p:nvPicPr>
-          <p:cNvPr id="7" name="Picture 6">
-            <a:extLst>
-              <a:ext uri="{FF2B5EF4-FFF2-40B4-BE49-F238E27FC236}">
-                <a16:creationId xmlns:a16="http://schemas.microsoft.com/office/drawing/2014/main" id="{69022D97-61A4-4A17-8110-A7BFCCA1DDE5}"/>
-              </a:ext>
-            </a:extLst>
-          </p:cNvPr>
-          <p:cNvPicPr>
-            <a:picLocks noChangeAspect="1"/>
-          </p:cNvPicPr>
-          <p:nvPr/>
-        </p:nvPicPr>
-        <p:blipFill>
-          <a:blip r:embed="rId2"/>
-          <a:stretch>
-            <a:fillRect/>
-          </a:stretch>
-        </p:blipFill>
-        <p:spPr>
-          <a:xfrm>
-            <a:off x="3202363" y="3429000"/>
-            <a:ext cx="4000159" cy="3060775"/>
-          </a:xfrm>
-          <a:prstGeom prst="rect">
-            <a:avLst/>
-          </a:prstGeom>
-        </p:spPr>
-      </p:pic>
     </p:spTree>
     <p:extLst>
       <p:ext uri="{BB962C8B-B14F-4D97-AF65-F5344CB8AC3E}">
-        <p14:creationId xmlns:p14="http://schemas.microsoft.com/office/powerpoint/2010/main" val="1583360768"/>
+        <p14:creationId xmlns:p14="http://schemas.microsoft.com/office/powerpoint/2010/main" val="3859726291"/>
       </p:ext>
     </p:extLst>
   </p:cSld>
@@ -6715,10 +9598,10 @@
       </p:grpSpPr>
       <p:sp>
         <p:nvSpPr>
-          <p:cNvPr id="2" name="Title 1">
+          <p:cNvPr id="4" name="Title 3">
             <a:extLst>
               <a:ext uri="{FF2B5EF4-FFF2-40B4-BE49-F238E27FC236}">
-                <a16:creationId xmlns:a16="http://schemas.microsoft.com/office/drawing/2014/main" id="{EF12220D-E6F5-4AE4-883A-72727765EDC2}"/>
+                <a16:creationId xmlns:a16="http://schemas.microsoft.com/office/drawing/2014/main" id="{56841A5A-AEBB-4B75-B4AE-FBCC2EA6D1C9}"/>
               </a:ext>
             </a:extLst>
           </p:cNvPr>
@@ -6736,68 +9619,17 @@
           <a:p>
             <a:r>
               <a:rPr lang="en-US" dirty="0"/>
-              <a:t>Database/client is like bank app/browser</a:t>
-            </a:r>
-          </a:p>
-        </p:txBody>
-      </p:sp>
-      <p:sp>
-        <p:nvSpPr>
-          <p:cNvPr id="8" name="Content Placeholder 7">
-            <a:extLst>
-              <a:ext uri="{FF2B5EF4-FFF2-40B4-BE49-F238E27FC236}">
-                <a16:creationId xmlns:a16="http://schemas.microsoft.com/office/drawing/2014/main" id="{58088221-3E49-4F53-9106-96CB440F9611}"/>
-              </a:ext>
-            </a:extLst>
-          </p:cNvPr>
-          <p:cNvSpPr>
-            <a:spLocks noGrp="1"/>
-          </p:cNvSpPr>
-          <p:nvPr>
-            <p:ph idx="1"/>
-          </p:nvPr>
-        </p:nvSpPr>
-        <p:spPr>
-          <a:xfrm>
-            <a:off x="838200" y="1825625"/>
-            <a:ext cx="5525278" cy="1450975"/>
-          </a:xfrm>
-        </p:spPr>
-        <p:txBody>
-          <a:bodyPr/>
-          <a:lstStyle/>
-          <a:p>
-            <a:r>
-              <a:rPr lang="en-US" dirty="0"/>
-              <a:t>Likewise, don’t confuse the database and the client</a:t>
-            </a:r>
-          </a:p>
-          <a:p>
-            <a:r>
-              <a:rPr lang="en-US" dirty="0"/>
-              <a:t>The client </a:t>
-            </a:r>
-            <a:r>
-              <a:rPr lang="en-US" i="1" dirty="0">
-                <a:solidFill>
-                  <a:srgbClr val="FFFF00"/>
-                </a:solidFill>
-              </a:rPr>
-              <a:t>connects</a:t>
-            </a:r>
-            <a:r>
-              <a:rPr lang="en-US" dirty="0"/>
-              <a:t> to the database</a:t>
+              <a:t>A database can have many schemas</a:t>
             </a:r>
           </a:p>
         </p:txBody>
       </p:sp>
       <p:pic>
         <p:nvPicPr>
-          <p:cNvPr id="5" name="Graphic 4" descr="Database outline">
+          <p:cNvPr id="13" name="Picture 12">
             <a:extLst>
               <a:ext uri="{FF2B5EF4-FFF2-40B4-BE49-F238E27FC236}">
-                <a16:creationId xmlns:a16="http://schemas.microsoft.com/office/drawing/2014/main" id="{3F64B437-E7E9-4D66-A61D-CC5B6EBDBAEE}"/>
+                <a16:creationId xmlns:a16="http://schemas.microsoft.com/office/drawing/2014/main" id="{A81950D4-5573-40C3-ACEA-403C424B3082}"/>
               </a:ext>
             </a:extLst>
           </p:cNvPr>
@@ -6807,102 +9639,15 @@
           <p:nvPr/>
         </p:nvPicPr>
         <p:blipFill>
-          <a:blip r:embed="rId2">
-            <a:extLst>
-              <a:ext uri="{28A0092B-C50C-407E-A947-70E740481C1C}">
-                <a14:useLocalDpi xmlns:a14="http://schemas.microsoft.com/office/drawing/2010/main" val="0"/>
-              </a:ext>
-              <a:ext uri="{96DAC541-7B7A-43D3-8B79-37D633B846F1}">
-                <asvg:svgBlip xmlns:asvg="http://schemas.microsoft.com/office/drawing/2016/SVG/main" r:embed="rId3"/>
-              </a:ext>
-            </a:extLst>
-          </a:blip>
+          <a:blip r:embed="rId2"/>
           <a:stretch>
             <a:fillRect/>
           </a:stretch>
         </p:blipFill>
         <p:spPr>
           <a:xfrm>
-            <a:off x="1530795" y="3276600"/>
-            <a:ext cx="2758621" cy="2758621"/>
-          </a:xfrm>
-          <a:prstGeom prst="rect">
-            <a:avLst/>
-          </a:prstGeom>
-        </p:spPr>
-      </p:pic>
-      <p:pic>
-        <p:nvPicPr>
-          <p:cNvPr id="4" name="Graphic 3" descr="Plugged Unplugged with solid fill">
-            <a:extLst>
-              <a:ext uri="{FF2B5EF4-FFF2-40B4-BE49-F238E27FC236}">
-                <a16:creationId xmlns:a16="http://schemas.microsoft.com/office/drawing/2014/main" id="{30B8C510-40DD-4A0A-A289-584E51A0694E}"/>
-              </a:ext>
-            </a:extLst>
-          </p:cNvPr>
-          <p:cNvPicPr>
-            <a:picLocks noChangeAspect="1"/>
-          </p:cNvPicPr>
-          <p:nvPr/>
-        </p:nvPicPr>
-        <p:blipFill>
-          <a:blip r:embed="rId4">
-            <a:extLst>
-              <a:ext uri="{28A0092B-C50C-407E-A947-70E740481C1C}">
-                <a14:useLocalDpi xmlns:a14="http://schemas.microsoft.com/office/drawing/2010/main" val="0"/>
-              </a:ext>
-              <a:ext uri="{96DAC541-7B7A-43D3-8B79-37D633B846F1}">
-                <asvg:svgBlip xmlns:asvg="http://schemas.microsoft.com/office/drawing/2016/SVG/main" r:embed="rId5"/>
-              </a:ext>
-            </a:extLst>
-          </a:blip>
-          <a:stretch>
-            <a:fillRect/>
-          </a:stretch>
-        </p:blipFill>
-        <p:spPr>
-          <a:xfrm rot="10800000">
-            <a:off x="3735310" y="4410635"/>
-            <a:ext cx="914400" cy="914400"/>
-          </a:xfrm>
-          <a:prstGeom prst="rect">
-            <a:avLst/>
-          </a:prstGeom>
-        </p:spPr>
-      </p:pic>
-      <p:pic>
-        <p:nvPicPr>
-          <p:cNvPr id="9" name="Graphic 8" descr="Illustrator with solid fill">
-            <a:extLst>
-              <a:ext uri="{FF2B5EF4-FFF2-40B4-BE49-F238E27FC236}">
-                <a16:creationId xmlns:a16="http://schemas.microsoft.com/office/drawing/2014/main" id="{0C75125B-3451-44DC-B5CA-A85C666C5D1B}"/>
-              </a:ext>
-            </a:extLst>
-          </p:cNvPr>
-          <p:cNvPicPr>
-            <a:picLocks noChangeAspect="1"/>
-          </p:cNvPicPr>
-          <p:nvPr/>
-        </p:nvPicPr>
-        <p:blipFill>
-          <a:blip r:embed="rId6">
-            <a:extLst>
-              <a:ext uri="{28A0092B-C50C-407E-A947-70E740481C1C}">
-                <a14:useLocalDpi xmlns:a14="http://schemas.microsoft.com/office/drawing/2010/main" val="0"/>
-              </a:ext>
-              <a:ext uri="{96DAC541-7B7A-43D3-8B79-37D633B846F1}">
-                <asvg:svgBlip xmlns:asvg="http://schemas.microsoft.com/office/drawing/2016/SVG/main" r:embed="rId7"/>
-              </a:ext>
-            </a:extLst>
-          </a:blip>
-          <a:stretch>
-            <a:fillRect/>
-          </a:stretch>
-        </p:blipFill>
-        <p:spPr>
-          <a:xfrm>
-            <a:off x="4461353" y="3748006"/>
-            <a:ext cx="2321859" cy="2321859"/>
+            <a:off x="838200" y="2319910"/>
+            <a:ext cx="3253048" cy="2818147"/>
           </a:xfrm>
           <a:prstGeom prst="rect">
             <a:avLst/>
@@ -6911,10 +9656,10 @@
       </p:pic>
       <p:sp>
         <p:nvSpPr>
-          <p:cNvPr id="10" name="TextBox 9">
+          <p:cNvPr id="14" name="TextBox 13">
             <a:extLst>
               <a:ext uri="{FF2B5EF4-FFF2-40B4-BE49-F238E27FC236}">
-                <a16:creationId xmlns:a16="http://schemas.microsoft.com/office/drawing/2014/main" id="{0BD50C40-FC8B-4DBF-829A-DE816082A89D}"/>
+                <a16:creationId xmlns:a16="http://schemas.microsoft.com/office/drawing/2014/main" id="{D883AF30-A271-44FD-8BE5-1D305366EC48}"/>
               </a:ext>
             </a:extLst>
           </p:cNvPr>
@@ -6923,8 +9668,8 @@
         </p:nvSpPr>
         <p:spPr>
           <a:xfrm>
-            <a:off x="2224305" y="6035221"/>
-            <a:ext cx="1371600" cy="369332"/>
+            <a:off x="4332514" y="3254829"/>
+            <a:ext cx="1284515" cy="369332"/>
           </a:xfrm>
           <a:prstGeom prst="rect">
             <a:avLst/>
@@ -6937,126 +9682,106 @@
           </a:bodyPr>
           <a:lstStyle/>
           <a:p>
-            <a:pPr algn="ctr"/>
-            <a:r>
-              <a:rPr lang="en-US" dirty="0"/>
-              <a:t>Database</a:t>
+            <a:r>
+              <a:rPr lang="en-US" dirty="0"/>
+              <a:t>Schemas</a:t>
             </a:r>
           </a:p>
         </p:txBody>
       </p:sp>
-      <p:sp>
-        <p:nvSpPr>
-          <p:cNvPr id="11" name="TextBox 10">
+      <p:cxnSp>
+        <p:nvCxnSpPr>
+          <p:cNvPr id="16" name="Straight Arrow Connector 15">
             <a:extLst>
               <a:ext uri="{FF2B5EF4-FFF2-40B4-BE49-F238E27FC236}">
-                <a16:creationId xmlns:a16="http://schemas.microsoft.com/office/drawing/2014/main" id="{D76A8A77-A554-4E41-B320-9B553E5B42CD}"/>
+                <a16:creationId xmlns:a16="http://schemas.microsoft.com/office/drawing/2014/main" id="{8995E411-4D24-4409-ADD0-85EC533B26EA}"/>
               </a:ext>
             </a:extLst>
           </p:cNvPr>
-          <p:cNvSpPr txBox="1"/>
+          <p:cNvCxnSpPr>
+            <a:stCxn id="14" idx="1"/>
+          </p:cNvCxnSpPr>
           <p:nvPr/>
-        </p:nvSpPr>
+        </p:nvCxnSpPr>
         <p:spPr>
-          <a:xfrm>
-            <a:off x="4936482" y="6069865"/>
-            <a:ext cx="1371600" cy="369332"/>
+          <a:xfrm flipH="1" flipV="1">
+            <a:off x="3200400" y="3429000"/>
+            <a:ext cx="1132114" cy="10495"/>
           </a:xfrm>
-          <a:prstGeom prst="rect">
+          <a:prstGeom prst="straightConnector1">
             <a:avLst/>
           </a:prstGeom>
-          <a:noFill/>
+          <a:ln w="38100">
+            <a:solidFill>
+              <a:srgbClr val="FF0000"/>
+            </a:solidFill>
+            <a:tailEnd type="triangle"/>
+          </a:ln>
         </p:spPr>
-        <p:txBody>
-          <a:bodyPr wrap="square" rtlCol="0">
-            <a:spAutoFit/>
-          </a:bodyPr>
-          <a:lstStyle/>
-          <a:p>
-            <a:pPr algn="ctr"/>
-            <a:r>
-              <a:rPr lang="en-US" dirty="0"/>
-              <a:t>Client</a:t>
-            </a:r>
-          </a:p>
-        </p:txBody>
-      </p:sp>
-      <p:sp>
-        <p:nvSpPr>
-          <p:cNvPr id="12" name="TextBox 11">
+        <p:style>
+          <a:lnRef idx="1">
+            <a:schemeClr val="accent1"/>
+          </a:lnRef>
+          <a:fillRef idx="0">
+            <a:schemeClr val="accent1"/>
+          </a:fillRef>
+          <a:effectRef idx="0">
+            <a:schemeClr val="accent1"/>
+          </a:effectRef>
+          <a:fontRef idx="minor">
+            <a:schemeClr val="tx1"/>
+          </a:fontRef>
+        </p:style>
+      </p:cxnSp>
+      <p:cxnSp>
+        <p:nvCxnSpPr>
+          <p:cNvPr id="17" name="Straight Arrow Connector 16">
             <a:extLst>
               <a:ext uri="{FF2B5EF4-FFF2-40B4-BE49-F238E27FC236}">
-                <a16:creationId xmlns:a16="http://schemas.microsoft.com/office/drawing/2014/main" id="{CFEC68C5-061D-45CE-9A4E-8F8F95511BC9}"/>
+                <a16:creationId xmlns:a16="http://schemas.microsoft.com/office/drawing/2014/main" id="{BBF7C35F-A4A7-4360-94BF-46A1A1C31725}"/>
               </a:ext>
             </a:extLst>
           </p:cNvPr>
-          <p:cNvSpPr txBox="1"/>
+          <p:cNvCxnSpPr>
+            <a:cxnSpLocks/>
+            <a:stCxn id="14" idx="1"/>
+          </p:cNvCxnSpPr>
           <p:nvPr/>
-        </p:nvSpPr>
+        </p:nvCxnSpPr>
         <p:spPr>
-          <a:xfrm>
-            <a:off x="877054" y="4296745"/>
-            <a:ext cx="1135545" cy="369332"/>
+          <a:xfrm flipH="1">
+            <a:off x="3200400" y="3439495"/>
+            <a:ext cx="1132114" cy="813888"/>
           </a:xfrm>
-          <a:prstGeom prst="rect">
+          <a:prstGeom prst="straightConnector1">
             <a:avLst/>
           </a:prstGeom>
-          <a:noFill/>
+          <a:ln w="38100">
+            <a:solidFill>
+              <a:srgbClr val="FF0000"/>
+            </a:solidFill>
+            <a:tailEnd type="triangle"/>
+          </a:ln>
         </p:spPr>
-        <p:txBody>
-          <a:bodyPr wrap="square" rtlCol="0">
-            <a:spAutoFit/>
-          </a:bodyPr>
-          <a:lstStyle/>
-          <a:p>
-            <a:pPr algn="r"/>
-            <a:r>
-              <a:rPr lang="en-US" dirty="0"/>
-              <a:t>Schema</a:t>
-            </a:r>
-          </a:p>
-        </p:txBody>
-      </p:sp>
-      <p:sp>
-        <p:nvSpPr>
-          <p:cNvPr id="14" name="TextBox 13">
-            <a:extLst>
-              <a:ext uri="{FF2B5EF4-FFF2-40B4-BE49-F238E27FC236}">
-                <a16:creationId xmlns:a16="http://schemas.microsoft.com/office/drawing/2014/main" id="{7F265940-F61B-49DA-8976-157BC9730532}"/>
-              </a:ext>
-            </a:extLst>
-          </p:cNvPr>
-          <p:cNvSpPr txBox="1"/>
-          <p:nvPr/>
-        </p:nvSpPr>
-        <p:spPr>
-          <a:xfrm>
-            <a:off x="877054" y="4645744"/>
-            <a:ext cx="1135545" cy="369332"/>
-          </a:xfrm>
-          <a:prstGeom prst="rect">
-            <a:avLst/>
-          </a:prstGeom>
-          <a:noFill/>
-        </p:spPr>
-        <p:txBody>
-          <a:bodyPr wrap="square" rtlCol="0">
-            <a:spAutoFit/>
-          </a:bodyPr>
-          <a:lstStyle/>
-          <a:p>
-            <a:pPr algn="r"/>
-            <a:r>
-              <a:rPr lang="en-US" dirty="0"/>
-              <a:t>Data</a:t>
-            </a:r>
-          </a:p>
-        </p:txBody>
-      </p:sp>
+        <p:style>
+          <a:lnRef idx="1">
+            <a:schemeClr val="accent1"/>
+          </a:lnRef>
+          <a:fillRef idx="0">
+            <a:schemeClr val="accent1"/>
+          </a:fillRef>
+          <a:effectRef idx="0">
+            <a:schemeClr val="accent1"/>
+          </a:effectRef>
+          <a:fontRef idx="minor">
+            <a:schemeClr val="tx1"/>
+          </a:fontRef>
+        </p:style>
+      </p:cxnSp>
     </p:spTree>
     <p:extLst>
       <p:ext uri="{BB962C8B-B14F-4D97-AF65-F5344CB8AC3E}">
-        <p14:creationId xmlns:p14="http://schemas.microsoft.com/office/powerpoint/2010/main" val="1771439384"/>
+        <p14:creationId xmlns:p14="http://schemas.microsoft.com/office/powerpoint/2010/main" val="1898286388"/>
       </p:ext>
     </p:extLst>
   </p:cSld>
@@ -7100,7 +9825,7 @@
           <p:cNvPr id="2" name="Title 1">
             <a:extLst>
               <a:ext uri="{FF2B5EF4-FFF2-40B4-BE49-F238E27FC236}">
-                <a16:creationId xmlns:a16="http://schemas.microsoft.com/office/drawing/2014/main" id="{A2BE6ACC-1FFD-40D9-903C-E11E5A1F9A0F}"/>
+                <a16:creationId xmlns:a16="http://schemas.microsoft.com/office/drawing/2014/main" id="{593075D0-37DB-4977-8710-8B1252F0198E}"/>
               </a:ext>
             </a:extLst>
           </p:cNvPr>
@@ -7118,317 +9843,170 @@
           <a:p>
             <a:r>
               <a:rPr lang="en-US" dirty="0"/>
-              <a:t>Connections need…</a:t>
+              <a:t>A schema can have many tables</a:t>
             </a:r>
           </a:p>
         </p:txBody>
       </p:sp>
-      <p:sp>
-        <p:nvSpPr>
-          <p:cNvPr id="3" name="Text Placeholder 2">
+      <p:pic>
+        <p:nvPicPr>
+          <p:cNvPr id="6" name="Picture 5">
             <a:extLst>
               <a:ext uri="{FF2B5EF4-FFF2-40B4-BE49-F238E27FC236}">
-                <a16:creationId xmlns:a16="http://schemas.microsoft.com/office/drawing/2014/main" id="{7B2624FA-DBD0-4FFF-9636-386455ACCF3C}"/>
+                <a16:creationId xmlns:a16="http://schemas.microsoft.com/office/drawing/2014/main" id="{1910A108-FD31-43BE-9D2D-89BAC64EF83B}"/>
               </a:ext>
             </a:extLst>
           </p:cNvPr>
-          <p:cNvSpPr>
-            <a:spLocks noGrp="1"/>
-          </p:cNvSpPr>
-          <p:nvPr>
-            <p:ph type="body" idx="1"/>
-          </p:nvPr>
+          <p:cNvPicPr>
+            <a:picLocks noChangeAspect="1"/>
+          </p:cNvPicPr>
+          <p:nvPr/>
+        </p:nvPicPr>
+        <p:blipFill>
+          <a:blip r:embed="rId2"/>
+          <a:stretch>
+            <a:fillRect/>
+          </a:stretch>
+        </p:blipFill>
+        <p:spPr>
+          <a:xfrm>
+            <a:off x="838200" y="2549023"/>
+            <a:ext cx="6210264" cy="2243913"/>
+          </a:xfrm>
+          <a:prstGeom prst="rect">
+            <a:avLst/>
+          </a:prstGeom>
+        </p:spPr>
+      </p:pic>
+      <p:sp>
+        <p:nvSpPr>
+          <p:cNvPr id="7" name="TextBox 6">
+            <a:extLst>
+              <a:ext uri="{FF2B5EF4-FFF2-40B4-BE49-F238E27FC236}">
+                <a16:creationId xmlns:a16="http://schemas.microsoft.com/office/drawing/2014/main" id="{4E7942B0-528D-49F8-BBAE-75147FD49E8C}"/>
+              </a:ext>
+            </a:extLst>
+          </p:cNvPr>
+          <p:cNvSpPr txBox="1"/>
+          <p:nvPr/>
         </p:nvSpPr>
         <p:spPr>
           <a:xfrm>
-            <a:off x="396038" y="1681163"/>
-            <a:ext cx="3664974" cy="823912"/>
+            <a:off x="4157703" y="2017700"/>
+            <a:ext cx="1284515" cy="369332"/>
           </a:xfrm>
+          <a:prstGeom prst="rect">
+            <a:avLst/>
+          </a:prstGeom>
+          <a:noFill/>
         </p:spPr>
         <p:txBody>
-          <a:bodyPr/>
+          <a:bodyPr wrap="square" rtlCol="0">
+            <a:spAutoFit/>
+          </a:bodyPr>
           <a:lstStyle/>
           <a:p>
             <a:r>
-              <a:rPr lang="en-US" dirty="0">
-                <a:solidFill>
-                  <a:srgbClr val="00B050"/>
-                </a:solidFill>
-              </a:rPr>
-              <a:t>Browser to Website</a:t>
+              <a:rPr lang="en-US" dirty="0"/>
+              <a:t>Tables</a:t>
             </a:r>
           </a:p>
         </p:txBody>
       </p:sp>
-      <p:sp>
-        <p:nvSpPr>
-          <p:cNvPr id="4" name="Content Placeholder 3">
+      <p:cxnSp>
+        <p:nvCxnSpPr>
+          <p:cNvPr id="8" name="Straight Arrow Connector 7">
             <a:extLst>
               <a:ext uri="{FF2B5EF4-FFF2-40B4-BE49-F238E27FC236}">
-                <a16:creationId xmlns:a16="http://schemas.microsoft.com/office/drawing/2014/main" id="{11FBF4CE-8897-4A23-A96D-B2A9915304AB}"/>
+                <a16:creationId xmlns:a16="http://schemas.microsoft.com/office/drawing/2014/main" id="{ABB5FFD7-3328-468A-9E15-7E8EDD706C0E}"/>
               </a:ext>
             </a:extLst>
           </p:cNvPr>
-          <p:cNvSpPr>
-            <a:spLocks noGrp="1"/>
-          </p:cNvSpPr>
-          <p:nvPr>
-            <p:ph sz="half" idx="2"/>
-          </p:nvPr>
-        </p:nvSpPr>
+          <p:cNvCxnSpPr>
+            <a:cxnSpLocks/>
+            <a:stCxn id="7" idx="1"/>
+          </p:cNvCxnSpPr>
+          <p:nvPr/>
+        </p:nvCxnSpPr>
         <p:spPr>
-          <a:xfrm>
-            <a:off x="396038" y="2505075"/>
-            <a:ext cx="3664974" cy="3684588"/>
+          <a:xfrm flipH="1">
+            <a:off x="2931459" y="2202366"/>
+            <a:ext cx="1226244" cy="742540"/>
           </a:xfrm>
+          <a:prstGeom prst="straightConnector1">
+            <a:avLst/>
+          </a:prstGeom>
+          <a:ln w="38100">
+            <a:solidFill>
+              <a:srgbClr val="FF0000"/>
+            </a:solidFill>
+            <a:tailEnd type="triangle"/>
+          </a:ln>
         </p:spPr>
-        <p:txBody>
-          <a:bodyPr/>
-          <a:lstStyle/>
-          <a:p>
-            <a:r>
-              <a:rPr lang="en-US" dirty="0"/>
-              <a:t>The </a:t>
-            </a:r>
-            <a:r>
-              <a:rPr lang="en-US" dirty="0">
-                <a:solidFill>
-                  <a:schemeClr val="accent1"/>
-                </a:solidFill>
-              </a:rPr>
-              <a:t>scheme</a:t>
-            </a:r>
-            <a:r>
-              <a:rPr lang="en-US" dirty="0"/>
-              <a:t> (http/https)</a:t>
-            </a:r>
-          </a:p>
-          <a:p>
-            <a:r>
-              <a:rPr lang="en-US" dirty="0"/>
-              <a:t>The </a:t>
-            </a:r>
-            <a:r>
-              <a:rPr lang="en-US" dirty="0">
-                <a:solidFill>
-                  <a:schemeClr val="accent1"/>
-                </a:solidFill>
-              </a:rPr>
-              <a:t>host</a:t>
-            </a:r>
-            <a:r>
-              <a:rPr lang="en-US" dirty="0"/>
-              <a:t> name</a:t>
-            </a:r>
-          </a:p>
-          <a:p>
-            <a:r>
-              <a:rPr lang="en-US" dirty="0"/>
-              <a:t>The </a:t>
-            </a:r>
-            <a:r>
-              <a:rPr lang="en-US" dirty="0">
-                <a:solidFill>
-                  <a:schemeClr val="accent1"/>
-                </a:solidFill>
-              </a:rPr>
-              <a:t>port</a:t>
-            </a:r>
-            <a:r>
-              <a:rPr lang="en-US" dirty="0"/>
-              <a:t> number</a:t>
-            </a:r>
-          </a:p>
-          <a:p>
-            <a:r>
-              <a:rPr lang="en-US" dirty="0"/>
-              <a:t>The </a:t>
-            </a:r>
-            <a:r>
-              <a:rPr lang="en-US" dirty="0">
-                <a:solidFill>
-                  <a:schemeClr val="accent1"/>
-                </a:solidFill>
-              </a:rPr>
-              <a:t>locator</a:t>
-            </a:r>
-            <a:r>
-              <a:rPr lang="en-US" dirty="0"/>
-              <a:t> name</a:t>
-            </a:r>
-          </a:p>
-          <a:p>
-            <a:pPr marL="0" indent="0">
-              <a:buNone/>
-            </a:pPr>
-            <a:r>
-              <a:rPr lang="en-US" dirty="0"/>
-              <a:t>https://exxon.com:8080/global_warming</a:t>
-            </a:r>
-          </a:p>
-        </p:txBody>
-      </p:sp>
-      <p:sp>
-        <p:nvSpPr>
-          <p:cNvPr id="5" name="Text Placeholder 4">
+        <p:style>
+          <a:lnRef idx="1">
+            <a:schemeClr val="accent1"/>
+          </a:lnRef>
+          <a:fillRef idx="0">
+            <a:schemeClr val="accent1"/>
+          </a:fillRef>
+          <a:effectRef idx="0">
+            <a:schemeClr val="accent1"/>
+          </a:effectRef>
+          <a:fontRef idx="minor">
+            <a:schemeClr val="tx1"/>
+          </a:fontRef>
+        </p:style>
+      </p:cxnSp>
+      <p:cxnSp>
+        <p:nvCxnSpPr>
+          <p:cNvPr id="9" name="Straight Arrow Connector 8">
             <a:extLst>
               <a:ext uri="{FF2B5EF4-FFF2-40B4-BE49-F238E27FC236}">
-                <a16:creationId xmlns:a16="http://schemas.microsoft.com/office/drawing/2014/main" id="{3547D0F3-2AEF-4DC3-A137-6D941BD388D5}"/>
+                <a16:creationId xmlns:a16="http://schemas.microsoft.com/office/drawing/2014/main" id="{47C75079-A05C-4CB7-A0FC-4BB354332614}"/>
               </a:ext>
             </a:extLst>
           </p:cNvPr>
-          <p:cNvSpPr>
-            <a:spLocks noGrp="1"/>
-          </p:cNvSpPr>
-          <p:nvPr>
-            <p:ph type="body" idx="10"/>
-          </p:nvPr>
-        </p:nvSpPr>
+          <p:cNvCxnSpPr>
+            <a:cxnSpLocks/>
+            <a:stCxn id="7" idx="1"/>
+          </p:cNvCxnSpPr>
+          <p:nvPr/>
+        </p:nvCxnSpPr>
         <p:spPr>
-          <a:xfrm>
-            <a:off x="4206034" y="1681163"/>
-            <a:ext cx="3502165" cy="823912"/>
+          <a:xfrm flipH="1">
+            <a:off x="3025589" y="2202366"/>
+            <a:ext cx="1132114" cy="1885540"/>
           </a:xfrm>
+          <a:prstGeom prst="straightConnector1">
+            <a:avLst/>
+          </a:prstGeom>
+          <a:ln w="38100">
+            <a:solidFill>
+              <a:srgbClr val="FF0000"/>
+            </a:solidFill>
+            <a:tailEnd type="triangle"/>
+          </a:ln>
         </p:spPr>
-        <p:txBody>
-          <a:bodyPr/>
-          <a:lstStyle/>
-          <a:p>
-            <a:r>
-              <a:rPr lang="en-US" dirty="0">
-                <a:solidFill>
-                  <a:srgbClr val="00B050"/>
-                </a:solidFill>
-              </a:rPr>
-              <a:t>Client to database</a:t>
-            </a:r>
-          </a:p>
-        </p:txBody>
-      </p:sp>
-      <p:sp>
-        <p:nvSpPr>
-          <p:cNvPr id="6" name="Content Placeholder 5">
-            <a:extLst>
-              <a:ext uri="{FF2B5EF4-FFF2-40B4-BE49-F238E27FC236}">
-                <a16:creationId xmlns:a16="http://schemas.microsoft.com/office/drawing/2014/main" id="{735E86DB-D105-4700-8CB8-C4293BC2D14B}"/>
-              </a:ext>
-            </a:extLst>
-          </p:cNvPr>
-          <p:cNvSpPr>
-            <a:spLocks noGrp="1"/>
-          </p:cNvSpPr>
-          <p:nvPr>
-            <p:ph sz="half" idx="11"/>
-          </p:nvPr>
-        </p:nvSpPr>
-        <p:spPr>
-          <a:xfrm>
-            <a:off x="4206034" y="2505075"/>
-            <a:ext cx="3502165" cy="3684588"/>
-          </a:xfrm>
-        </p:spPr>
-        <p:txBody>
-          <a:bodyPr/>
-          <a:lstStyle/>
-          <a:p>
-            <a:r>
-              <a:rPr lang="en-US" dirty="0"/>
-              <a:t>The database </a:t>
-            </a:r>
-            <a:r>
-              <a:rPr lang="en-US" dirty="0">
-                <a:solidFill>
-                  <a:srgbClr val="FFFF00"/>
-                </a:solidFill>
-              </a:rPr>
-              <a:t>type</a:t>
-            </a:r>
-            <a:r>
-              <a:rPr lang="en-US" dirty="0"/>
-              <a:t> (</a:t>
-            </a:r>
-            <a:r>
-              <a:rPr lang="en-US" dirty="0" err="1"/>
-              <a:t>mysql</a:t>
-            </a:r>
-            <a:r>
-              <a:rPr lang="en-US" dirty="0"/>
-              <a:t>)</a:t>
-            </a:r>
-          </a:p>
-          <a:p>
-            <a:r>
-              <a:rPr lang="en-US" dirty="0"/>
-              <a:t>The </a:t>
-            </a:r>
-            <a:r>
-              <a:rPr lang="en-US" dirty="0">
-                <a:solidFill>
-                  <a:srgbClr val="FFFF00"/>
-                </a:solidFill>
-              </a:rPr>
-              <a:t>host</a:t>
-            </a:r>
-            <a:r>
-              <a:rPr lang="en-US" dirty="0"/>
-              <a:t> name</a:t>
-            </a:r>
-          </a:p>
-          <a:p>
-            <a:r>
-              <a:rPr lang="en-US" dirty="0"/>
-              <a:t>The </a:t>
-            </a:r>
-            <a:r>
-              <a:rPr lang="en-US" dirty="0">
-                <a:solidFill>
-                  <a:srgbClr val="FFFF00"/>
-                </a:solidFill>
-              </a:rPr>
-              <a:t>port</a:t>
-            </a:r>
-            <a:r>
-              <a:rPr lang="en-US" dirty="0"/>
-              <a:t> number</a:t>
-            </a:r>
-          </a:p>
-          <a:p>
-            <a:r>
-              <a:rPr lang="en-US" dirty="0"/>
-              <a:t>The </a:t>
-            </a:r>
-            <a:r>
-              <a:rPr lang="en-US" dirty="0">
-                <a:solidFill>
-                  <a:srgbClr val="FFFF00"/>
-                </a:solidFill>
-              </a:rPr>
-              <a:t>schema</a:t>
-            </a:r>
-            <a:r>
-              <a:rPr lang="en-US" dirty="0"/>
-              <a:t> name</a:t>
-            </a:r>
-          </a:p>
-          <a:p>
-            <a:pPr marL="0" indent="0">
-              <a:buNone/>
-            </a:pPr>
-            <a:r>
-              <a:rPr lang="en-US" dirty="0" err="1"/>
-              <a:t>jdbc:mysql</a:t>
-            </a:r>
-            <a:r>
-              <a:rPr lang="en-US" dirty="0"/>
-              <a:t>://localhost:3306/recipes</a:t>
-            </a:r>
-          </a:p>
-        </p:txBody>
-      </p:sp>
+        <p:style>
+          <a:lnRef idx="1">
+            <a:schemeClr val="accent1"/>
+          </a:lnRef>
+          <a:fillRef idx="0">
+            <a:schemeClr val="accent1"/>
+          </a:fillRef>
+          <a:effectRef idx="0">
+            <a:schemeClr val="accent1"/>
+          </a:effectRef>
+          <a:fontRef idx="minor">
+            <a:schemeClr val="tx1"/>
+          </a:fontRef>
+        </p:style>
+      </p:cxnSp>
     </p:spTree>
     <p:extLst>
       <p:ext uri="{BB962C8B-B14F-4D97-AF65-F5344CB8AC3E}">
-        <p14:creationId xmlns:p14="http://schemas.microsoft.com/office/powerpoint/2010/main" val="2507719009"/>
+        <p14:creationId xmlns:p14="http://schemas.microsoft.com/office/powerpoint/2010/main" val="1745669931"/>
       </p:ext>
     </p:extLst>
   </p:cSld>
@@ -7709,4 +10287,319 @@
     </a:ext>
   </a:extLst>
 </a:theme>
+</file>
+
+<file path=ppt/theme/theme2.xml><?xml version="1.0" encoding="utf-8"?>
+<a:theme xmlns:a="http://schemas.openxmlformats.org/drawingml/2006/main" name="Office Theme">
+  <a:themeElements>
+    <a:clrScheme name="Office">
+      <a:dk1>
+        <a:sysClr val="windowText" lastClr="000000"/>
+      </a:dk1>
+      <a:lt1>
+        <a:sysClr val="window" lastClr="FFFFFF"/>
+      </a:lt1>
+      <a:dk2>
+        <a:srgbClr val="0E2841"/>
+      </a:dk2>
+      <a:lt2>
+        <a:srgbClr val="E8E8E8"/>
+      </a:lt2>
+      <a:accent1>
+        <a:srgbClr val="156082"/>
+      </a:accent1>
+      <a:accent2>
+        <a:srgbClr val="E97132"/>
+      </a:accent2>
+      <a:accent3>
+        <a:srgbClr val="196B24"/>
+      </a:accent3>
+      <a:accent4>
+        <a:srgbClr val="0F9ED5"/>
+      </a:accent4>
+      <a:accent5>
+        <a:srgbClr val="A02B93"/>
+      </a:accent5>
+      <a:accent6>
+        <a:srgbClr val="4EA72E"/>
+      </a:accent6>
+      <a:hlink>
+        <a:srgbClr val="467886"/>
+      </a:hlink>
+      <a:folHlink>
+        <a:srgbClr val="96607D"/>
+      </a:folHlink>
+    </a:clrScheme>
+    <a:fontScheme name="Office">
+      <a:majorFont>
+        <a:latin typeface="Aptos Display" panose="02110004020202020204"/>
+        <a:ea typeface=""/>
+        <a:cs typeface=""/>
+        <a:font script="Jpan" typeface="游ゴシック Light"/>
+        <a:font script="Hang" typeface="맑은 고딕"/>
+        <a:font script="Hans" typeface="等线 Light"/>
+        <a:font script="Hant" typeface="新細明體"/>
+        <a:font script="Arab" typeface="Times New Roman"/>
+        <a:font script="Hebr" typeface="Times New Roman"/>
+        <a:font script="Thai" typeface="Angsana New"/>
+        <a:font script="Ethi" typeface="Nyala"/>
+        <a:font script="Beng" typeface="Vrinda"/>
+        <a:font script="Gujr" typeface="Shruti"/>
+        <a:font script="Khmr" typeface="MoolBoran"/>
+        <a:font script="Knda" typeface="Tunga"/>
+        <a:font script="Guru" typeface="Raavi"/>
+        <a:font script="Cans" typeface="Euphemia"/>
+        <a:font script="Cher" typeface="Plantagenet Cherokee"/>
+        <a:font script="Yiii" typeface="Microsoft Yi Baiti"/>
+        <a:font script="Tibt" typeface="Microsoft Himalaya"/>
+        <a:font script="Thaa" typeface="MV Boli"/>
+        <a:font script="Deva" typeface="Mangal"/>
+        <a:font script="Telu" typeface="Gautami"/>
+        <a:font script="Taml" typeface="Latha"/>
+        <a:font script="Syrc" typeface="Estrangelo Edessa"/>
+        <a:font script="Orya" typeface="Kalinga"/>
+        <a:font script="Mlym" typeface="Kartika"/>
+        <a:font script="Laoo" typeface="DokChampa"/>
+        <a:font script="Sinh" typeface="Iskoola Pota"/>
+        <a:font script="Mong" typeface="Mongolian Baiti"/>
+        <a:font script="Viet" typeface="Times New Roman"/>
+        <a:font script="Uigh" typeface="Microsoft Uighur"/>
+        <a:font script="Geor" typeface="Sylfaen"/>
+        <a:font script="Armn" typeface="Arial"/>
+        <a:font script="Bugi" typeface="Leelawadee UI"/>
+        <a:font script="Bopo" typeface="Microsoft JhengHei"/>
+        <a:font script="Java" typeface="Javanese Text"/>
+        <a:font script="Lisu" typeface="Segoe UI"/>
+        <a:font script="Mymr" typeface="Myanmar Text"/>
+        <a:font script="Nkoo" typeface="Ebrima"/>
+        <a:font script="Olck" typeface="Nirmala UI"/>
+        <a:font script="Osma" typeface="Ebrima"/>
+        <a:font script="Phag" typeface="Phagspa"/>
+        <a:font script="Syrn" typeface="Estrangelo Edessa"/>
+        <a:font script="Syrj" typeface="Estrangelo Edessa"/>
+        <a:font script="Syre" typeface="Estrangelo Edessa"/>
+        <a:font script="Sora" typeface="Nirmala UI"/>
+        <a:font script="Tale" typeface="Microsoft Tai Le"/>
+        <a:font script="Talu" typeface="Microsoft New Tai Lue"/>
+        <a:font script="Tfng" typeface="Ebrima"/>
+      </a:majorFont>
+      <a:minorFont>
+        <a:latin typeface="Aptos" panose="02110004020202020204"/>
+        <a:ea typeface=""/>
+        <a:cs typeface=""/>
+        <a:font script="Jpan" typeface="游ゴシック"/>
+        <a:font script="Hang" typeface="맑은 고딕"/>
+        <a:font script="Hans" typeface="等线"/>
+        <a:font script="Hant" typeface="新細明體"/>
+        <a:font script="Arab" typeface="Arial"/>
+        <a:font script="Hebr" typeface="Arial"/>
+        <a:font script="Thai" typeface="Cordia New"/>
+        <a:font script="Ethi" typeface="Nyala"/>
+        <a:font script="Beng" typeface="Vrinda"/>
+        <a:font script="Gujr" typeface="Shruti"/>
+        <a:font script="Khmr" typeface="DaunPenh"/>
+        <a:font script="Knda" typeface="Tunga"/>
+        <a:font script="Guru" typeface="Raavi"/>
+        <a:font script="Cans" typeface="Euphemia"/>
+        <a:font script="Cher" typeface="Plantagenet Cherokee"/>
+        <a:font script="Yiii" typeface="Microsoft Yi Baiti"/>
+        <a:font script="Tibt" typeface="Microsoft Himalaya"/>
+        <a:font script="Thaa" typeface="MV Boli"/>
+        <a:font script="Deva" typeface="Mangal"/>
+        <a:font script="Telu" typeface="Gautami"/>
+        <a:font script="Taml" typeface="Latha"/>
+        <a:font script="Syrc" typeface="Estrangelo Edessa"/>
+        <a:font script="Orya" typeface="Kalinga"/>
+        <a:font script="Mlym" typeface="Kartika"/>
+        <a:font script="Laoo" typeface="DokChampa"/>
+        <a:font script="Sinh" typeface="Iskoola Pota"/>
+        <a:font script="Mong" typeface="Mongolian Baiti"/>
+        <a:font script="Viet" typeface="Arial"/>
+        <a:font script="Uigh" typeface="Microsoft Uighur"/>
+        <a:font script="Geor" typeface="Sylfaen"/>
+        <a:font script="Armn" typeface="Arial"/>
+        <a:font script="Bugi" typeface="Leelawadee UI"/>
+        <a:font script="Bopo" typeface="Microsoft JhengHei"/>
+        <a:font script="Java" typeface="Javanese Text"/>
+        <a:font script="Lisu" typeface="Segoe UI"/>
+        <a:font script="Mymr" typeface="Myanmar Text"/>
+        <a:font script="Nkoo" typeface="Ebrima"/>
+        <a:font script="Olck" typeface="Nirmala UI"/>
+        <a:font script="Osma" typeface="Ebrima"/>
+        <a:font script="Phag" typeface="Phagspa"/>
+        <a:font script="Syrn" typeface="Estrangelo Edessa"/>
+        <a:font script="Syrj" typeface="Estrangelo Edessa"/>
+        <a:font script="Syre" typeface="Estrangelo Edessa"/>
+        <a:font script="Sora" typeface="Nirmala UI"/>
+        <a:font script="Tale" typeface="Microsoft Tai Le"/>
+        <a:font script="Talu" typeface="Microsoft New Tai Lue"/>
+        <a:font script="Tfng" typeface="Ebrima"/>
+      </a:minorFont>
+    </a:fontScheme>
+    <a:fmtScheme name="Office">
+      <a:fillStyleLst>
+        <a:solidFill>
+          <a:schemeClr val="phClr"/>
+        </a:solidFill>
+        <a:gradFill rotWithShape="1">
+          <a:gsLst>
+            <a:gs pos="0">
+              <a:schemeClr val="phClr">
+                <a:lumMod val="110000"/>
+                <a:satMod val="105000"/>
+                <a:tint val="67000"/>
+              </a:schemeClr>
+            </a:gs>
+            <a:gs pos="50000">
+              <a:schemeClr val="phClr">
+                <a:lumMod val="105000"/>
+                <a:satMod val="103000"/>
+                <a:tint val="73000"/>
+              </a:schemeClr>
+            </a:gs>
+            <a:gs pos="100000">
+              <a:schemeClr val="phClr">
+                <a:lumMod val="105000"/>
+                <a:satMod val="109000"/>
+                <a:tint val="81000"/>
+              </a:schemeClr>
+            </a:gs>
+          </a:gsLst>
+          <a:lin ang="5400000" scaled="0"/>
+        </a:gradFill>
+        <a:gradFill rotWithShape="1">
+          <a:gsLst>
+            <a:gs pos="0">
+              <a:schemeClr val="phClr">
+                <a:satMod val="103000"/>
+                <a:lumMod val="102000"/>
+                <a:tint val="94000"/>
+              </a:schemeClr>
+            </a:gs>
+            <a:gs pos="50000">
+              <a:schemeClr val="phClr">
+                <a:satMod val="110000"/>
+                <a:lumMod val="100000"/>
+                <a:shade val="100000"/>
+              </a:schemeClr>
+            </a:gs>
+            <a:gs pos="100000">
+              <a:schemeClr val="phClr">
+                <a:lumMod val="99000"/>
+                <a:satMod val="120000"/>
+                <a:shade val="78000"/>
+              </a:schemeClr>
+            </a:gs>
+          </a:gsLst>
+          <a:lin ang="5400000" scaled="0"/>
+        </a:gradFill>
+      </a:fillStyleLst>
+      <a:lnStyleLst>
+        <a:ln w="12700" cap="flat" cmpd="sng" algn="ctr">
+          <a:solidFill>
+            <a:schemeClr val="phClr"/>
+          </a:solidFill>
+          <a:prstDash val="solid"/>
+          <a:miter lim="800000"/>
+        </a:ln>
+        <a:ln w="19050" cap="flat" cmpd="sng" algn="ctr">
+          <a:solidFill>
+            <a:schemeClr val="phClr"/>
+          </a:solidFill>
+          <a:prstDash val="solid"/>
+          <a:miter lim="800000"/>
+        </a:ln>
+        <a:ln w="25400" cap="flat" cmpd="sng" algn="ctr">
+          <a:solidFill>
+            <a:schemeClr val="phClr"/>
+          </a:solidFill>
+          <a:prstDash val="solid"/>
+          <a:miter lim="800000"/>
+        </a:ln>
+      </a:lnStyleLst>
+      <a:effectStyleLst>
+        <a:effectStyle>
+          <a:effectLst/>
+        </a:effectStyle>
+        <a:effectStyle>
+          <a:effectLst/>
+        </a:effectStyle>
+        <a:effectStyle>
+          <a:effectLst>
+            <a:outerShdw blurRad="57150" dist="19050" dir="5400000" algn="ctr" rotWithShape="0">
+              <a:srgbClr val="000000">
+                <a:alpha val="63000"/>
+              </a:srgbClr>
+            </a:outerShdw>
+          </a:effectLst>
+        </a:effectStyle>
+      </a:effectStyleLst>
+      <a:bgFillStyleLst>
+        <a:solidFill>
+          <a:schemeClr val="phClr"/>
+        </a:solidFill>
+        <a:solidFill>
+          <a:schemeClr val="phClr">
+            <a:tint val="95000"/>
+            <a:satMod val="170000"/>
+          </a:schemeClr>
+        </a:solidFill>
+        <a:gradFill rotWithShape="1">
+          <a:gsLst>
+            <a:gs pos="0">
+              <a:schemeClr val="phClr">
+                <a:tint val="93000"/>
+                <a:satMod val="150000"/>
+                <a:shade val="98000"/>
+                <a:lumMod val="102000"/>
+              </a:schemeClr>
+            </a:gs>
+            <a:gs pos="50000">
+              <a:schemeClr val="phClr">
+                <a:tint val="98000"/>
+                <a:satMod val="130000"/>
+                <a:shade val="90000"/>
+                <a:lumMod val="103000"/>
+              </a:schemeClr>
+            </a:gs>
+            <a:gs pos="100000">
+              <a:schemeClr val="phClr">
+                <a:shade val="63000"/>
+                <a:satMod val="120000"/>
+              </a:schemeClr>
+            </a:gs>
+          </a:gsLst>
+          <a:lin ang="5400000" scaled="0"/>
+        </a:gradFill>
+      </a:bgFillStyleLst>
+    </a:fmtScheme>
+  </a:themeElements>
+  <a:objectDefaults>
+    <a:lnDef>
+      <a:spPr/>
+      <a:bodyPr/>
+      <a:lstStyle/>
+      <a:style>
+        <a:lnRef idx="2">
+          <a:schemeClr val="accent1"/>
+        </a:lnRef>
+        <a:fillRef idx="0">
+          <a:schemeClr val="accent1"/>
+        </a:fillRef>
+        <a:effectRef idx="1">
+          <a:schemeClr val="accent1"/>
+        </a:effectRef>
+        <a:fontRef idx="minor">
+          <a:schemeClr val="tx1"/>
+        </a:fontRef>
+      </a:style>
+    </a:lnDef>
+  </a:objectDefaults>
+  <a:extraClrSchemeLst/>
+  <a:extLst>
+    <a:ext uri="{05A4C25C-085E-4340-85A3-A5531E510DB2}">
+      <thm15:themeFamily xmlns:thm15="http://schemas.microsoft.com/office/thememl/2012/main" name="Office Theme" id="{2E142A2C-CD16-42D6-873A-C26D2A0506FA}" vid="{1BDDFF52-6CD6-40A5-AB3C-68EB2F1E4D0A}"/>
+    </a:ext>
+  </a:extLst>
+</a:theme>
 </file>
--- a/Week7/W1.03. Project Tools.pptx
+++ b/Week7/W1.03. Project Tools.pptx
@@ -180,14 +180,6 @@
     </p:ext>
   </p:extLst>
 </p:presentation>
-</file>
-
-<file path=ppt/revisionInfo.xml><?xml version="1.0" encoding="utf-8"?>
-<p1510:revInfo xmlns:a="http://schemas.openxmlformats.org/drawingml/2006/main" xmlns:r="http://schemas.openxmlformats.org/officeDocument/2006/relationships" xmlns:p1510="http://schemas.microsoft.com/office/powerpoint/2015/10/main">
-  <p1510:revLst>
-    <p1510:client id="{A16517E1-314B-4276-8CC4-26B24DEF8EB7}" v="18" dt="2024-03-20T23:14:19.120"/>
-  </p1510:revLst>
-</p1510:revInfo>
 </file>
 
 <file path=ppt/changesInfos/changesInfo1.xml><?xml version="1.0" encoding="utf-8"?>
@@ -984,6 +976,45 @@
     </pc:docChg>
   </pc:docChgLst>
   <pc:docChgLst>
+    <pc:chgData name="Chuck Kiefriter" userId="a996b49251c4dfd2" providerId="LiveId" clId="{A8F271DB-9215-43D9-B8B6-57EBCF0EA342}"/>
+    <pc:docChg chg="modSld">
+      <pc:chgData name="Chuck Kiefriter" userId="a996b49251c4dfd2" providerId="LiveId" clId="{A8F271DB-9215-43D9-B8B6-57EBCF0EA342}" dt="2024-09-18T23:09:05.150" v="1" actId="14100"/>
+      <pc:docMkLst>
+        <pc:docMk/>
+      </pc:docMkLst>
+      <pc:sldChg chg="modSp mod">
+        <pc:chgData name="Chuck Kiefriter" userId="a996b49251c4dfd2" providerId="LiveId" clId="{A8F271DB-9215-43D9-B8B6-57EBCF0EA342}" dt="2024-09-18T23:08:59.330" v="0" actId="14100"/>
+        <pc:sldMkLst>
+          <pc:docMk/>
+          <pc:sldMk cId="1583360768" sldId="262"/>
+        </pc:sldMkLst>
+        <pc:spChg chg="mod">
+          <ac:chgData name="Chuck Kiefriter" userId="a996b49251c4dfd2" providerId="LiveId" clId="{A8F271DB-9215-43D9-B8B6-57EBCF0EA342}" dt="2024-09-18T23:08:59.330" v="0" actId="14100"/>
+          <ac:spMkLst>
+            <pc:docMk/>
+            <pc:sldMk cId="1583360768" sldId="262"/>
+            <ac:spMk id="8" creationId="{58088221-3E49-4F53-9106-96CB440F9611}"/>
+          </ac:spMkLst>
+        </pc:spChg>
+      </pc:sldChg>
+      <pc:sldChg chg="modSp mod">
+        <pc:chgData name="Chuck Kiefriter" userId="a996b49251c4dfd2" providerId="LiveId" clId="{A8F271DB-9215-43D9-B8B6-57EBCF0EA342}" dt="2024-09-18T23:09:05.150" v="1" actId="14100"/>
+        <pc:sldMkLst>
+          <pc:docMk/>
+          <pc:sldMk cId="1771439384" sldId="263"/>
+        </pc:sldMkLst>
+        <pc:spChg chg="mod">
+          <ac:chgData name="Chuck Kiefriter" userId="a996b49251c4dfd2" providerId="LiveId" clId="{A8F271DB-9215-43D9-B8B6-57EBCF0EA342}" dt="2024-09-18T23:09:05.150" v="1" actId="14100"/>
+          <ac:spMkLst>
+            <pc:docMk/>
+            <pc:sldMk cId="1771439384" sldId="263"/>
+            <ac:spMk id="8" creationId="{58088221-3E49-4F53-9106-96CB440F9611}"/>
+          </ac:spMkLst>
+        </pc:spChg>
+      </pc:sldChg>
+    </pc:docChg>
+  </pc:docChgLst>
+  <pc:docChgLst>
     <pc:chgData name="Charles Kiefriter" userId="a996b49251c4dfd2" providerId="LiveId" clId="{8DFA5770-D99C-4CD2-B0B1-88C4F644F0DF}"/>
     <pc:docChg chg="modSld">
       <pc:chgData name="Charles Kiefriter" userId="a996b49251c4dfd2" providerId="LiveId" clId="{8DFA5770-D99C-4CD2-B0B1-88C4F644F0DF}" dt="2023-04-18T14:29:13.152" v="17" actId="20577"/>
@@ -1092,7 +1123,7 @@
           <a:p>
             <a:fld id="{AB701F57-5F74-443E-A46C-AF2488307327}" type="datetimeFigureOut">
               <a:rPr lang="en-US" smtClean="0"/>
-              <a:t>3/20/2024</a:t>
+              <a:t>9/18/2024</a:t>
             </a:fld>
             <a:endParaRPr lang="en-US"/>
           </a:p>
@@ -1687,7 +1718,7 @@
           <a:p>
             <a:fld id="{548C5E67-172B-4F6A-B3B9-DEF72F952E5B}" type="datetimeFigureOut">
               <a:rPr lang="en-US" smtClean="0"/>
-              <a:t>3/20/2024</a:t>
+              <a:t>9/18/2024</a:t>
             </a:fld>
             <a:endParaRPr lang="en-US"/>
           </a:p>
@@ -1891,7 +1922,7 @@
           <a:p>
             <a:fld id="{548C5E67-172B-4F6A-B3B9-DEF72F952E5B}" type="datetimeFigureOut">
               <a:rPr lang="en-US" smtClean="0"/>
-              <a:t>3/20/2024</a:t>
+              <a:t>9/18/2024</a:t>
             </a:fld>
             <a:endParaRPr lang="en-US"/>
           </a:p>
@@ -2085,7 +2116,7 @@
           <a:p>
             <a:fld id="{548C5E67-172B-4F6A-B3B9-DEF72F952E5B}" type="datetimeFigureOut">
               <a:rPr lang="en-US" smtClean="0"/>
-              <a:t>3/20/2024</a:t>
+              <a:t>9/18/2024</a:t>
             </a:fld>
             <a:endParaRPr lang="en-US"/>
           </a:p>
@@ -3130,7 +3161,7 @@
           <a:p>
             <a:fld id="{548C5E67-172B-4F6A-B3B9-DEF72F952E5B}" type="datetimeFigureOut">
               <a:rPr lang="en-US" smtClean="0"/>
-              <a:t>3/20/2024</a:t>
+              <a:t>9/18/2024</a:t>
             </a:fld>
             <a:endParaRPr lang="en-US"/>
           </a:p>
@@ -3411,7 +3442,7 @@
           <a:p>
             <a:fld id="{548C5E67-172B-4F6A-B3B9-DEF72F952E5B}" type="datetimeFigureOut">
               <a:rPr lang="en-US" smtClean="0"/>
-              <a:t>3/20/2024</a:t>
+              <a:t>9/18/2024</a:t>
             </a:fld>
             <a:endParaRPr lang="en-US"/>
           </a:p>
@@ -5013,7 +5044,7 @@
         <p:spPr>
           <a:xfrm>
             <a:off x="838200" y="1825625"/>
-            <a:ext cx="5525278" cy="1940832"/>
+            <a:ext cx="9649968" cy="1940832"/>
           </a:xfrm>
         </p:spPr>
         <p:txBody>
@@ -5164,7 +5195,7 @@
         <p:spPr>
           <a:xfrm>
             <a:off x="838200" y="1825625"/>
-            <a:ext cx="5525278" cy="1450975"/>
+            <a:ext cx="9531096" cy="1450975"/>
           </a:xfrm>
         </p:spPr>
         <p:txBody>
@@ -9351,13 +9382,13 @@
   <p:clrMapOvr>
     <a:masterClrMapping/>
   </p:clrMapOvr>
-  <mc:AlternateContent xmlns:mc="http://schemas.openxmlformats.org/markup-compatibility/2006">
-    <mc:Choice xmlns:p14="http://schemas.microsoft.com/office/powerpoint/2010/main" Requires="p14">
+  <mc:AlternateContent xmlns:mc="http://schemas.openxmlformats.org/markup-compatibility/2006" xmlns:p14="http://schemas.microsoft.com/office/powerpoint/2010/main">
+    <mc:Choice Requires="p14">
       <p:transition spd="med" p14:dur="700">
         <p:fade/>
       </p:transition>
     </mc:Choice>
-    <mc:Fallback>
+    <mc:Fallback xmlns="">
       <p:transition spd="med">
         <p:fade/>
       </p:transition>
